--- a/Presentation - Soccer Events (ELEC5305).pptx
+++ b/Presentation - Soccer Events (ELEC5305).pptx
@@ -1,48 +1,48 @@
 
 <file path=ppt/presentation.xml><?xml version="1.0" encoding="utf-8"?>
-<p:presentation xmlns:a="http://schemas.openxmlformats.org/drawingml/2006/main" xmlns:r="http://schemas.openxmlformats.org/officeDocument/2006/relationships" xmlns:p="http://schemas.openxmlformats.org/presentationml/2006/main" saveSubsetFonts="1" embedTrueTypeFonts="true">
+<p:presentation xmlns:a="http://schemas.openxmlformats.org/drawingml/2006/main" xmlns:r="http://schemas.openxmlformats.org/officeDocument/2006/relationships" xmlns:p="http://schemas.openxmlformats.org/presentationml/2006/main" embedTrueTypeFonts="1" saveSubsetFonts="1">
   <p:sldMasterIdLst>
     <p:sldMasterId id="2147483648" r:id="rId1"/>
   </p:sldMasterIdLst>
   <p:sldIdLst>
-    <p:sldId id="256" r:id="rId6"/>
-    <p:sldId id="257" r:id="rId7"/>
-    <p:sldId id="258" r:id="rId8"/>
-    <p:sldId id="259" r:id="rId9"/>
-    <p:sldId id="260" r:id="rId10"/>
-    <p:sldId id="261" r:id="rId11"/>
-    <p:sldId id="262" r:id="rId12"/>
-    <p:sldId id="263" r:id="rId13"/>
-    <p:sldId id="264" r:id="rId14"/>
-    <p:sldId id="265" r:id="rId15"/>
-    <p:sldId id="266" r:id="rId16"/>
-    <p:sldId id="267" r:id="rId17"/>
-    <p:sldId id="268" r:id="rId18"/>
-    <p:sldId id="269" r:id="rId19"/>
-    <p:sldId id="270" r:id="rId20"/>
+    <p:sldId id="256" r:id="rId2"/>
+    <p:sldId id="257" r:id="rId3"/>
+    <p:sldId id="258" r:id="rId4"/>
+    <p:sldId id="259" r:id="rId5"/>
+    <p:sldId id="260" r:id="rId6"/>
+    <p:sldId id="261" r:id="rId7"/>
+    <p:sldId id="262" r:id="rId8"/>
+    <p:sldId id="263" r:id="rId9"/>
+    <p:sldId id="264" r:id="rId10"/>
+    <p:sldId id="265" r:id="rId11"/>
+    <p:sldId id="266" r:id="rId12"/>
+    <p:sldId id="267" r:id="rId13"/>
+    <p:sldId id="268" r:id="rId14"/>
+    <p:sldId id="269" r:id="rId15"/>
+    <p:sldId id="270" r:id="rId16"/>
   </p:sldIdLst>
   <p:sldSz cx="18288000" cy="10287000"/>
   <p:notesSz cx="6858000" cy="9144000"/>
   <p:embeddedFontLst>
     <p:embeddedFont>
-      <p:font typeface="Gilda Display" charset="1" panose="02000000000000000000"/>
-      <p:regular r:id="rId21"/>
+      <p:font typeface="Arimo" panose="020B0604020202020204" charset="0"/>
+      <p:regular r:id="rId17"/>
     </p:embeddedFont>
     <p:embeddedFont>
-      <p:font typeface="HK Grotesk Light" charset="1" panose="00000400000000000000"/>
-      <p:regular r:id="rId22"/>
+      <p:font typeface="Gilda Display" panose="020B0604020202020204" charset="0"/>
+      <p:regular r:id="rId18"/>
     </p:embeddedFont>
     <p:embeddedFont>
-      <p:font typeface="HK Grotesk Bold" charset="1" panose="00000800000000000000"/>
-      <p:regular r:id="rId23"/>
+      <p:font typeface="HK Grotesk" panose="020B0604020202020204" charset="0"/>
+      <p:regular r:id="rId19"/>
     </p:embeddedFont>
     <p:embeddedFont>
-      <p:font typeface="HK Grotesk" charset="1" panose="00000500000000000000"/>
-      <p:regular r:id="rId24"/>
+      <p:font typeface="HK Grotesk Bold" panose="020B0604020202020204" charset="0"/>
+      <p:regular r:id="rId20"/>
     </p:embeddedFont>
     <p:embeddedFont>
-      <p:font typeface="Arimo" charset="1" panose="020B0604020202020204"/>
-      <p:regular r:id="rId25"/>
+      <p:font typeface="HK Grotesk Light" panose="020B0604020202020204" charset="0"/>
+      <p:regular r:id="rId21"/>
     </p:embeddedFont>
   </p:embeddedFontLst>
   <p:defaultTextStyle>
@@ -140,6 +140,22 @@
       </a:defRPr>
     </a:lvl9pPr>
   </p:defaultTextStyle>
+  <p:extLst>
+    <p:ext uri="{EFAFB233-063F-42B5-8137-9DF3F51BA10A}">
+      <p15:sldGuideLst xmlns:p15="http://schemas.microsoft.com/office/powerpoint/2012/main">
+        <p15:guide id="1" orient="horz" pos="2160">
+          <p15:clr>
+            <a:srgbClr val="A4A3A4"/>
+          </p15:clr>
+        </p15:guide>
+        <p15:guide id="2" pos="2880">
+          <p15:clr>
+            <a:srgbClr val="A4A3A4"/>
+          </p15:clr>
+        </p15:guide>
+      </p15:sldGuideLst>
+    </p:ext>
+  </p:extLst>
 </p:presentation>
 </file>
 
@@ -181,10 +197,9 @@
           <a:lstStyle/>
           <a:p>
             <a:r>
-              <a:rPr lang="en-US" smtClean="0"/>
+              <a:rPr lang="en-US"/>
               <a:t>Click to edit Master title style</a:t>
             </a:r>
-            <a:endParaRPr lang="en-US"/>
           </a:p>
         </p:txBody>
       </p:sp>
@@ -300,10 +315,9 @@
           </a:lstStyle>
           <a:p>
             <a:r>
-              <a:rPr lang="en-US" smtClean="0"/>
+              <a:rPr lang="en-US"/>
               <a:t>Click to edit Master subtitle style</a:t>
             </a:r>
-            <a:endParaRPr lang="en-US"/>
           </a:p>
         </p:txBody>
       </p:sp>
@@ -325,7 +339,7 @@
             <a:fld id="{1D8BD707-D9CF-40AE-B4C6-C98DA3205C09}" type="datetimeFigureOut">
               <a:rPr lang="en-US" smtClean="0"/>
               <a:pPr/>
-              <a:t>8/1/2011</a:t>
+              <a:t>11/6/2025</a:t>
             </a:fld>
             <a:endParaRPr lang="en-US"/>
           </a:p>
@@ -415,10 +429,9 @@
           <a:lstStyle/>
           <a:p>
             <a:r>
-              <a:rPr lang="en-US" smtClean="0"/>
+              <a:rPr lang="en-US"/>
               <a:t>Click to edit Master title style</a:t>
             </a:r>
-            <a:endParaRPr lang="en-US"/>
           </a:p>
         </p:txBody>
       </p:sp>
@@ -439,38 +452,37 @@
           <a:p>
             <a:pPr lvl="0"/>
             <a:r>
-              <a:rPr lang="en-US" smtClean="0"/>
+              <a:rPr lang="en-US"/>
               <a:t>Click to edit Master text styles</a:t>
             </a:r>
           </a:p>
           <a:p>
             <a:pPr lvl="1"/>
             <a:r>
-              <a:rPr lang="en-US" smtClean="0"/>
+              <a:rPr lang="en-US"/>
               <a:t>Second level</a:t>
             </a:r>
           </a:p>
           <a:p>
             <a:pPr lvl="2"/>
             <a:r>
-              <a:rPr lang="en-US" smtClean="0"/>
+              <a:rPr lang="en-US"/>
               <a:t>Third level</a:t>
             </a:r>
           </a:p>
           <a:p>
             <a:pPr lvl="3"/>
             <a:r>
-              <a:rPr lang="en-US" smtClean="0"/>
+              <a:rPr lang="en-US"/>
               <a:t>Fourth level</a:t>
             </a:r>
           </a:p>
           <a:p>
             <a:pPr lvl="4"/>
             <a:r>
-              <a:rPr lang="en-US" smtClean="0"/>
+              <a:rPr lang="en-US"/>
               <a:t>Fifth level</a:t>
             </a:r>
-            <a:endParaRPr lang="en-US"/>
           </a:p>
         </p:txBody>
       </p:sp>
@@ -492,7 +504,7 @@
             <a:fld id="{1D8BD707-D9CF-40AE-B4C6-C98DA3205C09}" type="datetimeFigureOut">
               <a:rPr lang="en-US" smtClean="0"/>
               <a:pPr/>
-              <a:t>8/1/2011</a:t>
+              <a:t>11/6/2025</a:t>
             </a:fld>
             <a:endParaRPr lang="en-US"/>
           </a:p>
@@ -587,10 +599,9 @@
           <a:lstStyle/>
           <a:p>
             <a:r>
-              <a:rPr lang="en-US" smtClean="0"/>
+              <a:rPr lang="en-US"/>
               <a:t>Click to edit Master title style</a:t>
             </a:r>
-            <a:endParaRPr lang="en-US"/>
           </a:p>
         </p:txBody>
       </p:sp>
@@ -616,38 +627,37 @@
           <a:p>
             <a:pPr lvl="0"/>
             <a:r>
-              <a:rPr lang="en-US" smtClean="0"/>
+              <a:rPr lang="en-US"/>
               <a:t>Click to edit Master text styles</a:t>
             </a:r>
           </a:p>
           <a:p>
             <a:pPr lvl="1"/>
             <a:r>
-              <a:rPr lang="en-US" smtClean="0"/>
+              <a:rPr lang="en-US"/>
               <a:t>Second level</a:t>
             </a:r>
           </a:p>
           <a:p>
             <a:pPr lvl="2"/>
             <a:r>
-              <a:rPr lang="en-US" smtClean="0"/>
+              <a:rPr lang="en-US"/>
               <a:t>Third level</a:t>
             </a:r>
           </a:p>
           <a:p>
             <a:pPr lvl="3"/>
             <a:r>
-              <a:rPr lang="en-US" smtClean="0"/>
+              <a:rPr lang="en-US"/>
               <a:t>Fourth level</a:t>
             </a:r>
           </a:p>
           <a:p>
             <a:pPr lvl="4"/>
             <a:r>
-              <a:rPr lang="en-US" smtClean="0"/>
+              <a:rPr lang="en-US"/>
               <a:t>Fifth level</a:t>
             </a:r>
-            <a:endParaRPr lang="en-US"/>
           </a:p>
         </p:txBody>
       </p:sp>
@@ -669,7 +679,7 @@
             <a:fld id="{1D8BD707-D9CF-40AE-B4C6-C98DA3205C09}" type="datetimeFigureOut">
               <a:rPr lang="en-US" smtClean="0"/>
               <a:pPr/>
-              <a:t>8/1/2011</a:t>
+              <a:t>11/6/2025</a:t>
             </a:fld>
             <a:endParaRPr lang="en-US"/>
           </a:p>
@@ -759,10 +769,9 @@
           <a:lstStyle/>
           <a:p>
             <a:r>
-              <a:rPr lang="en-US" smtClean="0"/>
+              <a:rPr lang="en-US"/>
               <a:t>Click to edit Master title style</a:t>
             </a:r>
-            <a:endParaRPr lang="en-US"/>
           </a:p>
         </p:txBody>
       </p:sp>
@@ -783,38 +792,37 @@
           <a:p>
             <a:pPr lvl="0"/>
             <a:r>
-              <a:rPr lang="en-US" smtClean="0"/>
+              <a:rPr lang="en-US"/>
               <a:t>Click to edit Master text styles</a:t>
             </a:r>
           </a:p>
           <a:p>
             <a:pPr lvl="1"/>
             <a:r>
-              <a:rPr lang="en-US" smtClean="0"/>
+              <a:rPr lang="en-US"/>
               <a:t>Second level</a:t>
             </a:r>
           </a:p>
           <a:p>
             <a:pPr lvl="2"/>
             <a:r>
-              <a:rPr lang="en-US" smtClean="0"/>
+              <a:rPr lang="en-US"/>
               <a:t>Third level</a:t>
             </a:r>
           </a:p>
           <a:p>
             <a:pPr lvl="3"/>
             <a:r>
-              <a:rPr lang="en-US" smtClean="0"/>
+              <a:rPr lang="en-US"/>
               <a:t>Fourth level</a:t>
             </a:r>
           </a:p>
           <a:p>
             <a:pPr lvl="4"/>
             <a:r>
-              <a:rPr lang="en-US" smtClean="0"/>
+              <a:rPr lang="en-US"/>
               <a:t>Fifth level</a:t>
             </a:r>
-            <a:endParaRPr lang="en-US"/>
           </a:p>
         </p:txBody>
       </p:sp>
@@ -836,7 +844,7 @@
             <a:fld id="{1D8BD707-D9CF-40AE-B4C6-C98DA3205C09}" type="datetimeFigureOut">
               <a:rPr lang="en-US" smtClean="0"/>
               <a:pPr/>
-              <a:t>8/1/2011</a:t>
+              <a:t>11/6/2025</a:t>
             </a:fld>
             <a:endParaRPr lang="en-US"/>
           </a:p>
@@ -935,10 +943,9 @@
           </a:lstStyle>
           <a:p>
             <a:r>
-              <a:rPr lang="en-US" smtClean="0"/>
+              <a:rPr lang="en-US"/>
               <a:t>Click to edit Master title style</a:t>
             </a:r>
-            <a:endParaRPr lang="en-US"/>
           </a:p>
         </p:txBody>
       </p:sp>
@@ -1055,7 +1062,7 @@
           <a:p>
             <a:pPr lvl="0"/>
             <a:r>
-              <a:rPr lang="en-US" smtClean="0"/>
+              <a:rPr lang="en-US"/>
               <a:t>Click to edit Master text styles</a:t>
             </a:r>
           </a:p>
@@ -1079,7 +1086,7 @@
             <a:fld id="{1D8BD707-D9CF-40AE-B4C6-C98DA3205C09}" type="datetimeFigureOut">
               <a:rPr lang="en-US" smtClean="0"/>
               <a:pPr/>
-              <a:t>8/1/2011</a:t>
+              <a:t>11/6/2025</a:t>
             </a:fld>
             <a:endParaRPr lang="en-US"/>
           </a:p>
@@ -1169,10 +1176,9 @@
           <a:lstStyle/>
           <a:p>
             <a:r>
-              <a:rPr lang="en-US" smtClean="0"/>
+              <a:rPr lang="en-US"/>
               <a:t>Click to edit Master title style</a:t>
             </a:r>
-            <a:endParaRPr lang="en-US"/>
           </a:p>
         </p:txBody>
       </p:sp>
@@ -1226,38 +1232,37 @@
           <a:p>
             <a:pPr lvl="0"/>
             <a:r>
-              <a:rPr lang="en-US" smtClean="0"/>
+              <a:rPr lang="en-US"/>
               <a:t>Click to edit Master text styles</a:t>
             </a:r>
           </a:p>
           <a:p>
             <a:pPr lvl="1"/>
             <a:r>
-              <a:rPr lang="en-US" smtClean="0"/>
+              <a:rPr lang="en-US"/>
               <a:t>Second level</a:t>
             </a:r>
           </a:p>
           <a:p>
             <a:pPr lvl="2"/>
             <a:r>
-              <a:rPr lang="en-US" smtClean="0"/>
+              <a:rPr lang="en-US"/>
               <a:t>Third level</a:t>
             </a:r>
           </a:p>
           <a:p>
             <a:pPr lvl="3"/>
             <a:r>
-              <a:rPr lang="en-US" smtClean="0"/>
+              <a:rPr lang="en-US"/>
               <a:t>Fourth level</a:t>
             </a:r>
           </a:p>
           <a:p>
             <a:pPr lvl="4"/>
             <a:r>
-              <a:rPr lang="en-US" smtClean="0"/>
+              <a:rPr lang="en-US"/>
               <a:t>Fifth level</a:t>
             </a:r>
-            <a:endParaRPr lang="en-US"/>
           </a:p>
         </p:txBody>
       </p:sp>
@@ -1311,38 +1316,37 @@
           <a:p>
             <a:pPr lvl="0"/>
             <a:r>
-              <a:rPr lang="en-US" smtClean="0"/>
+              <a:rPr lang="en-US"/>
               <a:t>Click to edit Master text styles</a:t>
             </a:r>
           </a:p>
           <a:p>
             <a:pPr lvl="1"/>
             <a:r>
-              <a:rPr lang="en-US" smtClean="0"/>
+              <a:rPr lang="en-US"/>
               <a:t>Second level</a:t>
             </a:r>
           </a:p>
           <a:p>
             <a:pPr lvl="2"/>
             <a:r>
-              <a:rPr lang="en-US" smtClean="0"/>
+              <a:rPr lang="en-US"/>
               <a:t>Third level</a:t>
             </a:r>
           </a:p>
           <a:p>
             <a:pPr lvl="3"/>
             <a:r>
-              <a:rPr lang="en-US" smtClean="0"/>
+              <a:rPr lang="en-US"/>
               <a:t>Fourth level</a:t>
             </a:r>
           </a:p>
           <a:p>
             <a:pPr lvl="4"/>
             <a:r>
-              <a:rPr lang="en-US" smtClean="0"/>
+              <a:rPr lang="en-US"/>
               <a:t>Fifth level</a:t>
             </a:r>
-            <a:endParaRPr lang="en-US"/>
           </a:p>
         </p:txBody>
       </p:sp>
@@ -1364,7 +1368,7 @@
             <a:fld id="{1D8BD707-D9CF-40AE-B4C6-C98DA3205C09}" type="datetimeFigureOut">
               <a:rPr lang="en-US" smtClean="0"/>
               <a:pPr/>
-              <a:t>8/1/2011</a:t>
+              <a:t>11/6/2025</a:t>
             </a:fld>
             <a:endParaRPr lang="en-US"/>
           </a:p>
@@ -1458,10 +1462,9 @@
           </a:lstStyle>
           <a:p>
             <a:r>
-              <a:rPr lang="en-US" smtClean="0"/>
+              <a:rPr lang="en-US"/>
               <a:t>Click to edit Master title style</a:t>
             </a:r>
-            <a:endParaRPr lang="en-US"/>
           </a:p>
         </p:txBody>
       </p:sp>
@@ -1524,7 +1527,7 @@
           <a:p>
             <a:pPr lvl="0"/>
             <a:r>
-              <a:rPr lang="en-US" smtClean="0"/>
+              <a:rPr lang="en-US"/>
               <a:t>Click to edit Master text styles</a:t>
             </a:r>
           </a:p>
@@ -1580,38 +1583,37 @@
           <a:p>
             <a:pPr lvl="0"/>
             <a:r>
-              <a:rPr lang="en-US" smtClean="0"/>
+              <a:rPr lang="en-US"/>
               <a:t>Click to edit Master text styles</a:t>
             </a:r>
           </a:p>
           <a:p>
             <a:pPr lvl="1"/>
             <a:r>
-              <a:rPr lang="en-US" smtClean="0"/>
+              <a:rPr lang="en-US"/>
               <a:t>Second level</a:t>
             </a:r>
           </a:p>
           <a:p>
             <a:pPr lvl="2"/>
             <a:r>
-              <a:rPr lang="en-US" smtClean="0"/>
+              <a:rPr lang="en-US"/>
               <a:t>Third level</a:t>
             </a:r>
           </a:p>
           <a:p>
             <a:pPr lvl="3"/>
             <a:r>
-              <a:rPr lang="en-US" smtClean="0"/>
+              <a:rPr lang="en-US"/>
               <a:t>Fourth level</a:t>
             </a:r>
           </a:p>
           <a:p>
             <a:pPr lvl="4"/>
             <a:r>
-              <a:rPr lang="en-US" smtClean="0"/>
+              <a:rPr lang="en-US"/>
               <a:t>Fifth level</a:t>
             </a:r>
-            <a:endParaRPr lang="en-US"/>
           </a:p>
         </p:txBody>
       </p:sp>
@@ -1674,7 +1676,7 @@
           <a:p>
             <a:pPr lvl="0"/>
             <a:r>
-              <a:rPr lang="en-US" smtClean="0"/>
+              <a:rPr lang="en-US"/>
               <a:t>Click to edit Master text styles</a:t>
             </a:r>
           </a:p>
@@ -1730,38 +1732,37 @@
           <a:p>
             <a:pPr lvl="0"/>
             <a:r>
-              <a:rPr lang="en-US" smtClean="0"/>
+              <a:rPr lang="en-US"/>
               <a:t>Click to edit Master text styles</a:t>
             </a:r>
           </a:p>
           <a:p>
             <a:pPr lvl="1"/>
             <a:r>
-              <a:rPr lang="en-US" smtClean="0"/>
+              <a:rPr lang="en-US"/>
               <a:t>Second level</a:t>
             </a:r>
           </a:p>
           <a:p>
             <a:pPr lvl="2"/>
             <a:r>
-              <a:rPr lang="en-US" smtClean="0"/>
+              <a:rPr lang="en-US"/>
               <a:t>Third level</a:t>
             </a:r>
           </a:p>
           <a:p>
             <a:pPr lvl="3"/>
             <a:r>
-              <a:rPr lang="en-US" smtClean="0"/>
+              <a:rPr lang="en-US"/>
               <a:t>Fourth level</a:t>
             </a:r>
           </a:p>
           <a:p>
             <a:pPr lvl="4"/>
             <a:r>
-              <a:rPr lang="en-US" smtClean="0"/>
+              <a:rPr lang="en-US"/>
               <a:t>Fifth level</a:t>
             </a:r>
-            <a:endParaRPr lang="en-US"/>
           </a:p>
         </p:txBody>
       </p:sp>
@@ -1783,7 +1784,7 @@
             <a:fld id="{1D8BD707-D9CF-40AE-B4C6-C98DA3205C09}" type="datetimeFigureOut">
               <a:rPr lang="en-US" smtClean="0"/>
               <a:pPr/>
-              <a:t>8/1/2011</a:t>
+              <a:t>11/6/2025</a:t>
             </a:fld>
             <a:endParaRPr lang="en-US"/>
           </a:p>
@@ -1873,10 +1874,9 @@
           <a:lstStyle/>
           <a:p>
             <a:r>
-              <a:rPr lang="en-US" smtClean="0"/>
+              <a:rPr lang="en-US"/>
               <a:t>Click to edit Master title style</a:t>
             </a:r>
-            <a:endParaRPr lang="en-US"/>
           </a:p>
         </p:txBody>
       </p:sp>
@@ -1898,7 +1898,7 @@
             <a:fld id="{1D8BD707-D9CF-40AE-B4C6-C98DA3205C09}" type="datetimeFigureOut">
               <a:rPr lang="en-US" smtClean="0"/>
               <a:pPr/>
-              <a:t>8/1/2011</a:t>
+              <a:t>11/6/2025</a:t>
             </a:fld>
             <a:endParaRPr lang="en-US"/>
           </a:p>
@@ -1990,7 +1990,7 @@
             <a:fld id="{1D8BD707-D9CF-40AE-B4C6-C98DA3205C09}" type="datetimeFigureOut">
               <a:rPr lang="en-US" smtClean="0"/>
               <a:pPr/>
-              <a:t>8/1/2011</a:t>
+              <a:t>11/6/2025</a:t>
             </a:fld>
             <a:endParaRPr lang="en-US"/>
           </a:p>
@@ -2089,10 +2089,9 @@
           </a:lstStyle>
           <a:p>
             <a:r>
-              <a:rPr lang="en-US" smtClean="0"/>
+              <a:rPr lang="en-US"/>
               <a:t>Click to edit Master title style</a:t>
             </a:r>
-            <a:endParaRPr lang="en-US"/>
           </a:p>
         </p:txBody>
       </p:sp>
@@ -2146,38 +2145,37 @@
           <a:p>
             <a:pPr lvl="0"/>
             <a:r>
-              <a:rPr lang="en-US" smtClean="0"/>
+              <a:rPr lang="en-US"/>
               <a:t>Click to edit Master text styles</a:t>
             </a:r>
           </a:p>
           <a:p>
             <a:pPr lvl="1"/>
             <a:r>
-              <a:rPr lang="en-US" smtClean="0"/>
+              <a:rPr lang="en-US"/>
               <a:t>Second level</a:t>
             </a:r>
           </a:p>
           <a:p>
             <a:pPr lvl="2"/>
             <a:r>
-              <a:rPr lang="en-US" smtClean="0"/>
+              <a:rPr lang="en-US"/>
               <a:t>Third level</a:t>
             </a:r>
           </a:p>
           <a:p>
             <a:pPr lvl="3"/>
             <a:r>
-              <a:rPr lang="en-US" smtClean="0"/>
+              <a:rPr lang="en-US"/>
               <a:t>Fourth level</a:t>
             </a:r>
           </a:p>
           <a:p>
             <a:pPr lvl="4"/>
             <a:r>
-              <a:rPr lang="en-US" smtClean="0"/>
+              <a:rPr lang="en-US"/>
               <a:t>Fifth level</a:t>
             </a:r>
-            <a:endParaRPr lang="en-US"/>
           </a:p>
         </p:txBody>
       </p:sp>
@@ -2240,7 +2238,7 @@
           <a:p>
             <a:pPr lvl="0"/>
             <a:r>
-              <a:rPr lang="en-US" smtClean="0"/>
+              <a:rPr lang="en-US"/>
               <a:t>Click to edit Master text styles</a:t>
             </a:r>
           </a:p>
@@ -2264,7 +2262,7 @@
             <a:fld id="{1D8BD707-D9CF-40AE-B4C6-C98DA3205C09}" type="datetimeFigureOut">
               <a:rPr lang="en-US" smtClean="0"/>
               <a:pPr/>
-              <a:t>8/1/2011</a:t>
+              <a:t>11/6/2025</a:t>
             </a:fld>
             <a:endParaRPr lang="en-US"/>
           </a:p>
@@ -2363,10 +2361,9 @@
           </a:lstStyle>
           <a:p>
             <a:r>
-              <a:rPr lang="en-US" smtClean="0"/>
+              <a:rPr lang="en-US"/>
               <a:t>Click to edit Master title style</a:t>
             </a:r>
-            <a:endParaRPr lang="en-US"/>
           </a:p>
         </p:txBody>
       </p:sp>
@@ -2490,7 +2487,7 @@
           <a:p>
             <a:pPr lvl="0"/>
             <a:r>
-              <a:rPr lang="en-US" smtClean="0"/>
+              <a:rPr lang="en-US"/>
               <a:t>Click to edit Master text styles</a:t>
             </a:r>
           </a:p>
@@ -2514,7 +2511,7 @@
             <a:fld id="{1D8BD707-D9CF-40AE-B4C6-C98DA3205C09}" type="datetimeFigureOut">
               <a:rPr lang="en-US" smtClean="0"/>
               <a:pPr/>
-              <a:t>8/1/2011</a:t>
+              <a:t>11/6/2025</a:t>
             </a:fld>
             <a:endParaRPr lang="en-US"/>
           </a:p>
@@ -2619,10 +2616,9 @@
           <a:lstStyle/>
           <a:p>
             <a:r>
-              <a:rPr lang="en-US" smtClean="0"/>
+              <a:rPr lang="en-US"/>
               <a:t>Click to edit Master title style</a:t>
             </a:r>
-            <a:endParaRPr lang="en-US"/>
           </a:p>
         </p:txBody>
       </p:sp>
@@ -2653,38 +2649,37 @@
           <a:p>
             <a:pPr lvl="0"/>
             <a:r>
-              <a:rPr lang="en-US" smtClean="0"/>
+              <a:rPr lang="en-US"/>
               <a:t>Click to edit Master text styles</a:t>
             </a:r>
           </a:p>
           <a:p>
             <a:pPr lvl="1"/>
             <a:r>
-              <a:rPr lang="en-US" smtClean="0"/>
+              <a:rPr lang="en-US"/>
               <a:t>Second level</a:t>
             </a:r>
           </a:p>
           <a:p>
             <a:pPr lvl="2"/>
             <a:r>
-              <a:rPr lang="en-US" smtClean="0"/>
+              <a:rPr lang="en-US"/>
               <a:t>Third level</a:t>
             </a:r>
           </a:p>
           <a:p>
             <a:pPr lvl="3"/>
             <a:r>
-              <a:rPr lang="en-US" smtClean="0"/>
+              <a:rPr lang="en-US"/>
               <a:t>Fourth level</a:t>
             </a:r>
           </a:p>
           <a:p>
             <a:pPr lvl="4"/>
             <a:r>
-              <a:rPr lang="en-US" smtClean="0"/>
+              <a:rPr lang="en-US"/>
               <a:t>Fifth level</a:t>
             </a:r>
-            <a:endParaRPr lang="en-US"/>
           </a:p>
         </p:txBody>
       </p:sp>
@@ -2724,7 +2719,7 @@
             <a:fld id="{1D8BD707-D9CF-40AE-B4C6-C98DA3205C09}" type="datetimeFigureOut">
               <a:rPr lang="en-US" smtClean="0"/>
               <a:pPr/>
-              <a:t>8/1/2011</a:t>
+              <a:t>11/6/2025</a:t>
             </a:fld>
             <a:endParaRPr lang="en-US"/>
           </a:p>
@@ -3079,13 +3074,14 @@
 </file>
 
 <file path=ppt/slides/slide1.xml><?xml version="1.0" encoding="utf-8"?>
-<p:sld xmlns:p="http://schemas.openxmlformats.org/presentationml/2006/main" xmlns:a="http://schemas.openxmlformats.org/drawingml/2006/main" xmlns:r="http://schemas.openxmlformats.org/officeDocument/2006/relationships">
+<p:sld xmlns:a="http://schemas.openxmlformats.org/drawingml/2006/main" xmlns:r="http://schemas.openxmlformats.org/officeDocument/2006/relationships" xmlns:p="http://schemas.openxmlformats.org/presentationml/2006/main">
   <p:cSld>
     <p:bg>
       <p:bgPr>
         <a:solidFill>
           <a:srgbClr val="F7F9FC"/>
         </a:solidFill>
+        <a:effectLst/>
       </p:bgPr>
     </p:bg>
     <p:spTree>
@@ -3104,12 +3100,12 @@
       </p:grpSpPr>
       <p:sp>
         <p:nvSpPr>
-          <p:cNvPr name="Freeform 2" id="2"/>
+          <p:cNvPr id="2" name="Freeform 2"/>
           <p:cNvSpPr/>
           <p:nvPr/>
         </p:nvSpPr>
         <p:spPr>
-          <a:xfrm flipH="false" flipV="false" rot="0">
+          <a:xfrm>
             <a:off x="13611225" y="6787402"/>
             <a:ext cx="10936025" cy="10299747"/>
           </a:xfrm>
@@ -3118,9 +3114,9 @@
             <a:gdLst/>
             <a:ahLst/>
             <a:cxnLst/>
-            <a:rect r="r" b="b" t="t" l="l"/>
+            <a:rect l="l" t="t" r="r" b="b"/>
             <a:pathLst>
-              <a:path h="10299747" w="10936025">
+              <a:path w="10936025" h="10299747">
                 <a:moveTo>
                   <a:pt x="0" y="0"/>
                 </a:moveTo>
@@ -3149,7 +3145,7 @@
               </a:extLst>
             </a:blip>
             <a:stretch>
-              <a:fillRect l="0" t="0" r="0" b="0"/>
+              <a:fillRect/>
             </a:stretch>
           </a:blipFill>
           <a:ln cap="sq">
@@ -3158,15 +3154,22 @@
             <a:miter/>
           </a:ln>
         </p:spPr>
+        <p:txBody>
+          <a:bodyPr/>
+          <a:lstStyle/>
+          <a:p>
+            <a:endParaRPr lang="en-ID"/>
+          </a:p>
+        </p:txBody>
       </p:sp>
       <p:grpSp>
         <p:nvGrpSpPr>
-          <p:cNvPr name="Group 3" id="3"/>
+          <p:cNvPr id="3" name="Group 3"/>
           <p:cNvGrpSpPr/>
           <p:nvPr/>
         </p:nvGrpSpPr>
         <p:grpSpPr>
-          <a:xfrm rot="0">
+          <a:xfrm>
             <a:off x="666750" y="666750"/>
             <a:ext cx="8629650" cy="8953500"/>
             <a:chOff x="0" y="0"/>
@@ -3175,12 +3178,12 @@
         </p:grpSpPr>
         <p:sp>
           <p:nvSpPr>
-            <p:cNvPr name="Freeform 4" id="4"/>
+            <p:cNvPr id="4" name="Freeform 4"/>
             <p:cNvSpPr/>
             <p:nvPr/>
           </p:nvSpPr>
           <p:spPr>
-            <a:xfrm flipH="false" flipV="false" rot="0">
+            <a:xfrm>
               <a:off x="0" y="0"/>
               <a:ext cx="1336959" cy="1387131"/>
             </a:xfrm>
@@ -3189,9 +3192,9 @@
               <a:gdLst/>
               <a:ahLst/>
               <a:cxnLst/>
-              <a:rect r="r" b="b" t="t" l="l"/>
+              <a:rect l="l" t="t" r="r" b="b"/>
               <a:pathLst>
-                <a:path h="1387131" w="1336959">
+                <a:path w="1336959" h="1387131">
                   <a:moveTo>
                     <a:pt x="35885" y="0"/>
                   </a:moveTo>
@@ -3254,7 +3257,7 @@
             <a:blipFill>
               <a:blip r:embed="rId4"/>
               <a:stretch>
-                <a:fillRect l="0" t="-199" r="0" b="-199"/>
+                <a:fillRect t="-199" b="-199"/>
               </a:stretch>
             </a:blipFill>
             <a:ln w="28575" cap="rnd">
@@ -3265,16 +3268,23 @@
               <a:round/>
             </a:ln>
           </p:spPr>
+          <p:txBody>
+            <a:bodyPr/>
+            <a:lstStyle/>
+            <a:p>
+              <a:endParaRPr lang="en-ID"/>
+            </a:p>
+          </p:txBody>
         </p:sp>
       </p:grpSp>
       <p:grpSp>
         <p:nvGrpSpPr>
-          <p:cNvPr name="Group 5" id="5"/>
+          <p:cNvPr id="5" name="Group 5"/>
           <p:cNvGrpSpPr/>
           <p:nvPr/>
         </p:nvGrpSpPr>
         <p:grpSpPr>
-          <a:xfrm rot="0">
+          <a:xfrm>
             <a:off x="10734675" y="666804"/>
             <a:ext cx="6886575" cy="4243083"/>
             <a:chOff x="0" y="0"/>
@@ -3283,12 +3293,12 @@
         </p:grpSpPr>
         <p:sp>
           <p:nvSpPr>
-            <p:cNvPr name="TextBox 6" id="6"/>
-            <p:cNvSpPr txBox="true"/>
+            <p:cNvPr id="6" name="TextBox 6"/>
+            <p:cNvSpPr txBox="1"/>
             <p:nvPr/>
           </p:nvSpPr>
           <p:spPr>
-            <a:xfrm rot="0">
+            <a:xfrm>
               <a:off x="0" y="2559068"/>
               <a:ext cx="9182100" cy="3098376"/>
             </a:xfrm>
@@ -3297,12 +3307,12 @@
             </a:prstGeom>
           </p:spPr>
           <p:txBody>
-            <a:bodyPr anchor="t" rtlCol="false" tIns="0" lIns="0" bIns="0" rIns="0">
+            <a:bodyPr lIns="0" tIns="0" rIns="0" bIns="0" rtlCol="0" anchor="t">
               <a:spAutoFit/>
             </a:bodyPr>
             <a:lstStyle/>
             <a:p>
-              <a:pPr algn="l" marL="0" indent="0" lvl="0">
+              <a:pPr marL="0" lvl="0" indent="0" algn="l">
                 <a:lnSpc>
                   <a:spcPts val="8799"/>
                 </a:lnSpc>
@@ -3324,12 +3334,12 @@
         </p:sp>
         <p:sp>
           <p:nvSpPr>
-            <p:cNvPr name="TextBox 7" id="7"/>
-            <p:cNvSpPr txBox="true"/>
+            <p:cNvPr id="7" name="TextBox 7"/>
+            <p:cNvSpPr txBox="1"/>
             <p:nvPr/>
           </p:nvSpPr>
           <p:spPr>
-            <a:xfrm rot="0">
+            <a:xfrm>
               <a:off x="0" y="1071668"/>
               <a:ext cx="9182100" cy="934085"/>
             </a:xfrm>
@@ -3338,12 +3348,12 @@
             </a:prstGeom>
           </p:spPr>
           <p:txBody>
-            <a:bodyPr anchor="t" rtlCol="false" tIns="0" lIns="0" bIns="0" rIns="0">
+            <a:bodyPr lIns="0" tIns="0" rIns="0" bIns="0" rtlCol="0" anchor="t">
               <a:spAutoFit/>
             </a:bodyPr>
             <a:lstStyle/>
             <a:p>
-              <a:pPr algn="l" marL="0" indent="0" lvl="0">
+              <a:pPr marL="0" lvl="0" indent="0" algn="l">
                 <a:lnSpc>
                   <a:spcPts val="5880"/>
                 </a:lnSpc>
@@ -3365,12 +3375,12 @@
         </p:sp>
         <p:sp>
           <p:nvSpPr>
-            <p:cNvPr name="TextBox 8" id="8"/>
-            <p:cNvSpPr txBox="true"/>
+            <p:cNvPr id="8" name="TextBox 8"/>
+            <p:cNvSpPr txBox="1"/>
             <p:nvPr/>
           </p:nvSpPr>
           <p:spPr>
-            <a:xfrm rot="0">
+            <a:xfrm>
               <a:off x="0" y="-47625"/>
               <a:ext cx="9182100" cy="493818"/>
             </a:xfrm>
@@ -3379,28 +3389,29 @@
             </a:prstGeom>
           </p:spPr>
           <p:txBody>
-            <a:bodyPr anchor="t" rtlCol="false" tIns="0" lIns="0" bIns="0" rIns="0">
+            <a:bodyPr lIns="0" tIns="0" rIns="0" bIns="0" rtlCol="0" anchor="t">
               <a:spAutoFit/>
             </a:bodyPr>
             <a:lstStyle/>
             <a:p>
-              <a:pPr algn="l" marL="0" indent="0" lvl="0">
+              <a:pPr marL="0" lvl="0" indent="0" algn="l">
                 <a:lnSpc>
                   <a:spcPts val="3079"/>
                 </a:lnSpc>
               </a:pPr>
+              <a:endParaRPr/>
             </a:p>
           </p:txBody>
         </p:sp>
       </p:grpSp>
       <p:sp>
         <p:nvSpPr>
-          <p:cNvPr name="TextBox 9" id="9"/>
-          <p:cNvSpPr txBox="true"/>
+          <p:cNvPr id="9" name="TextBox 9"/>
+          <p:cNvSpPr txBox="1"/>
           <p:nvPr/>
         </p:nvSpPr>
         <p:spPr>
-          <a:xfrm rot="0">
+          <a:xfrm>
             <a:off x="10734675" y="5911920"/>
             <a:ext cx="6886575" cy="2802263"/>
           </a:xfrm>
@@ -3409,12 +3420,12 @@
           </a:prstGeom>
         </p:spPr>
         <p:txBody>
-          <a:bodyPr anchor="t" rtlCol="false" tIns="0" lIns="0" bIns="0" rIns="0">
+          <a:bodyPr lIns="0" tIns="0" rIns="0" bIns="0" rtlCol="0" anchor="t">
             <a:spAutoFit/>
           </a:bodyPr>
           <a:lstStyle/>
           <a:p>
-            <a:pPr algn="l" marL="0" indent="0" lvl="0">
+            <a:pPr marL="0" lvl="0" indent="0" algn="l">
               <a:lnSpc>
                 <a:spcPts val="7200"/>
               </a:lnSpc>
@@ -3443,13 +3454,14 @@
 </file>
 
 <file path=ppt/slides/slide10.xml><?xml version="1.0" encoding="utf-8"?>
-<p:sld xmlns:p="http://schemas.openxmlformats.org/presentationml/2006/main" xmlns:a="http://schemas.openxmlformats.org/drawingml/2006/main" xmlns:r="http://schemas.openxmlformats.org/officeDocument/2006/relationships">
+<p:sld xmlns:a="http://schemas.openxmlformats.org/drawingml/2006/main" xmlns:r="http://schemas.openxmlformats.org/officeDocument/2006/relationships" xmlns:p="http://schemas.openxmlformats.org/presentationml/2006/main">
   <p:cSld>
     <p:bg>
       <p:bgPr>
         <a:solidFill>
           <a:srgbClr val="F7F9FC"/>
         </a:solidFill>
+        <a:effectLst/>
       </p:bgPr>
     </p:bg>
     <p:spTree>
@@ -3468,12 +3480,12 @@
       </p:grpSpPr>
       <p:sp>
         <p:nvSpPr>
-          <p:cNvPr name="Freeform 2" id="2"/>
+          <p:cNvPr id="2" name="Freeform 2"/>
           <p:cNvSpPr/>
           <p:nvPr/>
         </p:nvSpPr>
         <p:spPr>
-          <a:xfrm flipH="false" flipV="false" rot="4437773">
+          <a:xfrm rot="4437773">
             <a:off x="13770320" y="-6241286"/>
             <a:ext cx="12640239" cy="11904807"/>
           </a:xfrm>
@@ -3482,9 +3494,9 @@
             <a:gdLst/>
             <a:ahLst/>
             <a:cxnLst/>
-            <a:rect r="r" b="b" t="t" l="l"/>
+            <a:rect l="l" t="t" r="r" b="b"/>
             <a:pathLst>
-              <a:path h="11904807" w="12640239">
+              <a:path w="12640239" h="11904807">
                 <a:moveTo>
                   <a:pt x="0" y="0"/>
                 </a:moveTo>
@@ -3513,7 +3525,7 @@
               </a:extLst>
             </a:blip>
             <a:stretch>
-              <a:fillRect l="0" t="0" r="0" b="0"/>
+              <a:fillRect/>
             </a:stretch>
           </a:blipFill>
           <a:ln cap="sq">
@@ -3522,15 +3534,22 @@
             <a:miter/>
           </a:ln>
         </p:spPr>
+        <p:txBody>
+          <a:bodyPr/>
+          <a:lstStyle/>
+          <a:p>
+            <a:endParaRPr lang="en-ID"/>
+          </a:p>
+        </p:txBody>
       </p:sp>
       <p:grpSp>
         <p:nvGrpSpPr>
-          <p:cNvPr name="Group 3" id="3"/>
+          <p:cNvPr id="3" name="Group 3"/>
           <p:cNvGrpSpPr/>
           <p:nvPr/>
         </p:nvGrpSpPr>
         <p:grpSpPr>
-          <a:xfrm rot="0">
+          <a:xfrm>
             <a:off x="666750" y="666750"/>
             <a:ext cx="14077950" cy="2062247"/>
             <a:chOff x="0" y="0"/>
@@ -3539,12 +3558,12 @@
         </p:grpSpPr>
         <p:sp>
           <p:nvSpPr>
-            <p:cNvPr name="TextBox 4" id="4"/>
-            <p:cNvSpPr txBox="true"/>
+            <p:cNvPr id="4" name="TextBox 4"/>
+            <p:cNvSpPr txBox="1"/>
             <p:nvPr/>
           </p:nvSpPr>
           <p:spPr>
-            <a:xfrm rot="0">
+            <a:xfrm>
               <a:off x="0" y="171450"/>
               <a:ext cx="18770600" cy="1612476"/>
             </a:xfrm>
@@ -3553,12 +3572,12 @@
             </a:prstGeom>
           </p:spPr>
           <p:txBody>
-            <a:bodyPr anchor="t" rtlCol="false" tIns="0" lIns="0" bIns="0" rIns="0">
+            <a:bodyPr lIns="0" tIns="0" rIns="0" bIns="0" rtlCol="0" anchor="t">
               <a:spAutoFit/>
             </a:bodyPr>
             <a:lstStyle/>
             <a:p>
-              <a:pPr algn="l" marL="0" indent="0" lvl="0">
+              <a:pPr marL="0" lvl="0" indent="0" algn="l">
                 <a:lnSpc>
                   <a:spcPts val="8799"/>
                 </a:lnSpc>
@@ -3580,12 +3599,12 @@
         </p:sp>
         <p:sp>
           <p:nvSpPr>
-            <p:cNvPr name="TextBox 5" id="5"/>
-            <p:cNvSpPr txBox="true"/>
+            <p:cNvPr id="5" name="TextBox 5"/>
+            <p:cNvSpPr txBox="1"/>
             <p:nvPr/>
           </p:nvSpPr>
           <p:spPr>
-            <a:xfrm rot="0">
+            <a:xfrm>
               <a:off x="0" y="2130537"/>
               <a:ext cx="18770600" cy="619125"/>
             </a:xfrm>
@@ -3594,12 +3613,12 @@
             </a:prstGeom>
           </p:spPr>
           <p:txBody>
-            <a:bodyPr anchor="t" rtlCol="false" tIns="0" lIns="0" bIns="0" rIns="0">
+            <a:bodyPr lIns="0" tIns="0" rIns="0" bIns="0" rtlCol="0" anchor="t">
               <a:spAutoFit/>
             </a:bodyPr>
             <a:lstStyle/>
             <a:p>
-              <a:pPr algn="l" marL="0" indent="0" lvl="0">
+              <a:pPr marL="0" lvl="0" indent="0" algn="l">
                 <a:lnSpc>
                   <a:spcPts val="3600"/>
                 </a:lnSpc>
@@ -3608,7 +3627,7 @@
                 </a:spcBef>
               </a:pPr>
               <a:r>
-                <a:rPr lang="en-US" b="true" sz="3000">
+                <a:rPr lang="en-US" sz="3000" b="1">
                   <a:solidFill>
                     <a:srgbClr val="406080"/>
                   </a:solidFill>
@@ -3625,12 +3644,12 @@
       </p:grpSp>
       <p:grpSp>
         <p:nvGrpSpPr>
-          <p:cNvPr name="Group 6" id="6"/>
+          <p:cNvPr id="6" name="Group 6"/>
           <p:cNvGrpSpPr/>
           <p:nvPr/>
         </p:nvGrpSpPr>
         <p:grpSpPr>
-          <a:xfrm rot="0">
+          <a:xfrm>
             <a:off x="666750" y="5143500"/>
             <a:ext cx="5448300" cy="3772614"/>
             <a:chOff x="0" y="0"/>
@@ -3639,12 +3658,12 @@
         </p:grpSpPr>
         <p:sp>
           <p:nvSpPr>
-            <p:cNvPr name="TextBox 7" id="7"/>
-            <p:cNvSpPr txBox="true"/>
+            <p:cNvPr id="7" name="TextBox 7"/>
+            <p:cNvSpPr txBox="1"/>
             <p:nvPr/>
           </p:nvSpPr>
           <p:spPr>
-            <a:xfrm rot="0">
+            <a:xfrm>
               <a:off x="0" y="-9525"/>
               <a:ext cx="7264400" cy="619125"/>
             </a:xfrm>
@@ -3653,12 +3672,12 @@
             </a:prstGeom>
           </p:spPr>
           <p:txBody>
-            <a:bodyPr anchor="t" rtlCol="false" tIns="0" lIns="0" bIns="0" rIns="0">
+            <a:bodyPr lIns="0" tIns="0" rIns="0" bIns="0" rtlCol="0" anchor="t">
               <a:spAutoFit/>
             </a:bodyPr>
             <a:lstStyle/>
             <a:p>
-              <a:pPr algn="l" marL="0" indent="0" lvl="0">
+              <a:pPr marL="0" lvl="0" indent="0" algn="l">
                 <a:lnSpc>
                   <a:spcPts val="3600"/>
                 </a:lnSpc>
@@ -3667,7 +3686,7 @@
                 </a:spcBef>
               </a:pPr>
               <a:r>
-                <a:rPr lang="en-US" b="true" sz="3000">
+                <a:rPr lang="en-US" sz="3000" b="1">
                   <a:solidFill>
                     <a:srgbClr val="406080"/>
                   </a:solidFill>
@@ -3683,12 +3702,12 @@
         </p:sp>
         <p:sp>
           <p:nvSpPr>
-            <p:cNvPr name="TextBox 8" id="8"/>
-            <p:cNvSpPr txBox="true"/>
+            <p:cNvPr id="8" name="TextBox 8"/>
+            <p:cNvSpPr txBox="1"/>
             <p:nvPr/>
           </p:nvSpPr>
           <p:spPr>
-            <a:xfrm rot="0">
+            <a:xfrm>
               <a:off x="0" y="1155700"/>
               <a:ext cx="7264400" cy="3874452"/>
             </a:xfrm>
@@ -3697,18 +3716,18 @@
             </a:prstGeom>
           </p:spPr>
           <p:txBody>
-            <a:bodyPr anchor="t" rtlCol="false" tIns="0" lIns="0" bIns="0" rIns="0">
+            <a:bodyPr lIns="0" tIns="0" rIns="0" bIns="0" rtlCol="0" anchor="t">
               <a:spAutoFit/>
             </a:bodyPr>
             <a:lstStyle/>
             <a:p>
-              <a:pPr algn="l" marL="0" indent="0" lvl="0">
+              <a:pPr marL="0" lvl="0" indent="0" algn="l">
                 <a:lnSpc>
                   <a:spcPts val="3826"/>
                 </a:lnSpc>
               </a:pPr>
               <a:r>
-                <a:rPr lang="en-US" sz="2943" strike="noStrike" u="none">
+                <a:rPr lang="en-US" sz="2943" u="none" strike="noStrike">
                   <a:solidFill>
                     <a:srgbClr val="406080"/>
                   </a:solidFill>
@@ -3725,12 +3744,12 @@
       </p:grpSp>
       <p:grpSp>
         <p:nvGrpSpPr>
-          <p:cNvPr name="Group 9" id="9"/>
+          <p:cNvPr id="9" name="Group 9"/>
           <p:cNvGrpSpPr/>
           <p:nvPr/>
         </p:nvGrpSpPr>
         <p:grpSpPr>
-          <a:xfrm rot="0">
+          <a:xfrm>
             <a:off x="6419850" y="5143500"/>
             <a:ext cx="5448300" cy="3772614"/>
             <a:chOff x="0" y="0"/>
@@ -3739,12 +3758,12 @@
         </p:grpSpPr>
         <p:sp>
           <p:nvSpPr>
-            <p:cNvPr name="TextBox 10" id="10"/>
-            <p:cNvSpPr txBox="true"/>
+            <p:cNvPr id="10" name="TextBox 10"/>
+            <p:cNvSpPr txBox="1"/>
             <p:nvPr/>
           </p:nvSpPr>
           <p:spPr>
-            <a:xfrm rot="0">
+            <a:xfrm>
               <a:off x="0" y="-9525"/>
               <a:ext cx="7264400" cy="619125"/>
             </a:xfrm>
@@ -3753,12 +3772,12 @@
             </a:prstGeom>
           </p:spPr>
           <p:txBody>
-            <a:bodyPr anchor="t" rtlCol="false" tIns="0" lIns="0" bIns="0" rIns="0">
+            <a:bodyPr lIns="0" tIns="0" rIns="0" bIns="0" rtlCol="0" anchor="t">
               <a:spAutoFit/>
             </a:bodyPr>
             <a:lstStyle/>
             <a:p>
-              <a:pPr algn="l" marL="0" indent="0" lvl="0">
+              <a:pPr marL="0" lvl="0" indent="0" algn="l">
                 <a:lnSpc>
                   <a:spcPts val="3600"/>
                 </a:lnSpc>
@@ -3767,7 +3786,7 @@
                 </a:spcBef>
               </a:pPr>
               <a:r>
-                <a:rPr lang="en-US" b="true" sz="3000" strike="noStrike" u="none">
+                <a:rPr lang="en-US" sz="3000" b="1" u="none" strike="noStrike">
                   <a:solidFill>
                     <a:srgbClr val="406080"/>
                   </a:solidFill>
@@ -3783,12 +3802,12 @@
         </p:sp>
         <p:sp>
           <p:nvSpPr>
-            <p:cNvPr name="TextBox 11" id="11"/>
-            <p:cNvSpPr txBox="true"/>
+            <p:cNvPr id="11" name="TextBox 11"/>
+            <p:cNvSpPr txBox="1"/>
             <p:nvPr/>
           </p:nvSpPr>
           <p:spPr>
-            <a:xfrm rot="0">
+            <a:xfrm>
               <a:off x="0" y="1155700"/>
               <a:ext cx="7264400" cy="3874452"/>
             </a:xfrm>
@@ -3797,18 +3816,18 @@
             </a:prstGeom>
           </p:spPr>
           <p:txBody>
-            <a:bodyPr anchor="t" rtlCol="false" tIns="0" lIns="0" bIns="0" rIns="0">
+            <a:bodyPr lIns="0" tIns="0" rIns="0" bIns="0" rtlCol="0" anchor="t">
               <a:spAutoFit/>
             </a:bodyPr>
             <a:lstStyle/>
             <a:p>
-              <a:pPr algn="l" marL="0" indent="0" lvl="0">
+              <a:pPr marL="0" lvl="0" indent="0" algn="l">
                 <a:lnSpc>
                   <a:spcPts val="3826"/>
                 </a:lnSpc>
               </a:pPr>
               <a:r>
-                <a:rPr lang="en-US" sz="2943" strike="noStrike" u="none">
+                <a:rPr lang="en-US" sz="2943" u="none" strike="noStrike">
                   <a:solidFill>
                     <a:srgbClr val="406080"/>
                   </a:solidFill>
@@ -3825,12 +3844,12 @@
       </p:grpSp>
       <p:grpSp>
         <p:nvGrpSpPr>
-          <p:cNvPr name="Group 12" id="12"/>
+          <p:cNvPr id="12" name="Group 12"/>
           <p:cNvGrpSpPr/>
           <p:nvPr/>
         </p:nvGrpSpPr>
         <p:grpSpPr>
-          <a:xfrm rot="0">
+          <a:xfrm>
             <a:off x="12172950" y="5143500"/>
             <a:ext cx="5448300" cy="3286839"/>
             <a:chOff x="0" y="0"/>
@@ -3839,12 +3858,12 @@
         </p:grpSpPr>
         <p:sp>
           <p:nvSpPr>
-            <p:cNvPr name="TextBox 13" id="13"/>
-            <p:cNvSpPr txBox="true"/>
+            <p:cNvPr id="13" name="TextBox 13"/>
+            <p:cNvSpPr txBox="1"/>
             <p:nvPr/>
           </p:nvSpPr>
           <p:spPr>
-            <a:xfrm rot="0">
+            <a:xfrm>
               <a:off x="0" y="-9525"/>
               <a:ext cx="7264400" cy="619125"/>
             </a:xfrm>
@@ -3853,12 +3872,12 @@
             </a:prstGeom>
           </p:spPr>
           <p:txBody>
-            <a:bodyPr anchor="t" rtlCol="false" tIns="0" lIns="0" bIns="0" rIns="0">
+            <a:bodyPr lIns="0" tIns="0" rIns="0" bIns="0" rtlCol="0" anchor="t">
               <a:spAutoFit/>
             </a:bodyPr>
             <a:lstStyle/>
             <a:p>
-              <a:pPr algn="l" marL="0" indent="0" lvl="0">
+              <a:pPr marL="0" lvl="0" indent="0" algn="l">
                 <a:lnSpc>
                   <a:spcPts val="3600"/>
                 </a:lnSpc>
@@ -3867,7 +3886,7 @@
                 </a:spcBef>
               </a:pPr>
               <a:r>
-                <a:rPr lang="en-US" b="true" sz="3000" strike="noStrike" u="none">
+                <a:rPr lang="en-US" sz="3000" b="1" u="none" strike="noStrike">
                   <a:solidFill>
                     <a:srgbClr val="406080"/>
                   </a:solidFill>
@@ -3883,12 +3902,12 @@
         </p:sp>
         <p:sp>
           <p:nvSpPr>
-            <p:cNvPr name="TextBox 14" id="14"/>
-            <p:cNvSpPr txBox="true"/>
+            <p:cNvPr id="14" name="TextBox 14"/>
+            <p:cNvSpPr txBox="1"/>
             <p:nvPr/>
           </p:nvSpPr>
           <p:spPr>
-            <a:xfrm rot="0">
+            <a:xfrm>
               <a:off x="0" y="1155700"/>
               <a:ext cx="7264400" cy="3226752"/>
             </a:xfrm>
@@ -3897,18 +3916,18 @@
             </a:prstGeom>
           </p:spPr>
           <p:txBody>
-            <a:bodyPr anchor="t" rtlCol="false" tIns="0" lIns="0" bIns="0" rIns="0">
+            <a:bodyPr lIns="0" tIns="0" rIns="0" bIns="0" rtlCol="0" anchor="t">
               <a:spAutoFit/>
             </a:bodyPr>
             <a:lstStyle/>
             <a:p>
-              <a:pPr algn="l" marL="0" indent="0" lvl="0">
+              <a:pPr marL="0" lvl="0" indent="0" algn="l">
                 <a:lnSpc>
                   <a:spcPts val="3826"/>
                 </a:lnSpc>
               </a:pPr>
               <a:r>
-                <a:rPr lang="en-US" sz="2943" strike="noStrike" u="none">
+                <a:rPr lang="en-US" sz="2943" u="none" strike="noStrike">
                   <a:solidFill>
                     <a:srgbClr val="406080"/>
                   </a:solidFill>
@@ -3932,13 +3951,14 @@
 </file>
 
 <file path=ppt/slides/slide11.xml><?xml version="1.0" encoding="utf-8"?>
-<p:sld xmlns:p="http://schemas.openxmlformats.org/presentationml/2006/main" xmlns:a="http://schemas.openxmlformats.org/drawingml/2006/main" xmlns:r="http://schemas.openxmlformats.org/officeDocument/2006/relationships">
+<p:sld xmlns:a="http://schemas.openxmlformats.org/drawingml/2006/main" xmlns:r="http://schemas.openxmlformats.org/officeDocument/2006/relationships" xmlns:p="http://schemas.openxmlformats.org/presentationml/2006/main">
   <p:cSld>
     <p:bg>
       <p:bgPr>
         <a:solidFill>
           <a:srgbClr val="F7F9FC"/>
         </a:solidFill>
+        <a:effectLst/>
       </p:bgPr>
     </p:bg>
     <p:spTree>
@@ -3957,12 +3977,12 @@
       </p:grpSpPr>
       <p:grpSp>
         <p:nvGrpSpPr>
-          <p:cNvPr name="Group 2" id="2"/>
+          <p:cNvPr id="2" name="Group 2"/>
           <p:cNvGrpSpPr/>
           <p:nvPr/>
         </p:nvGrpSpPr>
         <p:grpSpPr>
-          <a:xfrm rot="0">
+          <a:xfrm>
             <a:off x="2105025" y="3002297"/>
             <a:ext cx="12639675" cy="3914808"/>
             <a:chOff x="0" y="0"/>
@@ -3971,12 +3991,12 @@
         </p:grpSpPr>
         <p:sp>
           <p:nvSpPr>
-            <p:cNvPr name="TextBox 3" id="3"/>
-            <p:cNvSpPr txBox="true"/>
+            <p:cNvPr id="3" name="TextBox 3"/>
+            <p:cNvSpPr txBox="1"/>
             <p:nvPr/>
           </p:nvSpPr>
           <p:spPr>
-            <a:xfrm rot="0">
+            <a:xfrm>
               <a:off x="0" y="171450"/>
               <a:ext cx="16852900" cy="1612476"/>
             </a:xfrm>
@@ -3985,12 +4005,12 @@
             </a:prstGeom>
           </p:spPr>
           <p:txBody>
-            <a:bodyPr anchor="t" rtlCol="false" tIns="0" lIns="0" bIns="0" rIns="0">
+            <a:bodyPr lIns="0" tIns="0" rIns="0" bIns="0" rtlCol="0" anchor="t">
               <a:spAutoFit/>
             </a:bodyPr>
             <a:lstStyle/>
             <a:p>
-              <a:pPr algn="l" marL="0" indent="0" lvl="0">
+              <a:pPr marL="0" lvl="0" indent="0" algn="l">
                 <a:lnSpc>
                   <a:spcPts val="8799"/>
                 </a:lnSpc>
@@ -4012,12 +4032,12 @@
         </p:sp>
         <p:sp>
           <p:nvSpPr>
-            <p:cNvPr name="TextBox 4" id="4"/>
-            <p:cNvSpPr txBox="true"/>
+            <p:cNvPr id="4" name="TextBox 4"/>
+            <p:cNvSpPr txBox="1"/>
             <p:nvPr/>
           </p:nvSpPr>
           <p:spPr>
-            <a:xfrm rot="0">
+            <a:xfrm>
               <a:off x="0" y="3251244"/>
               <a:ext cx="16852900" cy="1968500"/>
             </a:xfrm>
@@ -4026,12 +4046,12 @@
             </a:prstGeom>
           </p:spPr>
           <p:txBody>
-            <a:bodyPr anchor="t" rtlCol="false" tIns="0" lIns="0" bIns="0" rIns="0">
+            <a:bodyPr lIns="0" tIns="0" rIns="0" bIns="0" rtlCol="0" anchor="t">
               <a:spAutoFit/>
             </a:bodyPr>
             <a:lstStyle/>
             <a:p>
-              <a:pPr algn="l" marL="0" indent="0" lvl="0">
+              <a:pPr marL="0" lvl="0" indent="0" algn="l">
                 <a:lnSpc>
                   <a:spcPts val="3900"/>
                 </a:lnSpc>
@@ -4049,7 +4069,7 @@
                 <a:t>Key challenges include </a:t>
               </a:r>
               <a:r>
-                <a:rPr lang="en-US" b="true" sz="3000">
+                <a:rPr lang="en-US" sz="3000" b="1">
                   <a:solidFill>
                     <a:srgbClr val="203040"/>
                   </a:solidFill>
@@ -4073,7 +4093,7 @@
                 <a:t>, class imbalance, and </a:t>
               </a:r>
               <a:r>
-                <a:rPr lang="en-US" b="true" sz="3000">
+                <a:rPr lang="en-US" sz="3000" b="1">
                   <a:solidFill>
                     <a:srgbClr val="203040"/>
                   </a:solidFill>
@@ -4101,12 +4121,12 @@
         </p:sp>
         <p:sp>
           <p:nvSpPr>
-            <p:cNvPr name="TextBox 5" id="5"/>
-            <p:cNvSpPr txBox="true"/>
+            <p:cNvPr id="5" name="TextBox 5"/>
+            <p:cNvSpPr txBox="1"/>
             <p:nvPr/>
           </p:nvSpPr>
           <p:spPr>
-            <a:xfrm rot="0">
+            <a:xfrm>
               <a:off x="0" y="2086063"/>
               <a:ext cx="16852900" cy="619125"/>
             </a:xfrm>
@@ -4115,18 +4135,18 @@
             </a:prstGeom>
           </p:spPr>
           <p:txBody>
-            <a:bodyPr anchor="t" rtlCol="false" tIns="0" lIns="0" bIns="0" rIns="0">
+            <a:bodyPr lIns="0" tIns="0" rIns="0" bIns="0" rtlCol="0" anchor="t">
               <a:spAutoFit/>
             </a:bodyPr>
             <a:lstStyle/>
             <a:p>
-              <a:pPr algn="l" marL="0" indent="0" lvl="0">
+              <a:pPr marL="0" lvl="0" indent="0" algn="l">
                 <a:lnSpc>
                   <a:spcPts val="3600"/>
                 </a:lnSpc>
               </a:pPr>
               <a:r>
-                <a:rPr lang="en-US" b="true" sz="3000">
+                <a:rPr lang="en-US" sz="3000" b="1">
                   <a:solidFill>
                     <a:srgbClr val="406080"/>
                   </a:solidFill>
@@ -4143,12 +4163,12 @@
       </p:grpSp>
       <p:sp>
         <p:nvSpPr>
-          <p:cNvPr name="Freeform 6" id="6"/>
+          <p:cNvPr id="6" name="Freeform 6"/>
           <p:cNvSpPr/>
           <p:nvPr/>
         </p:nvSpPr>
         <p:spPr>
-          <a:xfrm flipH="false" flipV="false" rot="-1268288">
+          <a:xfrm rot="-1268288">
             <a:off x="14795639" y="5873497"/>
             <a:ext cx="10936025" cy="10299747"/>
           </a:xfrm>
@@ -4157,9 +4177,9 @@
             <a:gdLst/>
             <a:ahLst/>
             <a:cxnLst/>
-            <a:rect r="r" b="b" t="t" l="l"/>
+            <a:rect l="l" t="t" r="r" b="b"/>
             <a:pathLst>
-              <a:path h="10299747" w="10936025">
+              <a:path w="10936025" h="10299747">
                 <a:moveTo>
                   <a:pt x="0" y="0"/>
                 </a:moveTo>
@@ -4188,7 +4208,7 @@
               </a:extLst>
             </a:blip>
             <a:stretch>
-              <a:fillRect l="0" t="0" r="0" b="0"/>
+              <a:fillRect/>
             </a:stretch>
           </a:blipFill>
           <a:ln cap="sq">
@@ -4197,6 +4217,13 @@
             <a:miter/>
           </a:ln>
         </p:spPr>
+        <p:txBody>
+          <a:bodyPr/>
+          <a:lstStyle/>
+          <a:p>
+            <a:endParaRPr lang="en-ID"/>
+          </a:p>
+        </p:txBody>
       </p:sp>
     </p:spTree>
   </p:cSld>
@@ -4207,13 +4234,14 @@
 </file>
 
 <file path=ppt/slides/slide12.xml><?xml version="1.0" encoding="utf-8"?>
-<p:sld xmlns:p="http://schemas.openxmlformats.org/presentationml/2006/main" xmlns:a="http://schemas.openxmlformats.org/drawingml/2006/main" xmlns:r="http://schemas.openxmlformats.org/officeDocument/2006/relationships">
+<p:sld xmlns:a="http://schemas.openxmlformats.org/drawingml/2006/main" xmlns:r="http://schemas.openxmlformats.org/officeDocument/2006/relationships" xmlns:p="http://schemas.openxmlformats.org/presentationml/2006/main">
   <p:cSld>
     <p:bg>
       <p:bgPr>
         <a:solidFill>
           <a:srgbClr val="F7F9FC"/>
         </a:solidFill>
+        <a:effectLst/>
       </p:bgPr>
     </p:bg>
     <p:spTree>
@@ -4232,12 +4260,12 @@
       </p:grpSpPr>
       <p:sp>
         <p:nvSpPr>
-          <p:cNvPr name="TextBox 2" id="2"/>
-          <p:cNvSpPr txBox="true"/>
+          <p:cNvPr id="2" name="TextBox 2"/>
+          <p:cNvSpPr txBox="1"/>
           <p:nvPr/>
         </p:nvSpPr>
         <p:spPr>
-          <a:xfrm rot="0">
+          <a:xfrm>
             <a:off x="9296400" y="657225"/>
             <a:ext cx="1133475" cy="457200"/>
           </a:xfrm>
@@ -4246,12 +4274,12 @@
           </a:prstGeom>
         </p:spPr>
         <p:txBody>
-          <a:bodyPr anchor="t" rtlCol="false" tIns="0" lIns="0" bIns="0" rIns="0">
+          <a:bodyPr lIns="0" tIns="0" rIns="0" bIns="0" rtlCol="0" anchor="t">
             <a:spAutoFit/>
           </a:bodyPr>
           <a:lstStyle/>
           <a:p>
-            <a:pPr algn="l" marL="0" indent="0" lvl="0">
+            <a:pPr marL="0" lvl="0" indent="0" algn="l">
               <a:lnSpc>
                 <a:spcPts val="3599"/>
               </a:lnSpc>
@@ -4260,7 +4288,7 @@
               </a:spcBef>
             </a:pPr>
             <a:r>
-              <a:rPr lang="en-US" b="true" sz="2999" u="none">
+              <a:rPr lang="en-US" sz="2999" b="1" u="none">
                 <a:solidFill>
                   <a:srgbClr val="406080"/>
                 </a:solidFill>
@@ -4276,12 +4304,12 @@
       </p:sp>
       <p:grpSp>
         <p:nvGrpSpPr>
-          <p:cNvPr name="Group 3" id="3"/>
+          <p:cNvPr id="3" name="Group 3"/>
           <p:cNvGrpSpPr/>
           <p:nvPr/>
         </p:nvGrpSpPr>
         <p:grpSpPr>
-          <a:xfrm rot="0">
+          <a:xfrm>
             <a:off x="10734675" y="666750"/>
             <a:ext cx="6886575" cy="1838325"/>
             <a:chOff x="0" y="0"/>
@@ -4290,12 +4318,12 @@
         </p:grpSpPr>
         <p:sp>
           <p:nvSpPr>
-            <p:cNvPr name="TextBox 4" id="4"/>
-            <p:cNvSpPr txBox="true"/>
+            <p:cNvPr id="4" name="TextBox 4"/>
+            <p:cNvSpPr txBox="1"/>
             <p:nvPr/>
           </p:nvSpPr>
           <p:spPr>
-            <a:xfrm rot="0">
+            <a:xfrm>
               <a:off x="0" y="-9525"/>
               <a:ext cx="9182100" cy="619125"/>
             </a:xfrm>
@@ -4304,12 +4332,12 @@
             </a:prstGeom>
           </p:spPr>
           <p:txBody>
-            <a:bodyPr anchor="t" rtlCol="false" tIns="0" lIns="0" bIns="0" rIns="0">
+            <a:bodyPr lIns="0" tIns="0" rIns="0" bIns="0" rtlCol="0" anchor="t">
               <a:spAutoFit/>
             </a:bodyPr>
             <a:lstStyle/>
             <a:p>
-              <a:pPr algn="l" marL="0" indent="0" lvl="0">
+              <a:pPr marL="0" lvl="0" indent="0" algn="l">
                 <a:lnSpc>
                   <a:spcPts val="3600"/>
                 </a:lnSpc>
@@ -4318,7 +4346,7 @@
                 </a:spcBef>
               </a:pPr>
               <a:r>
-                <a:rPr lang="en-US" b="true" sz="3000">
+                <a:rPr lang="en-US" sz="3000" b="1">
                   <a:solidFill>
                     <a:srgbClr val="406080"/>
                   </a:solidFill>
@@ -4334,12 +4362,12 @@
         </p:sp>
         <p:sp>
           <p:nvSpPr>
-            <p:cNvPr name="TextBox 5" id="5"/>
-            <p:cNvSpPr txBox="true"/>
+            <p:cNvPr id="5" name="TextBox 5"/>
+            <p:cNvSpPr txBox="1"/>
             <p:nvPr/>
           </p:nvSpPr>
           <p:spPr>
-            <a:xfrm rot="0">
+            <a:xfrm>
               <a:off x="0" y="1168400"/>
               <a:ext cx="9182100" cy="1282700"/>
             </a:xfrm>
@@ -4348,12 +4376,12 @@
             </a:prstGeom>
           </p:spPr>
           <p:txBody>
-            <a:bodyPr anchor="t" rtlCol="false" tIns="0" lIns="0" bIns="0" rIns="0">
+            <a:bodyPr lIns="0" tIns="0" rIns="0" bIns="0" rtlCol="0" anchor="t">
               <a:spAutoFit/>
             </a:bodyPr>
             <a:lstStyle/>
             <a:p>
-              <a:pPr algn="l" marL="0" indent="0" lvl="0">
+              <a:pPr marL="0" lvl="0" indent="0" algn="l">
                 <a:lnSpc>
                   <a:spcPts val="3899"/>
                 </a:lnSpc>
@@ -4376,12 +4404,12 @@
       </p:grpSp>
       <p:sp>
         <p:nvSpPr>
-          <p:cNvPr name="TextBox 6" id="6"/>
-          <p:cNvSpPr txBox="true"/>
+          <p:cNvPr id="6" name="TextBox 6"/>
+          <p:cNvSpPr txBox="1"/>
           <p:nvPr/>
         </p:nvSpPr>
         <p:spPr>
-          <a:xfrm rot="0">
+          <a:xfrm>
             <a:off x="9296400" y="3343275"/>
             <a:ext cx="1133475" cy="457200"/>
           </a:xfrm>
@@ -4390,12 +4418,12 @@
           </a:prstGeom>
         </p:spPr>
         <p:txBody>
-          <a:bodyPr anchor="t" rtlCol="false" tIns="0" lIns="0" bIns="0" rIns="0">
+          <a:bodyPr lIns="0" tIns="0" rIns="0" bIns="0" rtlCol="0" anchor="t">
             <a:spAutoFit/>
           </a:bodyPr>
           <a:lstStyle/>
           <a:p>
-            <a:pPr algn="l" marL="0" indent="0" lvl="0">
+            <a:pPr marL="0" lvl="0" indent="0" algn="l">
               <a:lnSpc>
                 <a:spcPts val="3599"/>
               </a:lnSpc>
@@ -4404,7 +4432,7 @@
               </a:spcBef>
             </a:pPr>
             <a:r>
-              <a:rPr lang="en-US" b="true" sz="2999" u="none">
+              <a:rPr lang="en-US" sz="2999" b="1" u="none">
                 <a:solidFill>
                   <a:srgbClr val="406080"/>
                 </a:solidFill>
@@ -4420,12 +4448,12 @@
       </p:sp>
       <p:grpSp>
         <p:nvGrpSpPr>
-          <p:cNvPr name="Group 7" id="7"/>
+          <p:cNvPr id="7" name="Group 7"/>
           <p:cNvGrpSpPr/>
           <p:nvPr/>
         </p:nvGrpSpPr>
         <p:grpSpPr>
-          <a:xfrm rot="0">
+          <a:xfrm>
             <a:off x="10734675" y="3352800"/>
             <a:ext cx="6886575" cy="1828800"/>
             <a:chOff x="0" y="0"/>
@@ -4434,12 +4462,12 @@
         </p:grpSpPr>
         <p:sp>
           <p:nvSpPr>
-            <p:cNvPr name="TextBox 8" id="8"/>
-            <p:cNvSpPr txBox="true"/>
+            <p:cNvPr id="8" name="TextBox 8"/>
+            <p:cNvSpPr txBox="1"/>
             <p:nvPr/>
           </p:nvSpPr>
           <p:spPr>
-            <a:xfrm rot="0">
+            <a:xfrm>
               <a:off x="0" y="-9525"/>
               <a:ext cx="9182100" cy="619125"/>
             </a:xfrm>
@@ -4448,12 +4476,12 @@
             </a:prstGeom>
           </p:spPr>
           <p:txBody>
-            <a:bodyPr anchor="t" rtlCol="false" tIns="0" lIns="0" bIns="0" rIns="0">
+            <a:bodyPr lIns="0" tIns="0" rIns="0" bIns="0" rtlCol="0" anchor="t">
               <a:spAutoFit/>
             </a:bodyPr>
             <a:lstStyle/>
             <a:p>
-              <a:pPr algn="l" marL="0" indent="0" lvl="0">
+              <a:pPr marL="0" lvl="0" indent="0" algn="l">
                 <a:lnSpc>
                   <a:spcPts val="3600"/>
                 </a:lnSpc>
@@ -4462,7 +4490,7 @@
                 </a:spcBef>
               </a:pPr>
               <a:r>
-                <a:rPr lang="en-US" b="true" sz="3000">
+                <a:rPr lang="en-US" sz="3000" b="1">
                   <a:solidFill>
                     <a:srgbClr val="406080"/>
                   </a:solidFill>
@@ -4478,12 +4506,12 @@
         </p:sp>
         <p:sp>
           <p:nvSpPr>
-            <p:cNvPr name="TextBox 9" id="9"/>
-            <p:cNvSpPr txBox="true"/>
+            <p:cNvPr id="9" name="TextBox 9"/>
+            <p:cNvSpPr txBox="1"/>
             <p:nvPr/>
           </p:nvSpPr>
           <p:spPr>
-            <a:xfrm rot="0">
+            <a:xfrm>
               <a:off x="0" y="1155700"/>
               <a:ext cx="9182100" cy="1282700"/>
             </a:xfrm>
@@ -4492,12 +4520,12 @@
             </a:prstGeom>
           </p:spPr>
           <p:txBody>
-            <a:bodyPr anchor="t" rtlCol="false" tIns="0" lIns="0" bIns="0" rIns="0">
+            <a:bodyPr lIns="0" tIns="0" rIns="0" bIns="0" rtlCol="0" anchor="t">
               <a:spAutoFit/>
             </a:bodyPr>
             <a:lstStyle/>
             <a:p>
-              <a:pPr algn="l" marL="0" indent="0" lvl="0">
+              <a:pPr marL="0" lvl="0" indent="0" algn="l">
                 <a:lnSpc>
                   <a:spcPts val="3899"/>
                 </a:lnSpc>
@@ -4520,12 +4548,12 @@
       </p:grpSp>
       <p:sp>
         <p:nvSpPr>
-          <p:cNvPr name="TextBox 10" id="10"/>
-          <p:cNvSpPr txBox="true"/>
+          <p:cNvPr id="10" name="TextBox 10"/>
+          <p:cNvSpPr txBox="1"/>
           <p:nvPr/>
         </p:nvSpPr>
         <p:spPr>
-          <a:xfrm rot="0">
+          <a:xfrm>
             <a:off x="9296400" y="6029325"/>
             <a:ext cx="1133475" cy="457200"/>
           </a:xfrm>
@@ -4534,12 +4562,12 @@
           </a:prstGeom>
         </p:spPr>
         <p:txBody>
-          <a:bodyPr anchor="t" rtlCol="false" tIns="0" lIns="0" bIns="0" rIns="0">
+          <a:bodyPr lIns="0" tIns="0" rIns="0" bIns="0" rtlCol="0" anchor="t">
             <a:spAutoFit/>
           </a:bodyPr>
           <a:lstStyle/>
           <a:p>
-            <a:pPr algn="l" marL="0" indent="0" lvl="0">
+            <a:pPr marL="0" lvl="0" indent="0" algn="l">
               <a:lnSpc>
                 <a:spcPts val="3599"/>
               </a:lnSpc>
@@ -4548,7 +4576,7 @@
               </a:spcBef>
             </a:pPr>
             <a:r>
-              <a:rPr lang="en-US" b="true" sz="2999" u="none">
+              <a:rPr lang="en-US" sz="2999" b="1" u="none">
                 <a:solidFill>
                   <a:srgbClr val="406080"/>
                 </a:solidFill>
@@ -4564,12 +4592,12 @@
       </p:sp>
       <p:grpSp>
         <p:nvGrpSpPr>
-          <p:cNvPr name="Group 11" id="11"/>
+          <p:cNvPr id="11" name="Group 11"/>
           <p:cNvGrpSpPr/>
           <p:nvPr/>
         </p:nvGrpSpPr>
         <p:grpSpPr>
-          <a:xfrm rot="0">
+          <a:xfrm>
             <a:off x="10734675" y="6033135"/>
             <a:ext cx="6886575" cy="1834515"/>
             <a:chOff x="0" y="0"/>
@@ -4578,12 +4606,12 @@
         </p:grpSpPr>
         <p:sp>
           <p:nvSpPr>
-            <p:cNvPr name="TextBox 12" id="12"/>
-            <p:cNvSpPr txBox="true"/>
+            <p:cNvPr id="12" name="TextBox 12"/>
+            <p:cNvSpPr txBox="1"/>
             <p:nvPr/>
           </p:nvSpPr>
           <p:spPr>
-            <a:xfrm rot="0">
+            <a:xfrm>
               <a:off x="0" y="-9525"/>
               <a:ext cx="9182100" cy="619125"/>
             </a:xfrm>
@@ -4592,12 +4620,12 @@
             </a:prstGeom>
           </p:spPr>
           <p:txBody>
-            <a:bodyPr anchor="t" rtlCol="false" tIns="0" lIns="0" bIns="0" rIns="0">
+            <a:bodyPr lIns="0" tIns="0" rIns="0" bIns="0" rtlCol="0" anchor="t">
               <a:spAutoFit/>
             </a:bodyPr>
             <a:lstStyle/>
             <a:p>
-              <a:pPr algn="l" marL="0" indent="0" lvl="0">
+              <a:pPr marL="0" lvl="0" indent="0" algn="l">
                 <a:lnSpc>
                   <a:spcPts val="3600"/>
                 </a:lnSpc>
@@ -4606,7 +4634,7 @@
                 </a:spcBef>
               </a:pPr>
               <a:r>
-                <a:rPr lang="en-US" b="true" sz="3000">
+                <a:rPr lang="en-US" sz="3000" b="1">
                   <a:solidFill>
                     <a:srgbClr val="406080"/>
                   </a:solidFill>
@@ -4622,12 +4650,12 @@
         </p:sp>
         <p:sp>
           <p:nvSpPr>
-            <p:cNvPr name="TextBox 13" id="13"/>
-            <p:cNvSpPr txBox="true"/>
+            <p:cNvPr id="13" name="TextBox 13"/>
+            <p:cNvSpPr txBox="1"/>
             <p:nvPr/>
           </p:nvSpPr>
           <p:spPr>
-            <a:xfrm rot="0">
+            <a:xfrm>
               <a:off x="0" y="1163320"/>
               <a:ext cx="9182100" cy="1282700"/>
             </a:xfrm>
@@ -4636,12 +4664,12 @@
             </a:prstGeom>
           </p:spPr>
           <p:txBody>
-            <a:bodyPr anchor="t" rtlCol="false" tIns="0" lIns="0" bIns="0" rIns="0">
+            <a:bodyPr lIns="0" tIns="0" rIns="0" bIns="0" rtlCol="0" anchor="t">
               <a:spAutoFit/>
             </a:bodyPr>
             <a:lstStyle/>
             <a:p>
-              <a:pPr algn="l" marL="0" indent="0" lvl="0">
+              <a:pPr marL="0" lvl="0" indent="0" algn="l">
                 <a:lnSpc>
                   <a:spcPts val="3899"/>
                 </a:lnSpc>
@@ -4664,32 +4692,32 @@
       </p:grpSp>
       <p:sp>
         <p:nvSpPr>
-          <p:cNvPr name="TextBox 14" id="14"/>
-          <p:cNvSpPr txBox="true"/>
+          <p:cNvPr id="14" name="TextBox 14"/>
+          <p:cNvSpPr txBox="1"/>
           <p:nvPr/>
         </p:nvSpPr>
         <p:spPr>
-          <a:xfrm rot="0">
+          <a:xfrm>
             <a:off x="666750" y="809625"/>
-            <a:ext cx="6886575" cy="2183130"/>
+            <a:ext cx="7258050" cy="2172903"/>
           </a:xfrm>
           <a:prstGeom prst="rect">
             <a:avLst/>
           </a:prstGeom>
         </p:spPr>
         <p:txBody>
-          <a:bodyPr anchor="t" rtlCol="false" tIns="0" lIns="0" bIns="0" rIns="0">
+          <a:bodyPr wrap="square" lIns="0" tIns="0" rIns="0" bIns="0" rtlCol="0" anchor="t">
             <a:spAutoFit/>
           </a:bodyPr>
           <a:lstStyle/>
           <a:p>
-            <a:pPr algn="l" marL="0" indent="0" lvl="0">
+            <a:pPr marL="0" lvl="0" indent="0" algn="l">
               <a:lnSpc>
                 <a:spcPts val="8325"/>
               </a:lnSpc>
             </a:pPr>
             <a:r>
-              <a:rPr lang="en-US" sz="8325">
+              <a:rPr lang="en-US" sz="8325" dirty="0">
                 <a:solidFill>
                   <a:srgbClr val="203040"/>
                 </a:solidFill>
@@ -4705,12 +4733,12 @@
       </p:sp>
       <p:sp>
         <p:nvSpPr>
-          <p:cNvPr name="Freeform 15" id="15"/>
+          <p:cNvPr id="15" name="Freeform 15"/>
           <p:cNvSpPr/>
           <p:nvPr/>
         </p:nvSpPr>
         <p:spPr>
-          <a:xfrm flipH="false" flipV="false" rot="-2156052">
+          <a:xfrm rot="-2156052">
             <a:off x="-3053910" y="7516388"/>
             <a:ext cx="6407041" cy="7627430"/>
           </a:xfrm>
@@ -4719,9 +4747,9 @@
             <a:gdLst/>
             <a:ahLst/>
             <a:cxnLst/>
-            <a:rect r="r" b="b" t="t" l="l"/>
+            <a:rect l="l" t="t" r="r" b="b"/>
             <a:pathLst>
-              <a:path h="7627430" w="6407041">
+              <a:path w="6407041" h="7627430">
                 <a:moveTo>
                   <a:pt x="0" y="0"/>
                 </a:moveTo>
@@ -4750,10 +4778,17 @@
               </a:extLst>
             </a:blip>
             <a:stretch>
-              <a:fillRect l="0" t="0" r="0" b="0"/>
+              <a:fillRect/>
             </a:stretch>
           </a:blipFill>
         </p:spPr>
+        <p:txBody>
+          <a:bodyPr/>
+          <a:lstStyle/>
+          <a:p>
+            <a:endParaRPr lang="en-ID"/>
+          </a:p>
+        </p:txBody>
       </p:sp>
     </p:spTree>
   </p:cSld>
@@ -4764,13 +4799,14 @@
 </file>
 
 <file path=ppt/slides/slide13.xml><?xml version="1.0" encoding="utf-8"?>
-<p:sld xmlns:p="http://schemas.openxmlformats.org/presentationml/2006/main" xmlns:a="http://schemas.openxmlformats.org/drawingml/2006/main" xmlns:r="http://schemas.openxmlformats.org/officeDocument/2006/relationships">
+<p:sld xmlns:a="http://schemas.openxmlformats.org/drawingml/2006/main" xmlns:r="http://schemas.openxmlformats.org/officeDocument/2006/relationships" xmlns:p="http://schemas.openxmlformats.org/presentationml/2006/main">
   <p:cSld>
     <p:bg>
       <p:bgPr>
         <a:solidFill>
           <a:srgbClr val="F7F9FC"/>
         </a:solidFill>
+        <a:effectLst/>
       </p:bgPr>
     </p:bg>
     <p:spTree>
@@ -4789,12 +4825,12 @@
       </p:grpSpPr>
       <p:sp>
         <p:nvSpPr>
-          <p:cNvPr name="TextBox 2" id="2"/>
-          <p:cNvSpPr txBox="true"/>
+          <p:cNvPr id="2" name="TextBox 2"/>
+          <p:cNvSpPr txBox="1"/>
           <p:nvPr/>
         </p:nvSpPr>
         <p:spPr>
-          <a:xfrm rot="0">
+          <a:xfrm>
             <a:off x="9296400" y="657225"/>
             <a:ext cx="1133475" cy="457200"/>
           </a:xfrm>
@@ -4803,12 +4839,12 @@
           </a:prstGeom>
         </p:spPr>
         <p:txBody>
-          <a:bodyPr anchor="t" rtlCol="false" tIns="0" lIns="0" bIns="0" rIns="0">
+          <a:bodyPr lIns="0" tIns="0" rIns="0" bIns="0" rtlCol="0" anchor="t">
             <a:spAutoFit/>
           </a:bodyPr>
           <a:lstStyle/>
           <a:p>
-            <a:pPr algn="l" marL="0" indent="0" lvl="0">
+            <a:pPr marL="0" lvl="0" indent="0" algn="l">
               <a:lnSpc>
                 <a:spcPts val="3599"/>
               </a:lnSpc>
@@ -4817,7 +4853,7 @@
               </a:spcBef>
             </a:pPr>
             <a:r>
-              <a:rPr lang="en-US" b="true" sz="2999" u="none">
+              <a:rPr lang="en-US" sz="2999" b="1" u="none">
                 <a:solidFill>
                   <a:srgbClr val="406080"/>
                 </a:solidFill>
@@ -4833,12 +4869,12 @@
       </p:sp>
       <p:grpSp>
         <p:nvGrpSpPr>
-          <p:cNvPr name="Group 3" id="3"/>
+          <p:cNvPr id="3" name="Group 3"/>
           <p:cNvGrpSpPr/>
           <p:nvPr/>
         </p:nvGrpSpPr>
         <p:grpSpPr>
-          <a:xfrm rot="0">
+          <a:xfrm>
             <a:off x="10734675" y="666750"/>
             <a:ext cx="6886575" cy="1838325"/>
             <a:chOff x="0" y="0"/>
@@ -4847,12 +4883,12 @@
         </p:grpSpPr>
         <p:sp>
           <p:nvSpPr>
-            <p:cNvPr name="TextBox 4" id="4"/>
-            <p:cNvSpPr txBox="true"/>
+            <p:cNvPr id="4" name="TextBox 4"/>
+            <p:cNvSpPr txBox="1"/>
             <p:nvPr/>
           </p:nvSpPr>
           <p:spPr>
-            <a:xfrm rot="0">
+            <a:xfrm>
               <a:off x="0" y="-9525"/>
               <a:ext cx="9182100" cy="619125"/>
             </a:xfrm>
@@ -4861,12 +4897,12 @@
             </a:prstGeom>
           </p:spPr>
           <p:txBody>
-            <a:bodyPr anchor="t" rtlCol="false" tIns="0" lIns="0" bIns="0" rIns="0">
+            <a:bodyPr lIns="0" tIns="0" rIns="0" bIns="0" rtlCol="0" anchor="t">
               <a:spAutoFit/>
             </a:bodyPr>
             <a:lstStyle/>
             <a:p>
-              <a:pPr algn="l" marL="0" indent="0" lvl="0">
+              <a:pPr marL="0" lvl="0" indent="0" algn="l">
                 <a:lnSpc>
                   <a:spcPts val="3600"/>
                 </a:lnSpc>
@@ -4875,7 +4911,7 @@
                 </a:spcBef>
               </a:pPr>
               <a:r>
-                <a:rPr lang="en-US" b="true" sz="3000">
+                <a:rPr lang="en-US" sz="3000" b="1">
                   <a:solidFill>
                     <a:srgbClr val="406080"/>
                   </a:solidFill>
@@ -4891,12 +4927,12 @@
         </p:sp>
         <p:sp>
           <p:nvSpPr>
-            <p:cNvPr name="TextBox 5" id="5"/>
-            <p:cNvSpPr txBox="true"/>
+            <p:cNvPr id="5" name="TextBox 5"/>
+            <p:cNvSpPr txBox="1"/>
             <p:nvPr/>
           </p:nvSpPr>
           <p:spPr>
-            <a:xfrm rot="0">
+            <a:xfrm>
               <a:off x="0" y="1168400"/>
               <a:ext cx="9182100" cy="1282700"/>
             </a:xfrm>
@@ -4905,12 +4941,12 @@
             </a:prstGeom>
           </p:spPr>
           <p:txBody>
-            <a:bodyPr anchor="t" rtlCol="false" tIns="0" lIns="0" bIns="0" rIns="0">
+            <a:bodyPr lIns="0" tIns="0" rIns="0" bIns="0" rtlCol="0" anchor="t">
               <a:spAutoFit/>
             </a:bodyPr>
             <a:lstStyle/>
             <a:p>
-              <a:pPr algn="l" marL="0" indent="0" lvl="0">
+              <a:pPr marL="0" lvl="0" indent="0" algn="l">
                 <a:lnSpc>
                   <a:spcPts val="3899"/>
                 </a:lnSpc>
@@ -4933,12 +4969,12 @@
       </p:grpSp>
       <p:sp>
         <p:nvSpPr>
-          <p:cNvPr name="TextBox 6" id="6"/>
-          <p:cNvSpPr txBox="true"/>
+          <p:cNvPr id="6" name="TextBox 6"/>
+          <p:cNvSpPr txBox="1"/>
           <p:nvPr/>
         </p:nvSpPr>
         <p:spPr>
-          <a:xfrm rot="0">
+          <a:xfrm>
             <a:off x="9296400" y="3343275"/>
             <a:ext cx="1133475" cy="457200"/>
           </a:xfrm>
@@ -4947,12 +4983,12 @@
           </a:prstGeom>
         </p:spPr>
         <p:txBody>
-          <a:bodyPr anchor="t" rtlCol="false" tIns="0" lIns="0" bIns="0" rIns="0">
+          <a:bodyPr lIns="0" tIns="0" rIns="0" bIns="0" rtlCol="0" anchor="t">
             <a:spAutoFit/>
           </a:bodyPr>
           <a:lstStyle/>
           <a:p>
-            <a:pPr algn="l" marL="0" indent="0" lvl="0">
+            <a:pPr marL="0" lvl="0" indent="0" algn="l">
               <a:lnSpc>
                 <a:spcPts val="3599"/>
               </a:lnSpc>
@@ -4961,7 +4997,7 @@
               </a:spcBef>
             </a:pPr>
             <a:r>
-              <a:rPr lang="en-US" b="true" sz="2999" u="none">
+              <a:rPr lang="en-US" sz="2999" b="1" u="none">
                 <a:solidFill>
                   <a:srgbClr val="406080"/>
                 </a:solidFill>
@@ -4977,12 +5013,12 @@
       </p:sp>
       <p:grpSp>
         <p:nvGrpSpPr>
-          <p:cNvPr name="Group 7" id="7"/>
+          <p:cNvPr id="7" name="Group 7"/>
           <p:cNvGrpSpPr/>
           <p:nvPr/>
         </p:nvGrpSpPr>
         <p:grpSpPr>
-          <a:xfrm rot="0">
+          <a:xfrm>
             <a:off x="10734675" y="3352800"/>
             <a:ext cx="6886575" cy="1828800"/>
             <a:chOff x="0" y="0"/>
@@ -4991,12 +5027,12 @@
         </p:grpSpPr>
         <p:sp>
           <p:nvSpPr>
-            <p:cNvPr name="TextBox 8" id="8"/>
-            <p:cNvSpPr txBox="true"/>
+            <p:cNvPr id="8" name="TextBox 8"/>
+            <p:cNvSpPr txBox="1"/>
             <p:nvPr/>
           </p:nvSpPr>
           <p:spPr>
-            <a:xfrm rot="0">
+            <a:xfrm>
               <a:off x="0" y="-9525"/>
               <a:ext cx="9182100" cy="619125"/>
             </a:xfrm>
@@ -5005,12 +5041,12 @@
             </a:prstGeom>
           </p:spPr>
           <p:txBody>
-            <a:bodyPr anchor="t" rtlCol="false" tIns="0" lIns="0" bIns="0" rIns="0">
+            <a:bodyPr lIns="0" tIns="0" rIns="0" bIns="0" rtlCol="0" anchor="t">
               <a:spAutoFit/>
             </a:bodyPr>
             <a:lstStyle/>
             <a:p>
-              <a:pPr algn="l" marL="0" indent="0" lvl="0">
+              <a:pPr marL="0" lvl="0" indent="0" algn="l">
                 <a:lnSpc>
                   <a:spcPts val="3600"/>
                 </a:lnSpc>
@@ -5019,7 +5055,7 @@
                 </a:spcBef>
               </a:pPr>
               <a:r>
-                <a:rPr lang="en-US" b="true" sz="3000">
+                <a:rPr lang="en-US" sz="3000" b="1">
                   <a:solidFill>
                     <a:srgbClr val="406080"/>
                   </a:solidFill>
@@ -5035,12 +5071,12 @@
         </p:sp>
         <p:sp>
           <p:nvSpPr>
-            <p:cNvPr name="TextBox 9" id="9"/>
-            <p:cNvSpPr txBox="true"/>
+            <p:cNvPr id="9" name="TextBox 9"/>
+            <p:cNvSpPr txBox="1"/>
             <p:nvPr/>
           </p:nvSpPr>
           <p:spPr>
-            <a:xfrm rot="0">
+            <a:xfrm>
               <a:off x="0" y="1155700"/>
               <a:ext cx="9182100" cy="1282700"/>
             </a:xfrm>
@@ -5049,12 +5085,12 @@
             </a:prstGeom>
           </p:spPr>
           <p:txBody>
-            <a:bodyPr anchor="t" rtlCol="false" tIns="0" lIns="0" bIns="0" rIns="0">
+            <a:bodyPr lIns="0" tIns="0" rIns="0" bIns="0" rtlCol="0" anchor="t">
               <a:spAutoFit/>
             </a:bodyPr>
             <a:lstStyle/>
             <a:p>
-              <a:pPr algn="l" marL="0" indent="0" lvl="0">
+              <a:pPr marL="0" lvl="0" indent="0" algn="l">
                 <a:lnSpc>
                   <a:spcPts val="3899"/>
                 </a:lnSpc>
@@ -5077,12 +5113,12 @@
       </p:grpSp>
       <p:sp>
         <p:nvSpPr>
-          <p:cNvPr name="TextBox 10" id="10"/>
-          <p:cNvSpPr txBox="true"/>
+          <p:cNvPr id="10" name="TextBox 10"/>
+          <p:cNvSpPr txBox="1"/>
           <p:nvPr/>
         </p:nvSpPr>
         <p:spPr>
-          <a:xfrm rot="0">
+          <a:xfrm>
             <a:off x="9296400" y="6029325"/>
             <a:ext cx="1133475" cy="457200"/>
           </a:xfrm>
@@ -5091,12 +5127,12 @@
           </a:prstGeom>
         </p:spPr>
         <p:txBody>
-          <a:bodyPr anchor="t" rtlCol="false" tIns="0" lIns="0" bIns="0" rIns="0">
+          <a:bodyPr lIns="0" tIns="0" rIns="0" bIns="0" rtlCol="0" anchor="t">
             <a:spAutoFit/>
           </a:bodyPr>
           <a:lstStyle/>
           <a:p>
-            <a:pPr algn="l" marL="0" indent="0" lvl="0">
+            <a:pPr marL="0" lvl="0" indent="0" algn="l">
               <a:lnSpc>
                 <a:spcPts val="3599"/>
               </a:lnSpc>
@@ -5105,7 +5141,7 @@
               </a:spcBef>
             </a:pPr>
             <a:r>
-              <a:rPr lang="en-US" b="true" sz="2999" u="none">
+              <a:rPr lang="en-US" sz="2999" b="1" u="none">
                 <a:solidFill>
                   <a:srgbClr val="406080"/>
                 </a:solidFill>
@@ -5121,12 +5157,12 @@
       </p:sp>
       <p:grpSp>
         <p:nvGrpSpPr>
-          <p:cNvPr name="Group 11" id="11"/>
+          <p:cNvPr id="11" name="Group 11"/>
           <p:cNvGrpSpPr/>
           <p:nvPr/>
         </p:nvGrpSpPr>
         <p:grpSpPr>
-          <a:xfrm rot="0">
+          <a:xfrm>
             <a:off x="10734675" y="6033135"/>
             <a:ext cx="6886575" cy="1834515"/>
             <a:chOff x="0" y="0"/>
@@ -5135,12 +5171,12 @@
         </p:grpSpPr>
         <p:sp>
           <p:nvSpPr>
-            <p:cNvPr name="TextBox 12" id="12"/>
-            <p:cNvSpPr txBox="true"/>
+            <p:cNvPr id="12" name="TextBox 12"/>
+            <p:cNvSpPr txBox="1"/>
             <p:nvPr/>
           </p:nvSpPr>
           <p:spPr>
-            <a:xfrm rot="0">
+            <a:xfrm>
               <a:off x="0" y="-9525"/>
               <a:ext cx="9182100" cy="619125"/>
             </a:xfrm>
@@ -5149,12 +5185,12 @@
             </a:prstGeom>
           </p:spPr>
           <p:txBody>
-            <a:bodyPr anchor="t" rtlCol="false" tIns="0" lIns="0" bIns="0" rIns="0">
+            <a:bodyPr lIns="0" tIns="0" rIns="0" bIns="0" rtlCol="0" anchor="t">
               <a:spAutoFit/>
             </a:bodyPr>
             <a:lstStyle/>
             <a:p>
-              <a:pPr algn="l" marL="0" indent="0" lvl="0">
+              <a:pPr marL="0" lvl="0" indent="0" algn="l">
                 <a:lnSpc>
                   <a:spcPts val="3600"/>
                 </a:lnSpc>
@@ -5163,7 +5199,7 @@
                 </a:spcBef>
               </a:pPr>
               <a:r>
-                <a:rPr lang="en-US" b="true" sz="3000">
+                <a:rPr lang="en-US" sz="3000" b="1">
                   <a:solidFill>
                     <a:srgbClr val="406080"/>
                   </a:solidFill>
@@ -5179,12 +5215,12 @@
         </p:sp>
         <p:sp>
           <p:nvSpPr>
-            <p:cNvPr name="TextBox 13" id="13"/>
-            <p:cNvSpPr txBox="true"/>
+            <p:cNvPr id="13" name="TextBox 13"/>
+            <p:cNvSpPr txBox="1"/>
             <p:nvPr/>
           </p:nvSpPr>
           <p:spPr>
-            <a:xfrm rot="0">
+            <a:xfrm>
               <a:off x="0" y="1163320"/>
               <a:ext cx="9182100" cy="1282700"/>
             </a:xfrm>
@@ -5193,12 +5229,12 @@
             </a:prstGeom>
           </p:spPr>
           <p:txBody>
-            <a:bodyPr anchor="t" rtlCol="false" tIns="0" lIns="0" bIns="0" rIns="0">
+            <a:bodyPr lIns="0" tIns="0" rIns="0" bIns="0" rtlCol="0" anchor="t">
               <a:spAutoFit/>
             </a:bodyPr>
             <a:lstStyle/>
             <a:p>
-              <a:pPr algn="l" marL="0" indent="0" lvl="0">
+              <a:pPr marL="0" lvl="0" indent="0" algn="l">
                 <a:lnSpc>
                   <a:spcPts val="3899"/>
                 </a:lnSpc>
@@ -5221,12 +5257,12 @@
       </p:grpSp>
       <p:sp>
         <p:nvSpPr>
-          <p:cNvPr name="TextBox 14" id="14"/>
-          <p:cNvSpPr txBox="true"/>
+          <p:cNvPr id="14" name="TextBox 14"/>
+          <p:cNvSpPr txBox="1"/>
           <p:nvPr/>
         </p:nvSpPr>
         <p:spPr>
-          <a:xfrm rot="0">
+          <a:xfrm>
             <a:off x="1028700" y="3212465"/>
             <a:ext cx="6886575" cy="2280919"/>
           </a:xfrm>
@@ -5235,12 +5271,12 @@
           </a:prstGeom>
         </p:spPr>
         <p:txBody>
-          <a:bodyPr anchor="t" rtlCol="false" tIns="0" lIns="0" bIns="0" rIns="0">
+          <a:bodyPr lIns="0" tIns="0" rIns="0" bIns="0" rtlCol="0" anchor="t">
             <a:spAutoFit/>
           </a:bodyPr>
           <a:lstStyle/>
           <a:p>
-            <a:pPr algn="l" marL="0" indent="0" lvl="0">
+            <a:pPr marL="0" lvl="0" indent="0" algn="l">
               <a:lnSpc>
                 <a:spcPts val="8799"/>
               </a:lnSpc>
@@ -5262,12 +5298,12 @@
       </p:sp>
       <p:sp>
         <p:nvSpPr>
-          <p:cNvPr name="Freeform 15" id="15"/>
+          <p:cNvPr id="15" name="Freeform 15"/>
           <p:cNvSpPr/>
           <p:nvPr/>
         </p:nvSpPr>
         <p:spPr>
-          <a:xfrm flipH="false" flipV="false" rot="-2156052">
+          <a:xfrm rot="-2156052">
             <a:off x="-3053910" y="7516388"/>
             <a:ext cx="6407041" cy="7627430"/>
           </a:xfrm>
@@ -5276,9 +5312,9 @@
             <a:gdLst/>
             <a:ahLst/>
             <a:cxnLst/>
-            <a:rect r="r" b="b" t="t" l="l"/>
+            <a:rect l="l" t="t" r="r" b="b"/>
             <a:pathLst>
-              <a:path h="7627430" w="6407041">
+              <a:path w="6407041" h="7627430">
                 <a:moveTo>
                   <a:pt x="0" y="0"/>
                 </a:moveTo>
@@ -5307,10 +5343,17 @@
               </a:extLst>
             </a:blip>
             <a:stretch>
-              <a:fillRect l="0" t="0" r="0" b="0"/>
+              <a:fillRect/>
             </a:stretch>
           </a:blipFill>
         </p:spPr>
+        <p:txBody>
+          <a:bodyPr/>
+          <a:lstStyle/>
+          <a:p>
+            <a:endParaRPr lang="en-ID"/>
+          </a:p>
+        </p:txBody>
       </p:sp>
     </p:spTree>
   </p:cSld>
@@ -5321,13 +5364,14 @@
 </file>
 
 <file path=ppt/slides/slide14.xml><?xml version="1.0" encoding="utf-8"?>
-<p:sld xmlns:p="http://schemas.openxmlformats.org/presentationml/2006/main" xmlns:a="http://schemas.openxmlformats.org/drawingml/2006/main" xmlns:r="http://schemas.openxmlformats.org/officeDocument/2006/relationships">
+<p:sld xmlns:a="http://schemas.openxmlformats.org/drawingml/2006/main" xmlns:r="http://schemas.openxmlformats.org/officeDocument/2006/relationships" xmlns:p="http://schemas.openxmlformats.org/presentationml/2006/main">
   <p:cSld>
     <p:bg>
       <p:bgPr>
         <a:solidFill>
           <a:srgbClr val="F7F9FC"/>
         </a:solidFill>
+        <a:effectLst/>
       </p:bgPr>
     </p:bg>
     <p:spTree>
@@ -5346,12 +5390,12 @@
       </p:grpSpPr>
       <p:sp>
         <p:nvSpPr>
-          <p:cNvPr name="Freeform 2" id="2"/>
+          <p:cNvPr id="2" name="Freeform 2"/>
           <p:cNvSpPr/>
           <p:nvPr/>
         </p:nvSpPr>
         <p:spPr>
-          <a:xfrm flipH="false" flipV="false" rot="4527442">
+          <a:xfrm rot="4527442">
             <a:off x="14501108" y="-5422317"/>
             <a:ext cx="10936025" cy="10299747"/>
           </a:xfrm>
@@ -5360,9 +5404,9 @@
             <a:gdLst/>
             <a:ahLst/>
             <a:cxnLst/>
-            <a:rect r="r" b="b" t="t" l="l"/>
+            <a:rect l="l" t="t" r="r" b="b"/>
             <a:pathLst>
-              <a:path h="10299747" w="10936025">
+              <a:path w="10936025" h="10299747">
                 <a:moveTo>
                   <a:pt x="0" y="0"/>
                 </a:moveTo>
@@ -5391,19 +5435,26 @@
               </a:extLst>
             </a:blip>
             <a:stretch>
-              <a:fillRect l="0" t="0" r="0" b="0"/>
+              <a:fillRect/>
             </a:stretch>
           </a:blipFill>
         </p:spPr>
+        <p:txBody>
+          <a:bodyPr/>
+          <a:lstStyle/>
+          <a:p>
+            <a:endParaRPr lang="en-ID"/>
+          </a:p>
+        </p:txBody>
       </p:sp>
       <p:grpSp>
         <p:nvGrpSpPr>
-          <p:cNvPr name="Group 3" id="3"/>
+          <p:cNvPr id="3" name="Group 3"/>
           <p:cNvGrpSpPr/>
           <p:nvPr/>
         </p:nvGrpSpPr>
         <p:grpSpPr>
-          <a:xfrm rot="0">
+          <a:xfrm>
             <a:off x="9296400" y="666750"/>
             <a:ext cx="2876550" cy="2686050"/>
             <a:chOff x="0" y="0"/>
@@ -5412,12 +5463,12 @@
         </p:grpSpPr>
         <p:sp>
           <p:nvSpPr>
-            <p:cNvPr name="Freeform 4" id="4"/>
+            <p:cNvPr id="4" name="Freeform 4"/>
             <p:cNvSpPr/>
             <p:nvPr/>
           </p:nvSpPr>
           <p:spPr>
-            <a:xfrm flipH="false" flipV="false" rot="0">
+            <a:xfrm>
               <a:off x="0" y="0"/>
               <a:ext cx="738346" cy="689449"/>
             </a:xfrm>
@@ -5426,9 +5477,9 @@
               <a:gdLst/>
               <a:ahLst/>
               <a:cxnLst/>
-              <a:rect r="r" b="b" t="t" l="l"/>
+              <a:rect l="l" t="t" r="r" b="b"/>
               <a:pathLst>
-                <a:path h="689449" w="738346">
+                <a:path w="738346" h="689449">
                   <a:moveTo>
                     <a:pt x="107656" y="0"/>
                   </a:moveTo>
@@ -5486,7 +5537,7 @@
             <a:blipFill>
               <a:blip r:embed="rId4"/>
               <a:stretch>
-                <a:fillRect l="-135" t="0" r="-135" b="0"/>
+                <a:fillRect l="-135" r="-135"/>
               </a:stretch>
             </a:blipFill>
             <a:ln w="19050" cap="rnd">
@@ -5497,16 +5548,23 @@
               <a:round/>
             </a:ln>
           </p:spPr>
+          <p:txBody>
+            <a:bodyPr/>
+            <a:lstStyle/>
+            <a:p>
+              <a:endParaRPr lang="en-ID"/>
+            </a:p>
+          </p:txBody>
         </p:sp>
       </p:grpSp>
       <p:grpSp>
         <p:nvGrpSpPr>
-          <p:cNvPr name="Group 5" id="5"/>
+          <p:cNvPr id="5" name="Group 5"/>
           <p:cNvGrpSpPr/>
           <p:nvPr/>
         </p:nvGrpSpPr>
         <p:grpSpPr>
-          <a:xfrm rot="0">
+          <a:xfrm>
             <a:off x="13306425" y="5139734"/>
             <a:ext cx="2876550" cy="2689816"/>
             <a:chOff x="0" y="0"/>
@@ -5515,12 +5573,12 @@
         </p:grpSpPr>
         <p:sp>
           <p:nvSpPr>
-            <p:cNvPr name="Freeform 6" id="6"/>
+            <p:cNvPr id="6" name="Freeform 6"/>
             <p:cNvSpPr/>
             <p:nvPr/>
           </p:nvSpPr>
           <p:spPr>
-            <a:xfrm flipH="false" flipV="false" rot="0">
+            <a:xfrm>
               <a:off x="0" y="0"/>
               <a:ext cx="738346" cy="690415"/>
             </a:xfrm>
@@ -5529,9 +5587,9 @@
               <a:gdLst/>
               <a:ahLst/>
               <a:cxnLst/>
-              <a:rect r="r" b="b" t="t" l="l"/>
+              <a:rect l="l" t="t" r="r" b="b"/>
               <a:pathLst>
-                <a:path h="690415" w="738346">
+                <a:path w="738346" h="690415">
                   <a:moveTo>
                     <a:pt x="107656" y="0"/>
                   </a:moveTo>
@@ -5589,7 +5647,7 @@
             <a:blipFill>
               <a:blip r:embed="rId5"/>
               <a:stretch>
-                <a:fillRect l="-205" t="0" r="-205" b="0"/>
+                <a:fillRect l="-205" r="-205"/>
               </a:stretch>
             </a:blipFill>
             <a:ln w="19050" cap="rnd">
@@ -5600,16 +5658,23 @@
               <a:round/>
             </a:ln>
           </p:spPr>
+          <p:txBody>
+            <a:bodyPr/>
+            <a:lstStyle/>
+            <a:p>
+              <a:endParaRPr lang="en-ID"/>
+            </a:p>
+          </p:txBody>
         </p:sp>
       </p:grpSp>
       <p:grpSp>
         <p:nvGrpSpPr>
-          <p:cNvPr name="Group 7" id="7"/>
+          <p:cNvPr id="7" name="Group 7"/>
           <p:cNvGrpSpPr/>
           <p:nvPr/>
         </p:nvGrpSpPr>
         <p:grpSpPr>
-          <a:xfrm rot="0">
+          <a:xfrm>
             <a:off x="13306425" y="666750"/>
             <a:ext cx="2876550" cy="2686050"/>
             <a:chOff x="0" y="0"/>
@@ -5618,12 +5683,12 @@
         </p:grpSpPr>
         <p:sp>
           <p:nvSpPr>
-            <p:cNvPr name="Freeform 8" id="8"/>
+            <p:cNvPr id="8" name="Freeform 8"/>
             <p:cNvSpPr/>
             <p:nvPr/>
           </p:nvSpPr>
           <p:spPr>
-            <a:xfrm flipH="false" flipV="false" rot="0">
+            <a:xfrm>
               <a:off x="0" y="0"/>
               <a:ext cx="738346" cy="689449"/>
             </a:xfrm>
@@ -5632,9 +5697,9 @@
               <a:gdLst/>
               <a:ahLst/>
               <a:cxnLst/>
-              <a:rect r="r" b="b" t="t" l="l"/>
+              <a:rect l="l" t="t" r="r" b="b"/>
               <a:pathLst>
-                <a:path h="689449" w="738346">
+                <a:path w="738346" h="689449">
                   <a:moveTo>
                     <a:pt x="107656" y="0"/>
                   </a:moveTo>
@@ -5692,7 +5757,7 @@
             <a:blipFill>
               <a:blip r:embed="rId6"/>
               <a:stretch>
-                <a:fillRect l="-135" t="0" r="-135" b="0"/>
+                <a:fillRect l="-135" r="-135"/>
               </a:stretch>
             </a:blipFill>
             <a:ln w="19050" cap="rnd">
@@ -5703,16 +5768,23 @@
               <a:round/>
             </a:ln>
           </p:spPr>
+          <p:txBody>
+            <a:bodyPr/>
+            <a:lstStyle/>
+            <a:p>
+              <a:endParaRPr lang="en-ID"/>
+            </a:p>
+          </p:txBody>
         </p:sp>
       </p:grpSp>
       <p:grpSp>
         <p:nvGrpSpPr>
-          <p:cNvPr name="Group 9" id="9"/>
+          <p:cNvPr id="9" name="Group 9"/>
           <p:cNvGrpSpPr/>
           <p:nvPr/>
         </p:nvGrpSpPr>
         <p:grpSpPr>
-          <a:xfrm rot="0">
+          <a:xfrm>
             <a:off x="9296400" y="5143500"/>
             <a:ext cx="2876550" cy="2722157"/>
             <a:chOff x="0" y="0"/>
@@ -5721,12 +5793,12 @@
         </p:grpSpPr>
         <p:sp>
           <p:nvSpPr>
-            <p:cNvPr name="Freeform 10" id="10"/>
+            <p:cNvPr id="10" name="Freeform 10"/>
             <p:cNvSpPr/>
             <p:nvPr/>
           </p:nvSpPr>
           <p:spPr>
-            <a:xfrm flipH="false" flipV="false" rot="0">
+            <a:xfrm>
               <a:off x="0" y="0"/>
               <a:ext cx="738346" cy="698717"/>
             </a:xfrm>
@@ -5735,9 +5807,9 @@
               <a:gdLst/>
               <a:ahLst/>
               <a:cxnLst/>
-              <a:rect r="r" b="b" t="t" l="l"/>
+              <a:rect l="l" t="t" r="r" b="b"/>
               <a:pathLst>
-                <a:path h="698717" w="738346">
+                <a:path w="738346" h="698717">
                   <a:moveTo>
                     <a:pt x="107656" y="0"/>
                   </a:moveTo>
@@ -5800,7 +5872,7 @@
             <a:blipFill>
               <a:blip r:embed="rId7"/>
               <a:stretch>
-                <a:fillRect l="-203" t="0" r="-203" b="0"/>
+                <a:fillRect l="-203" r="-203"/>
               </a:stretch>
             </a:blipFill>
             <a:ln w="19050" cap="rnd">
@@ -5811,16 +5883,23 @@
               <a:round/>
             </a:ln>
           </p:spPr>
+          <p:txBody>
+            <a:bodyPr/>
+            <a:lstStyle/>
+            <a:p>
+              <a:endParaRPr lang="en-ID"/>
+            </a:p>
+          </p:txBody>
         </p:sp>
       </p:grpSp>
       <p:sp>
         <p:nvSpPr>
-          <p:cNvPr name="TextBox 11" id="11"/>
-          <p:cNvSpPr txBox="true"/>
+          <p:cNvPr id="11" name="TextBox 11"/>
+          <p:cNvSpPr txBox="1"/>
           <p:nvPr/>
         </p:nvSpPr>
         <p:spPr>
-          <a:xfrm rot="0">
+          <a:xfrm>
             <a:off x="819150" y="3804241"/>
             <a:ext cx="8324850" cy="3395344"/>
           </a:xfrm>
@@ -5829,12 +5908,12 @@
           </a:prstGeom>
         </p:spPr>
         <p:txBody>
-          <a:bodyPr anchor="t" rtlCol="false" tIns="0" lIns="0" bIns="0" rIns="0">
+          <a:bodyPr lIns="0" tIns="0" rIns="0" bIns="0" rtlCol="0" anchor="t">
             <a:spAutoFit/>
           </a:bodyPr>
           <a:lstStyle/>
           <a:p>
-            <a:pPr algn="l" marL="0" indent="0" lvl="0">
+            <a:pPr marL="0" lvl="0" indent="0" algn="l">
               <a:lnSpc>
                 <a:spcPts val="8799"/>
               </a:lnSpc>
@@ -5856,12 +5935,12 @@
       </p:sp>
       <p:grpSp>
         <p:nvGrpSpPr>
-          <p:cNvPr name="Group 12" id="12"/>
+          <p:cNvPr id="12" name="Group 12"/>
           <p:cNvGrpSpPr/>
           <p:nvPr/>
         </p:nvGrpSpPr>
         <p:grpSpPr>
-          <a:xfrm rot="0">
+          <a:xfrm>
             <a:off x="9296400" y="3632791"/>
             <a:ext cx="2876550" cy="1156460"/>
             <a:chOff x="0" y="0"/>
@@ -5870,12 +5949,12 @@
         </p:grpSpPr>
         <p:sp>
           <p:nvSpPr>
-            <p:cNvPr name="TextBox 13" id="13"/>
-            <p:cNvSpPr txBox="true"/>
+            <p:cNvPr id="13" name="TextBox 13"/>
+            <p:cNvSpPr txBox="1"/>
             <p:nvPr/>
           </p:nvSpPr>
           <p:spPr>
-            <a:xfrm rot="0">
+            <a:xfrm>
               <a:off x="0" y="-9525"/>
               <a:ext cx="3834751" cy="619125"/>
             </a:xfrm>
@@ -5884,12 +5963,12 @@
             </a:prstGeom>
           </p:spPr>
           <p:txBody>
-            <a:bodyPr anchor="t" rtlCol="false" tIns="0" lIns="0" bIns="0" rIns="0">
+            <a:bodyPr lIns="0" tIns="0" rIns="0" bIns="0" rtlCol="0" anchor="t">
               <a:spAutoFit/>
             </a:bodyPr>
             <a:lstStyle/>
             <a:p>
-              <a:pPr algn="l" marL="0" indent="0" lvl="0">
+              <a:pPr marL="0" lvl="0" indent="0" algn="l">
                 <a:lnSpc>
                   <a:spcPts val="3600"/>
                 </a:lnSpc>
@@ -5898,7 +5977,7 @@
                 </a:spcBef>
               </a:pPr>
               <a:r>
-                <a:rPr lang="en-US" b="true" sz="3000">
+                <a:rPr lang="en-US" sz="3000" b="1">
                   <a:solidFill>
                     <a:srgbClr val="406080"/>
                   </a:solidFill>
@@ -5914,12 +5993,12 @@
         </p:sp>
         <p:sp>
           <p:nvSpPr>
-            <p:cNvPr name="TextBox 14" id="14"/>
-            <p:cNvSpPr txBox="true"/>
+            <p:cNvPr id="14" name="TextBox 14"/>
+            <p:cNvSpPr txBox="1"/>
             <p:nvPr/>
           </p:nvSpPr>
           <p:spPr>
-            <a:xfrm rot="0">
+            <a:xfrm>
               <a:off x="0" y="766435"/>
               <a:ext cx="3835400" cy="775512"/>
             </a:xfrm>
@@ -5928,12 +6007,12 @@
             </a:prstGeom>
           </p:spPr>
           <p:txBody>
-            <a:bodyPr anchor="t" rtlCol="false" tIns="0" lIns="0" bIns="0" rIns="0">
+            <a:bodyPr lIns="0" tIns="0" rIns="0" bIns="0" rtlCol="0" anchor="t">
               <a:spAutoFit/>
             </a:bodyPr>
             <a:lstStyle/>
             <a:p>
-              <a:pPr algn="l" marL="0" indent="0" lvl="0">
+              <a:pPr marL="0" lvl="0" indent="0" algn="l">
                 <a:lnSpc>
                   <a:spcPts val="2375"/>
                 </a:lnSpc>
@@ -5956,12 +6035,12 @@
       </p:grpSp>
       <p:grpSp>
         <p:nvGrpSpPr>
-          <p:cNvPr name="Group 15" id="15"/>
+          <p:cNvPr id="15" name="Group 15"/>
           <p:cNvGrpSpPr/>
           <p:nvPr/>
         </p:nvGrpSpPr>
         <p:grpSpPr>
-          <a:xfrm rot="0">
+          <a:xfrm>
             <a:off x="13306425" y="3632791"/>
             <a:ext cx="2876550" cy="1156460"/>
             <a:chOff x="0" y="0"/>
@@ -5970,12 +6049,12 @@
         </p:grpSpPr>
         <p:sp>
           <p:nvSpPr>
-            <p:cNvPr name="TextBox 16" id="16"/>
-            <p:cNvSpPr txBox="true"/>
+            <p:cNvPr id="16" name="TextBox 16"/>
+            <p:cNvSpPr txBox="1"/>
             <p:nvPr/>
           </p:nvSpPr>
           <p:spPr>
-            <a:xfrm rot="0">
+            <a:xfrm>
               <a:off x="0" y="-9525"/>
               <a:ext cx="3834751" cy="619125"/>
             </a:xfrm>
@@ -5984,12 +6063,12 @@
             </a:prstGeom>
           </p:spPr>
           <p:txBody>
-            <a:bodyPr anchor="t" rtlCol="false" tIns="0" lIns="0" bIns="0" rIns="0">
+            <a:bodyPr lIns="0" tIns="0" rIns="0" bIns="0" rtlCol="0" anchor="t">
               <a:spAutoFit/>
             </a:bodyPr>
             <a:lstStyle/>
             <a:p>
-              <a:pPr algn="l" marL="0" indent="0" lvl="0">
+              <a:pPr marL="0" lvl="0" indent="0" algn="l">
                 <a:lnSpc>
                   <a:spcPts val="3600"/>
                 </a:lnSpc>
@@ -5998,7 +6077,7 @@
                 </a:spcBef>
               </a:pPr>
               <a:r>
-                <a:rPr lang="en-US" b="true" sz="3000">
+                <a:rPr lang="en-US" sz="3000" b="1">
                   <a:solidFill>
                     <a:srgbClr val="406080"/>
                   </a:solidFill>
@@ -6014,12 +6093,12 @@
         </p:sp>
         <p:sp>
           <p:nvSpPr>
-            <p:cNvPr name="TextBox 17" id="17"/>
-            <p:cNvSpPr txBox="true"/>
+            <p:cNvPr id="17" name="TextBox 17"/>
+            <p:cNvSpPr txBox="1"/>
             <p:nvPr/>
           </p:nvSpPr>
           <p:spPr>
-            <a:xfrm rot="0">
+            <a:xfrm>
               <a:off x="0" y="766435"/>
               <a:ext cx="3835400" cy="775512"/>
             </a:xfrm>
@@ -6028,12 +6107,12 @@
             </a:prstGeom>
           </p:spPr>
           <p:txBody>
-            <a:bodyPr anchor="t" rtlCol="false" tIns="0" lIns="0" bIns="0" rIns="0">
+            <a:bodyPr lIns="0" tIns="0" rIns="0" bIns="0" rtlCol="0" anchor="t">
               <a:spAutoFit/>
             </a:bodyPr>
             <a:lstStyle/>
             <a:p>
-              <a:pPr algn="l" marL="0" indent="0" lvl="0">
+              <a:pPr marL="0" lvl="0" indent="0" algn="l">
                 <a:lnSpc>
                   <a:spcPts val="2375"/>
                 </a:lnSpc>
@@ -6056,12 +6135,12 @@
       </p:grpSp>
       <p:grpSp>
         <p:nvGrpSpPr>
-          <p:cNvPr name="Group 18" id="18"/>
+          <p:cNvPr id="18" name="Group 18"/>
           <p:cNvGrpSpPr/>
           <p:nvPr/>
         </p:nvGrpSpPr>
         <p:grpSpPr>
-          <a:xfrm rot="0">
+          <a:xfrm>
             <a:off x="9296400" y="8109541"/>
             <a:ext cx="2876550" cy="1156460"/>
             <a:chOff x="0" y="0"/>
@@ -6070,12 +6149,12 @@
         </p:grpSpPr>
         <p:sp>
           <p:nvSpPr>
-            <p:cNvPr name="TextBox 19" id="19"/>
-            <p:cNvSpPr txBox="true"/>
+            <p:cNvPr id="19" name="TextBox 19"/>
+            <p:cNvSpPr txBox="1"/>
             <p:nvPr/>
           </p:nvSpPr>
           <p:spPr>
-            <a:xfrm rot="0">
+            <a:xfrm>
               <a:off x="0" y="-9525"/>
               <a:ext cx="3834751" cy="619125"/>
             </a:xfrm>
@@ -6084,12 +6163,12 @@
             </a:prstGeom>
           </p:spPr>
           <p:txBody>
-            <a:bodyPr anchor="t" rtlCol="false" tIns="0" lIns="0" bIns="0" rIns="0">
+            <a:bodyPr lIns="0" tIns="0" rIns="0" bIns="0" rtlCol="0" anchor="t">
               <a:spAutoFit/>
             </a:bodyPr>
             <a:lstStyle/>
             <a:p>
-              <a:pPr algn="l" marL="0" indent="0" lvl="0">
+              <a:pPr marL="0" lvl="0" indent="0" algn="l">
                 <a:lnSpc>
                   <a:spcPts val="3600"/>
                 </a:lnSpc>
@@ -6098,7 +6177,7 @@
                 </a:spcBef>
               </a:pPr>
               <a:r>
-                <a:rPr lang="en-US" b="true" sz="3000">
+                <a:rPr lang="en-US" sz="3000" b="1">
                   <a:solidFill>
                     <a:srgbClr val="406080"/>
                   </a:solidFill>
@@ -6114,12 +6193,12 @@
         </p:sp>
         <p:sp>
           <p:nvSpPr>
-            <p:cNvPr name="TextBox 20" id="20"/>
-            <p:cNvSpPr txBox="true"/>
+            <p:cNvPr id="20" name="TextBox 20"/>
+            <p:cNvSpPr txBox="1"/>
             <p:nvPr/>
           </p:nvSpPr>
           <p:spPr>
-            <a:xfrm rot="0">
+            <a:xfrm>
               <a:off x="0" y="766435"/>
               <a:ext cx="3835400" cy="775512"/>
             </a:xfrm>
@@ -6128,12 +6207,12 @@
             </a:prstGeom>
           </p:spPr>
           <p:txBody>
-            <a:bodyPr anchor="t" rtlCol="false" tIns="0" lIns="0" bIns="0" rIns="0">
+            <a:bodyPr lIns="0" tIns="0" rIns="0" bIns="0" rtlCol="0" anchor="t">
               <a:spAutoFit/>
             </a:bodyPr>
             <a:lstStyle/>
             <a:p>
-              <a:pPr algn="l" marL="0" indent="0" lvl="0">
+              <a:pPr marL="0" lvl="0" indent="0" algn="l">
                 <a:lnSpc>
                   <a:spcPts val="2375"/>
                 </a:lnSpc>
@@ -6156,12 +6235,12 @@
       </p:grpSp>
       <p:grpSp>
         <p:nvGrpSpPr>
-          <p:cNvPr name="Group 21" id="21"/>
+          <p:cNvPr id="21" name="Group 21"/>
           <p:cNvGrpSpPr/>
           <p:nvPr/>
         </p:nvGrpSpPr>
         <p:grpSpPr>
-          <a:xfrm rot="0">
+          <a:xfrm>
             <a:off x="13306425" y="8109541"/>
             <a:ext cx="2876550" cy="1156460"/>
             <a:chOff x="0" y="0"/>
@@ -6170,12 +6249,12 @@
         </p:grpSpPr>
         <p:sp>
           <p:nvSpPr>
-            <p:cNvPr name="TextBox 22" id="22"/>
-            <p:cNvSpPr txBox="true"/>
+            <p:cNvPr id="22" name="TextBox 22"/>
+            <p:cNvSpPr txBox="1"/>
             <p:nvPr/>
           </p:nvSpPr>
           <p:spPr>
-            <a:xfrm rot="0">
+            <a:xfrm>
               <a:off x="0" y="-9525"/>
               <a:ext cx="3834751" cy="619125"/>
             </a:xfrm>
@@ -6184,12 +6263,12 @@
             </a:prstGeom>
           </p:spPr>
           <p:txBody>
-            <a:bodyPr anchor="t" rtlCol="false" tIns="0" lIns="0" bIns="0" rIns="0">
+            <a:bodyPr lIns="0" tIns="0" rIns="0" bIns="0" rtlCol="0" anchor="t">
               <a:spAutoFit/>
             </a:bodyPr>
             <a:lstStyle/>
             <a:p>
-              <a:pPr algn="l" marL="0" indent="0" lvl="0">
+              <a:pPr marL="0" lvl="0" indent="0" algn="l">
                 <a:lnSpc>
                   <a:spcPts val="3600"/>
                 </a:lnSpc>
@@ -6198,7 +6277,7 @@
                 </a:spcBef>
               </a:pPr>
               <a:r>
-                <a:rPr lang="en-US" b="true" sz="3000">
+                <a:rPr lang="en-US" sz="3000" b="1">
                   <a:solidFill>
                     <a:srgbClr val="406080"/>
                   </a:solidFill>
@@ -6214,12 +6293,12 @@
         </p:sp>
         <p:sp>
           <p:nvSpPr>
-            <p:cNvPr name="TextBox 23" id="23"/>
-            <p:cNvSpPr txBox="true"/>
+            <p:cNvPr id="23" name="TextBox 23"/>
+            <p:cNvSpPr txBox="1"/>
             <p:nvPr/>
           </p:nvSpPr>
           <p:spPr>
-            <a:xfrm rot="0">
+            <a:xfrm>
               <a:off x="0" y="766435"/>
               <a:ext cx="3835400" cy="775512"/>
             </a:xfrm>
@@ -6228,12 +6307,12 @@
             </a:prstGeom>
           </p:spPr>
           <p:txBody>
-            <a:bodyPr anchor="t" rtlCol="false" tIns="0" lIns="0" bIns="0" rIns="0">
+            <a:bodyPr lIns="0" tIns="0" rIns="0" bIns="0" rtlCol="0" anchor="t">
               <a:spAutoFit/>
             </a:bodyPr>
             <a:lstStyle/>
             <a:p>
-              <a:pPr algn="l" marL="0" indent="0" lvl="0">
+              <a:pPr marL="0" lvl="0" indent="0" algn="l">
                 <a:lnSpc>
                   <a:spcPts val="2375"/>
                 </a:lnSpc>
@@ -6263,13 +6342,14 @@
 </file>
 
 <file path=ppt/slides/slide15.xml><?xml version="1.0" encoding="utf-8"?>
-<p:sld xmlns:p="http://schemas.openxmlformats.org/presentationml/2006/main" xmlns:a="http://schemas.openxmlformats.org/drawingml/2006/main" xmlns:r="http://schemas.openxmlformats.org/officeDocument/2006/relationships">
+<p:sld xmlns:a="http://schemas.openxmlformats.org/drawingml/2006/main" xmlns:r="http://schemas.openxmlformats.org/officeDocument/2006/relationships" xmlns:p="http://schemas.openxmlformats.org/presentationml/2006/main">
   <p:cSld>
     <p:bg>
       <p:bgPr>
         <a:solidFill>
           <a:srgbClr val="F7F9FC"/>
         </a:solidFill>
+        <a:effectLst/>
       </p:bgPr>
     </p:bg>
     <p:spTree>
@@ -6288,12 +6368,12 @@
       </p:grpSpPr>
       <p:grpSp>
         <p:nvGrpSpPr>
-          <p:cNvPr name="Group 2" id="2"/>
+          <p:cNvPr id="2" name="Group 2"/>
           <p:cNvGrpSpPr/>
           <p:nvPr/>
         </p:nvGrpSpPr>
         <p:grpSpPr>
-          <a:xfrm rot="0">
+          <a:xfrm>
             <a:off x="2105025" y="3002297"/>
             <a:ext cx="12639675" cy="3914808"/>
             <a:chOff x="0" y="0"/>
@@ -6302,12 +6382,12 @@
         </p:grpSpPr>
         <p:sp>
           <p:nvSpPr>
-            <p:cNvPr name="TextBox 3" id="3"/>
-            <p:cNvSpPr txBox="true"/>
+            <p:cNvPr id="3" name="TextBox 3"/>
+            <p:cNvSpPr txBox="1"/>
             <p:nvPr/>
           </p:nvSpPr>
           <p:spPr>
-            <a:xfrm rot="0">
+            <a:xfrm>
               <a:off x="0" y="171450"/>
               <a:ext cx="16852900" cy="1612476"/>
             </a:xfrm>
@@ -6316,12 +6396,12 @@
             </a:prstGeom>
           </p:spPr>
           <p:txBody>
-            <a:bodyPr anchor="t" rtlCol="false" tIns="0" lIns="0" bIns="0" rIns="0">
+            <a:bodyPr lIns="0" tIns="0" rIns="0" bIns="0" rtlCol="0" anchor="t">
               <a:spAutoFit/>
             </a:bodyPr>
             <a:lstStyle/>
             <a:p>
-              <a:pPr algn="l" marL="0" indent="0" lvl="0">
+              <a:pPr marL="0" lvl="0" indent="0" algn="l">
                 <a:lnSpc>
                   <a:spcPts val="8799"/>
                 </a:lnSpc>
@@ -6343,12 +6423,12 @@
         </p:sp>
         <p:sp>
           <p:nvSpPr>
-            <p:cNvPr name="TextBox 4" id="4"/>
-            <p:cNvSpPr txBox="true"/>
+            <p:cNvPr id="4" name="TextBox 4"/>
+            <p:cNvSpPr txBox="1"/>
             <p:nvPr/>
           </p:nvSpPr>
           <p:spPr>
-            <a:xfrm rot="0">
+            <a:xfrm>
               <a:off x="0" y="3251244"/>
               <a:ext cx="16852900" cy="1968500"/>
             </a:xfrm>
@@ -6357,12 +6437,12 @@
             </a:prstGeom>
           </p:spPr>
           <p:txBody>
-            <a:bodyPr anchor="t" rtlCol="false" tIns="0" lIns="0" bIns="0" rIns="0">
+            <a:bodyPr lIns="0" tIns="0" rIns="0" bIns="0" rtlCol="0" anchor="t">
               <a:spAutoFit/>
             </a:bodyPr>
             <a:lstStyle/>
             <a:p>
-              <a:pPr algn="l" marL="0" indent="0" lvl="0">
+              <a:pPr marL="0" lvl="0" indent="0" algn="l">
                 <a:lnSpc>
                   <a:spcPts val="3900"/>
                 </a:lnSpc>
@@ -6384,12 +6464,12 @@
         </p:sp>
         <p:sp>
           <p:nvSpPr>
-            <p:cNvPr name="TextBox 5" id="5"/>
-            <p:cNvSpPr txBox="true"/>
+            <p:cNvPr id="5" name="TextBox 5"/>
+            <p:cNvSpPr txBox="1"/>
             <p:nvPr/>
           </p:nvSpPr>
           <p:spPr>
-            <a:xfrm rot="0">
+            <a:xfrm>
               <a:off x="0" y="2086063"/>
               <a:ext cx="16852900" cy="619125"/>
             </a:xfrm>
@@ -6398,18 +6478,18 @@
             </a:prstGeom>
           </p:spPr>
           <p:txBody>
-            <a:bodyPr anchor="t" rtlCol="false" tIns="0" lIns="0" bIns="0" rIns="0">
+            <a:bodyPr lIns="0" tIns="0" rIns="0" bIns="0" rtlCol="0" anchor="t">
               <a:spAutoFit/>
             </a:bodyPr>
             <a:lstStyle/>
             <a:p>
-              <a:pPr algn="l" marL="0" indent="0" lvl="0">
+              <a:pPr marL="0" lvl="0" indent="0" algn="l">
                 <a:lnSpc>
                   <a:spcPts val="3600"/>
                 </a:lnSpc>
               </a:pPr>
               <a:r>
-                <a:rPr lang="en-US" b="true" sz="3000">
+                <a:rPr lang="en-US" sz="3000" b="1">
                   <a:solidFill>
                     <a:srgbClr val="406080"/>
                   </a:solidFill>
@@ -6426,12 +6506,12 @@
       </p:grpSp>
       <p:sp>
         <p:nvSpPr>
-          <p:cNvPr name="Freeform 6" id="6"/>
+          <p:cNvPr id="6" name="Freeform 6"/>
           <p:cNvSpPr/>
           <p:nvPr/>
         </p:nvSpPr>
         <p:spPr>
-          <a:xfrm flipH="false" flipV="false" rot="-1268288">
+          <a:xfrm rot="-1268288">
             <a:off x="14795639" y="5873497"/>
             <a:ext cx="10936025" cy="10299747"/>
           </a:xfrm>
@@ -6440,9 +6520,9 @@
             <a:gdLst/>
             <a:ahLst/>
             <a:cxnLst/>
-            <a:rect r="r" b="b" t="t" l="l"/>
+            <a:rect l="l" t="t" r="r" b="b"/>
             <a:pathLst>
-              <a:path h="10299747" w="10936025">
+              <a:path w="10936025" h="10299747">
                 <a:moveTo>
                   <a:pt x="0" y="0"/>
                 </a:moveTo>
@@ -6471,7 +6551,7 @@
               </a:extLst>
             </a:blip>
             <a:stretch>
-              <a:fillRect l="0" t="0" r="0" b="0"/>
+              <a:fillRect/>
             </a:stretch>
           </a:blipFill>
           <a:ln cap="sq">
@@ -6480,6 +6560,13 @@
             <a:miter/>
           </a:ln>
         </p:spPr>
+        <p:txBody>
+          <a:bodyPr/>
+          <a:lstStyle/>
+          <a:p>
+            <a:endParaRPr lang="en-ID"/>
+          </a:p>
+        </p:txBody>
       </p:sp>
     </p:spTree>
   </p:cSld>
@@ -6490,13 +6577,14 @@
 </file>
 
 <file path=ppt/slides/slide2.xml><?xml version="1.0" encoding="utf-8"?>
-<p:sld xmlns:p="http://schemas.openxmlformats.org/presentationml/2006/main" xmlns:a="http://schemas.openxmlformats.org/drawingml/2006/main" xmlns:r="http://schemas.openxmlformats.org/officeDocument/2006/relationships">
+<p:sld xmlns:a="http://schemas.openxmlformats.org/drawingml/2006/main" xmlns:r="http://schemas.openxmlformats.org/officeDocument/2006/relationships" xmlns:p="http://schemas.openxmlformats.org/presentationml/2006/main">
   <p:cSld>
     <p:bg>
       <p:bgPr>
         <a:solidFill>
           <a:srgbClr val="F7F9FC"/>
         </a:solidFill>
+        <a:effectLst/>
       </p:bgPr>
     </p:bg>
     <p:spTree>
@@ -6515,12 +6603,12 @@
       </p:grpSpPr>
       <p:grpSp>
         <p:nvGrpSpPr>
-          <p:cNvPr name="Group 2" id="2"/>
+          <p:cNvPr id="2" name="Group 2"/>
           <p:cNvGrpSpPr/>
           <p:nvPr/>
         </p:nvGrpSpPr>
         <p:grpSpPr>
-          <a:xfrm rot="0">
+          <a:xfrm>
             <a:off x="10734675" y="666750"/>
             <a:ext cx="6886575" cy="8953500"/>
             <a:chOff x="0" y="0"/>
@@ -6529,12 +6617,12 @@
         </p:grpSpPr>
         <p:sp>
           <p:nvSpPr>
-            <p:cNvPr name="Freeform 3" id="3"/>
+            <p:cNvPr id="3" name="Freeform 3"/>
             <p:cNvSpPr/>
             <p:nvPr/>
           </p:nvSpPr>
           <p:spPr>
-            <a:xfrm flipH="false" flipV="false" rot="0">
+            <a:xfrm>
               <a:off x="0" y="0"/>
               <a:ext cx="1200275" cy="1560523"/>
             </a:xfrm>
@@ -6543,9 +6631,9 @@
               <a:gdLst/>
               <a:ahLst/>
               <a:cxnLst/>
-              <a:rect r="r" b="b" t="t" l="l"/>
+              <a:rect l="l" t="t" r="r" b="b"/>
               <a:pathLst>
-                <a:path h="1560523" w="1200275">
+                <a:path w="1200275" h="1560523">
                   <a:moveTo>
                     <a:pt x="44968" y="0"/>
                   </a:moveTo>
@@ -6608,7 +6696,7 @@
             <a:blipFill>
               <a:blip r:embed="rId2"/>
               <a:stretch>
-                <a:fillRect l="0" t="-271" r="0" b="-271"/>
+                <a:fillRect t="-271" b="-271"/>
               </a:stretch>
             </a:blipFill>
             <a:ln w="19050" cap="rnd">
@@ -6619,16 +6707,23 @@
               <a:round/>
             </a:ln>
           </p:spPr>
+          <p:txBody>
+            <a:bodyPr/>
+            <a:lstStyle/>
+            <a:p>
+              <a:endParaRPr lang="en-ID"/>
+            </a:p>
+          </p:txBody>
         </p:sp>
       </p:grpSp>
       <p:grpSp>
         <p:nvGrpSpPr>
-          <p:cNvPr name="Group 4" id="4"/>
+          <p:cNvPr id="4" name="Group 4"/>
           <p:cNvGrpSpPr/>
           <p:nvPr/>
         </p:nvGrpSpPr>
         <p:grpSpPr>
-          <a:xfrm rot="0">
+          <a:xfrm>
             <a:off x="819150" y="3633788"/>
             <a:ext cx="8324850" cy="3019424"/>
             <a:chOff x="0" y="0"/>
@@ -6637,12 +6732,12 @@
         </p:grpSpPr>
         <p:sp>
           <p:nvSpPr>
-            <p:cNvPr name="TextBox 5" id="5"/>
-            <p:cNvSpPr txBox="true"/>
+            <p:cNvPr id="5" name="TextBox 5"/>
+            <p:cNvSpPr txBox="1"/>
             <p:nvPr/>
           </p:nvSpPr>
           <p:spPr>
-            <a:xfrm rot="0">
+            <a:xfrm>
               <a:off x="0" y="2057399"/>
               <a:ext cx="11099800" cy="1968500"/>
             </a:xfrm>
@@ -6651,12 +6746,12 @@
             </a:prstGeom>
           </p:spPr>
           <p:txBody>
-            <a:bodyPr anchor="t" rtlCol="false" tIns="0" lIns="0" bIns="0" rIns="0">
+            <a:bodyPr lIns="0" tIns="0" rIns="0" bIns="0" rtlCol="0" anchor="t">
               <a:spAutoFit/>
             </a:bodyPr>
             <a:lstStyle/>
             <a:p>
-              <a:pPr algn="l" marL="0" indent="0" lvl="0">
+              <a:pPr marL="0" lvl="0" indent="0" algn="l">
                 <a:lnSpc>
                   <a:spcPts val="3900"/>
                 </a:lnSpc>
@@ -6674,7 +6769,7 @@
                 <a:t>Audio offers </a:t>
               </a:r>
               <a:r>
-                <a:rPr lang="en-US" b="true" sz="3000">
+                <a:rPr lang="en-US" sz="3000" b="1">
                   <a:solidFill>
                     <a:srgbClr val="203040"/>
                   </a:solidFill>
@@ -6702,12 +6797,12 @@
         </p:sp>
         <p:sp>
           <p:nvSpPr>
-            <p:cNvPr name="TextBox 6" id="6"/>
-            <p:cNvSpPr txBox="true"/>
+            <p:cNvPr id="6" name="TextBox 6"/>
+            <p:cNvSpPr txBox="1"/>
             <p:nvPr/>
           </p:nvSpPr>
           <p:spPr>
-            <a:xfrm rot="0">
+            <a:xfrm>
               <a:off x="0" y="171450"/>
               <a:ext cx="11099800" cy="1612476"/>
             </a:xfrm>
@@ -6716,12 +6811,12 @@
             </a:prstGeom>
           </p:spPr>
           <p:txBody>
-            <a:bodyPr anchor="t" rtlCol="false" tIns="0" lIns="0" bIns="0" rIns="0">
+            <a:bodyPr lIns="0" tIns="0" rIns="0" bIns="0" rtlCol="0" anchor="t">
               <a:spAutoFit/>
             </a:bodyPr>
             <a:lstStyle/>
             <a:p>
-              <a:pPr algn="l" marL="0" indent="0" lvl="0">
+              <a:pPr marL="0" lvl="0" indent="0" algn="l">
                 <a:lnSpc>
                   <a:spcPts val="8799"/>
                 </a:lnSpc>
@@ -6751,13 +6846,14 @@
 </file>
 
 <file path=ppt/slides/slide3.xml><?xml version="1.0" encoding="utf-8"?>
-<p:sld xmlns:p="http://schemas.openxmlformats.org/presentationml/2006/main" xmlns:a="http://schemas.openxmlformats.org/drawingml/2006/main" xmlns:r="http://schemas.openxmlformats.org/officeDocument/2006/relationships">
+<p:sld xmlns:a="http://schemas.openxmlformats.org/drawingml/2006/main" xmlns:r="http://schemas.openxmlformats.org/officeDocument/2006/relationships" xmlns:p="http://schemas.openxmlformats.org/presentationml/2006/main">
   <p:cSld>
     <p:bg>
       <p:bgPr>
         <a:solidFill>
           <a:srgbClr val="F7F9FC"/>
         </a:solidFill>
+        <a:effectLst/>
       </p:bgPr>
     </p:bg>
     <p:spTree>
@@ -6776,12 +6872,12 @@
       </p:grpSpPr>
       <p:grpSp>
         <p:nvGrpSpPr>
-          <p:cNvPr name="Group 2" id="2"/>
+          <p:cNvPr id="2" name="Group 2"/>
           <p:cNvGrpSpPr/>
           <p:nvPr/>
         </p:nvGrpSpPr>
         <p:grpSpPr>
-          <a:xfrm rot="0">
+          <a:xfrm>
             <a:off x="2105025" y="3002297"/>
             <a:ext cx="12639675" cy="3914808"/>
             <a:chOff x="0" y="0"/>
@@ -6790,12 +6886,12 @@
         </p:grpSpPr>
         <p:sp>
           <p:nvSpPr>
-            <p:cNvPr name="TextBox 3" id="3"/>
-            <p:cNvSpPr txBox="true"/>
+            <p:cNvPr id="3" name="TextBox 3"/>
+            <p:cNvSpPr txBox="1"/>
             <p:nvPr/>
           </p:nvSpPr>
           <p:spPr>
-            <a:xfrm rot="0">
+            <a:xfrm>
               <a:off x="0" y="171450"/>
               <a:ext cx="16852900" cy="1612476"/>
             </a:xfrm>
@@ -6804,12 +6900,12 @@
             </a:prstGeom>
           </p:spPr>
           <p:txBody>
-            <a:bodyPr anchor="t" rtlCol="false" tIns="0" lIns="0" bIns="0" rIns="0">
+            <a:bodyPr lIns="0" tIns="0" rIns="0" bIns="0" rtlCol="0" anchor="t">
               <a:spAutoFit/>
             </a:bodyPr>
             <a:lstStyle/>
             <a:p>
-              <a:pPr algn="l" marL="0" indent="0" lvl="0">
+              <a:pPr marL="0" lvl="0" indent="0" algn="l">
                 <a:lnSpc>
                   <a:spcPts val="8799"/>
                 </a:lnSpc>
@@ -6831,12 +6927,12 @@
         </p:sp>
         <p:sp>
           <p:nvSpPr>
-            <p:cNvPr name="TextBox 4" id="4"/>
-            <p:cNvSpPr txBox="true"/>
+            <p:cNvPr id="4" name="TextBox 4"/>
+            <p:cNvSpPr txBox="1"/>
             <p:nvPr/>
           </p:nvSpPr>
           <p:spPr>
-            <a:xfrm rot="0">
+            <a:xfrm>
               <a:off x="0" y="3251244"/>
               <a:ext cx="16852900" cy="1968500"/>
             </a:xfrm>
@@ -6845,12 +6941,12 @@
             </a:prstGeom>
           </p:spPr>
           <p:txBody>
-            <a:bodyPr anchor="t" rtlCol="false" tIns="0" lIns="0" bIns="0" rIns="0">
+            <a:bodyPr lIns="0" tIns="0" rIns="0" bIns="0" rtlCol="0" anchor="t">
               <a:spAutoFit/>
             </a:bodyPr>
             <a:lstStyle/>
             <a:p>
-              <a:pPr algn="l" marL="0" indent="0" lvl="0">
+              <a:pPr marL="0" lvl="0" indent="0" algn="l">
                 <a:lnSpc>
                   <a:spcPts val="3900"/>
                 </a:lnSpc>
@@ -6868,7 +6964,7 @@
                 <a:t>This study investigates whether </a:t>
               </a:r>
               <a:r>
-                <a:rPr lang="en-US" b="true" sz="3000">
+                <a:rPr lang="en-US" sz="3000" b="1">
                   <a:solidFill>
                     <a:srgbClr val="203040"/>
                   </a:solidFill>
@@ -6896,12 +6992,12 @@
         </p:sp>
         <p:sp>
           <p:nvSpPr>
-            <p:cNvPr name="TextBox 5" id="5"/>
-            <p:cNvSpPr txBox="true"/>
+            <p:cNvPr id="5" name="TextBox 5"/>
+            <p:cNvSpPr txBox="1"/>
             <p:nvPr/>
           </p:nvSpPr>
           <p:spPr>
-            <a:xfrm rot="0">
+            <a:xfrm>
               <a:off x="0" y="2086063"/>
               <a:ext cx="16852900" cy="619125"/>
             </a:xfrm>
@@ -6910,18 +7006,18 @@
             </a:prstGeom>
           </p:spPr>
           <p:txBody>
-            <a:bodyPr anchor="t" rtlCol="false" tIns="0" lIns="0" bIns="0" rIns="0">
+            <a:bodyPr lIns="0" tIns="0" rIns="0" bIns="0" rtlCol="0" anchor="t">
               <a:spAutoFit/>
             </a:bodyPr>
             <a:lstStyle/>
             <a:p>
-              <a:pPr algn="l" marL="0" indent="0" lvl="0">
+              <a:pPr marL="0" lvl="0" indent="0" algn="l">
                 <a:lnSpc>
                   <a:spcPts val="3600"/>
                 </a:lnSpc>
               </a:pPr>
               <a:r>
-                <a:rPr lang="en-US" b="true" sz="3000">
+                <a:rPr lang="en-US" sz="3000" b="1">
                   <a:solidFill>
                     <a:srgbClr val="406080"/>
                   </a:solidFill>
@@ -6938,12 +7034,12 @@
       </p:grpSp>
       <p:sp>
         <p:nvSpPr>
-          <p:cNvPr name="Freeform 6" id="6"/>
+          <p:cNvPr id="6" name="Freeform 6"/>
           <p:cNvSpPr/>
           <p:nvPr/>
         </p:nvSpPr>
         <p:spPr>
-          <a:xfrm flipH="false" flipV="false" rot="-1268288">
+          <a:xfrm rot="-1268288">
             <a:off x="14795639" y="5873497"/>
             <a:ext cx="10936025" cy="10299747"/>
           </a:xfrm>
@@ -6952,9 +7048,9 @@
             <a:gdLst/>
             <a:ahLst/>
             <a:cxnLst/>
-            <a:rect r="r" b="b" t="t" l="l"/>
+            <a:rect l="l" t="t" r="r" b="b"/>
             <a:pathLst>
-              <a:path h="10299747" w="10936025">
+              <a:path w="10936025" h="10299747">
                 <a:moveTo>
                   <a:pt x="0" y="0"/>
                 </a:moveTo>
@@ -6983,7 +7079,7 @@
               </a:extLst>
             </a:blip>
             <a:stretch>
-              <a:fillRect l="0" t="0" r="0" b="0"/>
+              <a:fillRect/>
             </a:stretch>
           </a:blipFill>
           <a:ln cap="sq">
@@ -6992,6 +7088,13 @@
             <a:miter/>
           </a:ln>
         </p:spPr>
+        <p:txBody>
+          <a:bodyPr/>
+          <a:lstStyle/>
+          <a:p>
+            <a:endParaRPr lang="en-ID"/>
+          </a:p>
+        </p:txBody>
       </p:sp>
     </p:spTree>
   </p:cSld>
@@ -7002,13 +7105,14 @@
 </file>
 
 <file path=ppt/slides/slide4.xml><?xml version="1.0" encoding="utf-8"?>
-<p:sld xmlns:p="http://schemas.openxmlformats.org/presentationml/2006/main" xmlns:a="http://schemas.openxmlformats.org/drawingml/2006/main">
+<p:sld xmlns:a="http://schemas.openxmlformats.org/drawingml/2006/main" xmlns:r="http://schemas.openxmlformats.org/officeDocument/2006/relationships" xmlns:p="http://schemas.openxmlformats.org/presentationml/2006/main">
   <p:cSld>
     <p:bg>
       <p:bgPr>
         <a:solidFill>
           <a:srgbClr val="F7F9FC"/>
         </a:solidFill>
+        <a:effectLst/>
       </p:bgPr>
     </p:bg>
     <p:spTree>
@@ -7027,12 +7131,12 @@
       </p:grpSpPr>
       <p:sp>
         <p:nvSpPr>
-          <p:cNvPr name="TextBox 2" id="2"/>
-          <p:cNvSpPr txBox="true"/>
+          <p:cNvPr id="2" name="TextBox 2"/>
+          <p:cNvSpPr txBox="1"/>
           <p:nvPr/>
         </p:nvSpPr>
         <p:spPr>
-          <a:xfrm rot="0">
+          <a:xfrm>
             <a:off x="666750" y="838200"/>
             <a:ext cx="14077950" cy="1166494"/>
           </a:xfrm>
@@ -7041,12 +7145,12 @@
           </a:prstGeom>
         </p:spPr>
         <p:txBody>
-          <a:bodyPr anchor="t" rtlCol="false" tIns="0" lIns="0" bIns="0" rIns="0">
+          <a:bodyPr lIns="0" tIns="0" rIns="0" bIns="0" rtlCol="0" anchor="t">
             <a:spAutoFit/>
           </a:bodyPr>
           <a:lstStyle/>
           <a:p>
-            <a:pPr algn="l" marL="0" indent="0" lvl="0">
+            <a:pPr marL="0" lvl="0" indent="0" algn="l">
               <a:lnSpc>
                 <a:spcPts val="8799"/>
               </a:lnSpc>
@@ -7068,12 +7172,12 @@
       </p:sp>
       <p:sp>
         <p:nvSpPr>
-          <p:cNvPr name="TextBox 3" id="3"/>
-          <p:cNvSpPr txBox="true"/>
+          <p:cNvPr id="3" name="TextBox 3"/>
+          <p:cNvSpPr txBox="1"/>
           <p:nvPr/>
         </p:nvSpPr>
         <p:spPr>
-          <a:xfrm rot="0">
+          <a:xfrm>
             <a:off x="666750" y="4391025"/>
             <a:ext cx="2856970" cy="466725"/>
           </a:xfrm>
@@ -7082,12 +7186,12 @@
           </a:prstGeom>
         </p:spPr>
         <p:txBody>
-          <a:bodyPr anchor="t" rtlCol="false" tIns="0" lIns="0" bIns="0" rIns="0">
+          <a:bodyPr lIns="0" tIns="0" rIns="0" bIns="0" rtlCol="0" anchor="t">
             <a:spAutoFit/>
           </a:bodyPr>
           <a:lstStyle/>
           <a:p>
-            <a:pPr algn="l" marL="0" indent="0" lvl="0">
+            <a:pPr marL="0" lvl="0" indent="0" algn="l">
               <a:lnSpc>
                 <a:spcPts val="3600"/>
               </a:lnSpc>
@@ -7096,7 +7200,7 @@
               </a:spcBef>
             </a:pPr>
             <a:r>
-              <a:rPr lang="en-US" b="true" sz="3000">
+              <a:rPr lang="en-US" sz="3000" b="1">
                 <a:solidFill>
                   <a:srgbClr val="406080"/>
                 </a:solidFill>
@@ -7112,12 +7216,12 @@
       </p:sp>
       <p:sp>
         <p:nvSpPr>
-          <p:cNvPr name="TextBox 4" id="4"/>
-          <p:cNvSpPr txBox="true"/>
+          <p:cNvPr id="4" name="TextBox 4"/>
+          <p:cNvSpPr txBox="1"/>
           <p:nvPr/>
         </p:nvSpPr>
         <p:spPr>
-          <a:xfrm rot="0">
+          <a:xfrm>
             <a:off x="6437076" y="4391025"/>
             <a:ext cx="2859324" cy="466725"/>
           </a:xfrm>
@@ -7126,12 +7230,12 @@
           </a:prstGeom>
         </p:spPr>
         <p:txBody>
-          <a:bodyPr anchor="t" rtlCol="false" tIns="0" lIns="0" bIns="0" rIns="0">
+          <a:bodyPr lIns="0" tIns="0" rIns="0" bIns="0" rtlCol="0" anchor="t">
             <a:spAutoFit/>
           </a:bodyPr>
           <a:lstStyle/>
           <a:p>
-            <a:pPr algn="l" marL="0" indent="0" lvl="0">
+            <a:pPr marL="0" lvl="0" indent="0" algn="l">
               <a:lnSpc>
                 <a:spcPts val="3600"/>
               </a:lnSpc>
@@ -7140,7 +7244,7 @@
               </a:spcBef>
             </a:pPr>
             <a:r>
-              <a:rPr lang="en-US" b="true" sz="3000">
+              <a:rPr lang="en-US" sz="3000" b="1">
                 <a:solidFill>
                   <a:srgbClr val="406080"/>
                 </a:solidFill>
@@ -7156,7 +7260,7 @@
       </p:sp>
       <p:sp>
         <p:nvSpPr>
-          <p:cNvPr name="AutoShape 5" id="5"/>
+          <p:cNvPr id="5" name="AutoShape 5"/>
           <p:cNvSpPr/>
           <p:nvPr/>
         </p:nvSpPr>
@@ -7168,24 +7272,31 @@
           <a:prstGeom prst="line">
             <a:avLst/>
           </a:prstGeom>
-          <a:ln cap="flat" w="19050">
+          <a:ln w="19050" cap="flat">
             <a:solidFill>
               <a:srgbClr val="203040"/>
             </a:solidFill>
             <a:prstDash val="solid"/>
-            <a:headEnd type="none" len="sm" w="sm"/>
-            <a:tailEnd type="none" len="sm" w="sm"/>
+            <a:headEnd type="none" w="sm" len="sm"/>
+            <a:tailEnd type="none" w="sm" len="sm"/>
           </a:ln>
         </p:spPr>
+        <p:txBody>
+          <a:bodyPr/>
+          <a:lstStyle/>
+          <a:p>
+            <a:endParaRPr lang="en-ID"/>
+          </a:p>
+        </p:txBody>
       </p:sp>
       <p:grpSp>
         <p:nvGrpSpPr>
-          <p:cNvPr name="Group 6" id="6"/>
+          <p:cNvPr id="6" name="Group 6"/>
           <p:cNvGrpSpPr/>
           <p:nvPr/>
         </p:nvGrpSpPr>
         <p:grpSpPr>
-          <a:xfrm rot="0">
+          <a:xfrm>
             <a:off x="666750" y="5295900"/>
             <a:ext cx="323850" cy="323850"/>
             <a:chOff x="0" y="0"/>
@@ -7194,12 +7305,12 @@
         </p:grpSpPr>
         <p:sp>
           <p:nvSpPr>
-            <p:cNvPr name="Freeform 7" id="7"/>
+            <p:cNvPr id="7" name="Freeform 7"/>
             <p:cNvSpPr/>
             <p:nvPr/>
           </p:nvSpPr>
           <p:spPr>
-            <a:xfrm flipH="false" flipV="false" rot="0">
+            <a:xfrm>
               <a:off x="0" y="0"/>
               <a:ext cx="6350000" cy="6350000"/>
             </a:xfrm>
@@ -7208,9 +7319,9 @@
               <a:gdLst/>
               <a:ahLst/>
               <a:cxnLst/>
-              <a:rect r="r" b="b" t="t" l="l"/>
+              <a:rect l="l" t="t" r="r" b="b"/>
               <a:pathLst>
-                <a:path h="6350000" w="6350000">
+                <a:path w="6350000" h="6350000">
                   <a:moveTo>
                     <a:pt x="3175000" y="0"/>
                   </a:moveTo>
@@ -7242,16 +7353,23 @@
               <a:srgbClr val="203040"/>
             </a:solidFill>
           </p:spPr>
+          <p:txBody>
+            <a:bodyPr/>
+            <a:lstStyle/>
+            <a:p>
+              <a:endParaRPr lang="en-ID"/>
+            </a:p>
+          </p:txBody>
         </p:sp>
       </p:grpSp>
       <p:grpSp>
         <p:nvGrpSpPr>
-          <p:cNvPr name="Group 8" id="8"/>
+          <p:cNvPr id="8" name="Group 8"/>
           <p:cNvGrpSpPr/>
           <p:nvPr/>
         </p:nvGrpSpPr>
         <p:grpSpPr>
-          <a:xfrm rot="0">
+          <a:xfrm>
             <a:off x="6443576" y="5295900"/>
             <a:ext cx="323850" cy="323850"/>
             <a:chOff x="0" y="0"/>
@@ -7260,12 +7378,12 @@
         </p:grpSpPr>
         <p:sp>
           <p:nvSpPr>
-            <p:cNvPr name="Freeform 9" id="9"/>
+            <p:cNvPr id="9" name="Freeform 9"/>
             <p:cNvSpPr/>
             <p:nvPr/>
           </p:nvSpPr>
           <p:spPr>
-            <a:xfrm flipH="false" flipV="false" rot="0">
+            <a:xfrm>
               <a:off x="0" y="0"/>
               <a:ext cx="6350000" cy="6350000"/>
             </a:xfrm>
@@ -7274,9 +7392,9 @@
               <a:gdLst/>
               <a:ahLst/>
               <a:cxnLst/>
-              <a:rect r="r" b="b" t="t" l="l"/>
+              <a:rect l="l" t="t" r="r" b="b"/>
               <a:pathLst>
-                <a:path h="6350000" w="6350000">
+                <a:path w="6350000" h="6350000">
                   <a:moveTo>
                     <a:pt x="3175000" y="0"/>
                   </a:moveTo>
@@ -7308,16 +7426,23 @@
               <a:srgbClr val="203040"/>
             </a:solidFill>
           </p:spPr>
+          <p:txBody>
+            <a:bodyPr/>
+            <a:lstStyle/>
+            <a:p>
+              <a:endParaRPr lang="en-ID"/>
+            </a:p>
+          </p:txBody>
         </p:sp>
       </p:grpSp>
       <p:grpSp>
         <p:nvGrpSpPr>
-          <p:cNvPr name="Group 10" id="10"/>
+          <p:cNvPr id="10" name="Group 10"/>
           <p:cNvGrpSpPr/>
           <p:nvPr/>
         </p:nvGrpSpPr>
         <p:grpSpPr>
-          <a:xfrm rot="0">
+          <a:xfrm>
             <a:off x="12202645" y="5295900"/>
             <a:ext cx="323850" cy="323850"/>
             <a:chOff x="0" y="0"/>
@@ -7326,12 +7451,12 @@
         </p:grpSpPr>
         <p:sp>
           <p:nvSpPr>
-            <p:cNvPr name="Freeform 11" id="11"/>
+            <p:cNvPr id="11" name="Freeform 11"/>
             <p:cNvSpPr/>
             <p:nvPr/>
           </p:nvSpPr>
           <p:spPr>
-            <a:xfrm flipH="false" flipV="false" rot="0">
+            <a:xfrm>
               <a:off x="0" y="0"/>
               <a:ext cx="6350000" cy="6350000"/>
             </a:xfrm>
@@ -7340,9 +7465,9 @@
               <a:gdLst/>
               <a:ahLst/>
               <a:cxnLst/>
-              <a:rect r="r" b="b" t="t" l="l"/>
+              <a:rect l="l" t="t" r="r" b="b"/>
               <a:pathLst>
-                <a:path h="6350000" w="6350000">
+                <a:path w="6350000" h="6350000">
                   <a:moveTo>
                     <a:pt x="3175000" y="0"/>
                   </a:moveTo>
@@ -7374,16 +7499,23 @@
               <a:srgbClr val="203040"/>
             </a:solidFill>
           </p:spPr>
+          <p:txBody>
+            <a:bodyPr/>
+            <a:lstStyle/>
+            <a:p>
+              <a:endParaRPr lang="en-ID"/>
+            </a:p>
+          </p:txBody>
         </p:sp>
       </p:grpSp>
       <p:sp>
         <p:nvSpPr>
-          <p:cNvPr name="TextBox 12" id="12"/>
-          <p:cNvSpPr txBox="true"/>
+          <p:cNvPr id="12" name="TextBox 12"/>
+          <p:cNvSpPr txBox="1"/>
           <p:nvPr/>
         </p:nvSpPr>
         <p:spPr>
-          <a:xfrm rot="0">
+          <a:xfrm>
             <a:off x="12192000" y="4391025"/>
             <a:ext cx="2859324" cy="466725"/>
           </a:xfrm>
@@ -7392,12 +7524,12 @@
           </a:prstGeom>
         </p:spPr>
         <p:txBody>
-          <a:bodyPr anchor="t" rtlCol="false" tIns="0" lIns="0" bIns="0" rIns="0">
+          <a:bodyPr lIns="0" tIns="0" rIns="0" bIns="0" rtlCol="0" anchor="t">
             <a:spAutoFit/>
           </a:bodyPr>
           <a:lstStyle/>
           <a:p>
-            <a:pPr algn="l" marL="0" indent="0" lvl="0">
+            <a:pPr marL="0" lvl="0" indent="0" algn="l">
               <a:lnSpc>
                 <a:spcPts val="3600"/>
               </a:lnSpc>
@@ -7406,7 +7538,7 @@
               </a:spcBef>
             </a:pPr>
             <a:r>
-              <a:rPr lang="en-US" b="true" sz="3000">
+              <a:rPr lang="en-US" sz="3000" b="1">
                 <a:solidFill>
                   <a:srgbClr val="406080"/>
                 </a:solidFill>
@@ -7422,12 +7554,12 @@
       </p:sp>
       <p:sp>
         <p:nvSpPr>
-          <p:cNvPr name="TextBox 13" id="13"/>
-          <p:cNvSpPr txBox="true"/>
+          <p:cNvPr id="13" name="TextBox 13"/>
+          <p:cNvSpPr txBox="1"/>
           <p:nvPr/>
         </p:nvSpPr>
         <p:spPr>
-          <a:xfrm rot="0">
+          <a:xfrm>
             <a:off x="666750" y="5991225"/>
             <a:ext cx="4010025" cy="1590675"/>
           </a:xfrm>
@@ -7436,12 +7568,12 @@
           </a:prstGeom>
         </p:spPr>
         <p:txBody>
-          <a:bodyPr anchor="t" rtlCol="false" tIns="0" lIns="0" bIns="0" rIns="0">
+          <a:bodyPr lIns="0" tIns="0" rIns="0" bIns="0" rtlCol="0" anchor="t">
             <a:spAutoFit/>
           </a:bodyPr>
           <a:lstStyle/>
           <a:p>
-            <a:pPr algn="l" marL="0" indent="0" lvl="0">
+            <a:pPr marL="0" lvl="0" indent="0" algn="l">
               <a:lnSpc>
                 <a:spcPts val="4200"/>
               </a:lnSpc>
@@ -7466,12 +7598,12 @@
       </p:sp>
       <p:sp>
         <p:nvSpPr>
-          <p:cNvPr name="TextBox 14" id="14"/>
-          <p:cNvSpPr txBox="true"/>
+          <p:cNvPr id="14" name="TextBox 14"/>
+          <p:cNvSpPr txBox="1"/>
           <p:nvPr/>
         </p:nvSpPr>
         <p:spPr>
-          <a:xfrm rot="0">
+          <a:xfrm>
             <a:off x="6443576" y="5991225"/>
             <a:ext cx="3986299" cy="1057275"/>
           </a:xfrm>
@@ -7480,12 +7612,12 @@
           </a:prstGeom>
         </p:spPr>
         <p:txBody>
-          <a:bodyPr anchor="t" rtlCol="false" tIns="0" lIns="0" bIns="0" rIns="0">
+          <a:bodyPr lIns="0" tIns="0" rIns="0" bIns="0" rtlCol="0" anchor="t">
             <a:spAutoFit/>
           </a:bodyPr>
           <a:lstStyle/>
           <a:p>
-            <a:pPr algn="l" marL="0" indent="0" lvl="0">
+            <a:pPr marL="0" lvl="0" indent="0" algn="l">
               <a:lnSpc>
                 <a:spcPts val="4200"/>
               </a:lnSpc>
@@ -7494,7 +7626,7 @@
               </a:spcBef>
             </a:pPr>
             <a:r>
-              <a:rPr lang="en-US" sz="3000" strike="noStrike" u="none">
+              <a:rPr lang="en-US" sz="3000" u="none" strike="noStrike">
                 <a:solidFill>
                   <a:srgbClr val="203040"/>
                 </a:solidFill>
@@ -7510,12 +7642,12 @@
       </p:sp>
       <p:sp>
         <p:nvSpPr>
-          <p:cNvPr name="TextBox 15" id="15"/>
-          <p:cNvSpPr txBox="true"/>
+          <p:cNvPr id="15" name="TextBox 15"/>
+          <p:cNvSpPr txBox="1"/>
           <p:nvPr/>
         </p:nvSpPr>
         <p:spPr>
-          <a:xfrm rot="0">
+          <a:xfrm>
             <a:off x="12172950" y="5991225"/>
             <a:ext cx="4010025" cy="1057275"/>
           </a:xfrm>
@@ -7524,12 +7656,12 @@
           </a:prstGeom>
         </p:spPr>
         <p:txBody>
-          <a:bodyPr anchor="t" rtlCol="false" tIns="0" lIns="0" bIns="0" rIns="0">
+          <a:bodyPr lIns="0" tIns="0" rIns="0" bIns="0" rtlCol="0" anchor="t">
             <a:spAutoFit/>
           </a:bodyPr>
           <a:lstStyle/>
           <a:p>
-            <a:pPr algn="l" marL="0" indent="0" lvl="0">
+            <a:pPr marL="0" lvl="0" indent="0" algn="l">
               <a:lnSpc>
                 <a:spcPts val="4200"/>
               </a:lnSpc>
@@ -7538,7 +7670,7 @@
               </a:spcBef>
             </a:pPr>
             <a:r>
-              <a:rPr lang="en-US" sz="3000" strike="noStrike" u="none">
+              <a:rPr lang="en-US" sz="3000" u="none" strike="noStrike">
                 <a:solidFill>
                   <a:srgbClr val="203040"/>
                 </a:solidFill>
@@ -7561,13 +7693,14 @@
 </file>
 
 <file path=ppt/slides/slide5.xml><?xml version="1.0" encoding="utf-8"?>
-<p:sld xmlns:p="http://schemas.openxmlformats.org/presentationml/2006/main" xmlns:a="http://schemas.openxmlformats.org/drawingml/2006/main" xmlns:r="http://schemas.openxmlformats.org/officeDocument/2006/relationships">
+<p:sld xmlns:a="http://schemas.openxmlformats.org/drawingml/2006/main" xmlns:r="http://schemas.openxmlformats.org/officeDocument/2006/relationships" xmlns:p="http://schemas.openxmlformats.org/presentationml/2006/main">
   <p:cSld>
     <p:bg>
       <p:bgPr>
         <a:solidFill>
           <a:srgbClr val="F7F9FC"/>
         </a:solidFill>
+        <a:effectLst/>
       </p:bgPr>
     </p:bg>
     <p:spTree>
@@ -7586,12 +7719,12 @@
       </p:grpSpPr>
       <p:grpSp>
         <p:nvGrpSpPr>
-          <p:cNvPr name="Group 2" id="2"/>
+          <p:cNvPr id="2" name="Group 2"/>
           <p:cNvGrpSpPr/>
           <p:nvPr/>
         </p:nvGrpSpPr>
         <p:grpSpPr>
-          <a:xfrm rot="0">
+          <a:xfrm>
             <a:off x="10734675" y="666750"/>
             <a:ext cx="6886575" cy="8953500"/>
             <a:chOff x="0" y="0"/>
@@ -7600,12 +7733,12 @@
         </p:grpSpPr>
         <p:sp>
           <p:nvSpPr>
-            <p:cNvPr name="Freeform 3" id="3"/>
+            <p:cNvPr id="3" name="Freeform 3"/>
             <p:cNvSpPr/>
             <p:nvPr/>
           </p:nvSpPr>
           <p:spPr>
-            <a:xfrm flipH="false" flipV="false" rot="0">
+            <a:xfrm>
               <a:off x="0" y="0"/>
               <a:ext cx="1200275" cy="1560523"/>
             </a:xfrm>
@@ -7614,9 +7747,9 @@
               <a:gdLst/>
               <a:ahLst/>
               <a:cxnLst/>
-              <a:rect r="r" b="b" t="t" l="l"/>
+              <a:rect l="l" t="t" r="r" b="b"/>
               <a:pathLst>
-                <a:path h="1560523" w="1200275">
+                <a:path w="1200275" h="1560523">
                   <a:moveTo>
                     <a:pt x="44968" y="0"/>
                   </a:moveTo>
@@ -7679,7 +7812,7 @@
             <a:blipFill>
               <a:blip r:embed="rId2"/>
               <a:stretch>
-                <a:fillRect l="0" t="-271" r="0" b="-271"/>
+                <a:fillRect t="-271" b="-271"/>
               </a:stretch>
             </a:blipFill>
             <a:ln w="19050" cap="rnd">
@@ -7690,16 +7823,23 @@
               <a:round/>
             </a:ln>
           </p:spPr>
+          <p:txBody>
+            <a:bodyPr/>
+            <a:lstStyle/>
+            <a:p>
+              <a:endParaRPr lang="en-ID"/>
+            </a:p>
+          </p:txBody>
         </p:sp>
       </p:grpSp>
       <p:grpSp>
         <p:nvGrpSpPr>
-          <p:cNvPr name="Group 4" id="4"/>
+          <p:cNvPr id="4" name="Group 4"/>
           <p:cNvGrpSpPr/>
           <p:nvPr/>
         </p:nvGrpSpPr>
         <p:grpSpPr>
-          <a:xfrm rot="0">
+          <a:xfrm>
             <a:off x="666750" y="666750"/>
             <a:ext cx="8324850" cy="4133849"/>
             <a:chOff x="0" y="0"/>
@@ -7708,12 +7848,12 @@
         </p:grpSpPr>
         <p:sp>
           <p:nvSpPr>
-            <p:cNvPr name="TextBox 5" id="5"/>
-            <p:cNvSpPr txBox="true"/>
+            <p:cNvPr id="5" name="TextBox 5"/>
+            <p:cNvSpPr txBox="1"/>
             <p:nvPr/>
           </p:nvSpPr>
           <p:spPr>
-            <a:xfrm rot="0">
+            <a:xfrm>
               <a:off x="0" y="3543299"/>
               <a:ext cx="11099800" cy="1968500"/>
             </a:xfrm>
@@ -7722,12 +7862,12 @@
             </a:prstGeom>
           </p:spPr>
           <p:txBody>
-            <a:bodyPr anchor="t" rtlCol="false" tIns="0" lIns="0" bIns="0" rIns="0">
+            <a:bodyPr lIns="0" tIns="0" rIns="0" bIns="0" rtlCol="0" anchor="t">
               <a:spAutoFit/>
             </a:bodyPr>
             <a:lstStyle/>
             <a:p>
-              <a:pPr algn="l" marL="0" indent="0" lvl="0">
+              <a:pPr marL="0" lvl="0" indent="0" algn="l">
                 <a:lnSpc>
                   <a:spcPts val="3900"/>
                 </a:lnSpc>
@@ -7749,12 +7889,12 @@
         </p:sp>
         <p:sp>
           <p:nvSpPr>
-            <p:cNvPr name="TextBox 6" id="6"/>
-            <p:cNvSpPr txBox="true"/>
+            <p:cNvPr id="6" name="TextBox 6"/>
+            <p:cNvSpPr txBox="1"/>
             <p:nvPr/>
           </p:nvSpPr>
           <p:spPr>
-            <a:xfrm rot="0">
+            <a:xfrm>
               <a:off x="0" y="171450"/>
               <a:ext cx="11099800" cy="3098376"/>
             </a:xfrm>
@@ -7763,12 +7903,12 @@
             </a:prstGeom>
           </p:spPr>
           <p:txBody>
-            <a:bodyPr anchor="t" rtlCol="false" tIns="0" lIns="0" bIns="0" rIns="0">
+            <a:bodyPr lIns="0" tIns="0" rIns="0" bIns="0" rtlCol="0" anchor="t">
               <a:spAutoFit/>
             </a:bodyPr>
             <a:lstStyle/>
             <a:p>
-              <a:pPr algn="l" marL="0" indent="0" lvl="0">
+              <a:pPr marL="0" lvl="0" indent="0" algn="l">
                 <a:lnSpc>
                   <a:spcPts val="8799"/>
                 </a:lnSpc>
@@ -7798,13 +7938,14 @@
 </file>
 
 <file path=ppt/slides/slide6.xml><?xml version="1.0" encoding="utf-8"?>
-<p:sld xmlns:p="http://schemas.openxmlformats.org/presentationml/2006/main" xmlns:a="http://schemas.openxmlformats.org/drawingml/2006/main" xmlns:r="http://schemas.openxmlformats.org/officeDocument/2006/relationships">
+<p:sld xmlns:a="http://schemas.openxmlformats.org/drawingml/2006/main" xmlns:r="http://schemas.openxmlformats.org/officeDocument/2006/relationships" xmlns:p="http://schemas.openxmlformats.org/presentationml/2006/main">
   <p:cSld>
     <p:bg>
       <p:bgPr>
         <a:solidFill>
           <a:srgbClr val="F7F9FC"/>
         </a:solidFill>
+        <a:effectLst/>
       </p:bgPr>
     </p:bg>
     <p:spTree>
@@ -7823,12 +7964,12 @@
       </p:grpSpPr>
       <p:grpSp>
         <p:nvGrpSpPr>
-          <p:cNvPr name="Group 2" id="2"/>
+          <p:cNvPr id="2" name="Group 2"/>
           <p:cNvGrpSpPr/>
           <p:nvPr/>
         </p:nvGrpSpPr>
         <p:grpSpPr>
-          <a:xfrm rot="0">
+          <a:xfrm>
             <a:off x="2105025" y="3002297"/>
             <a:ext cx="12639675" cy="3914808"/>
             <a:chOff x="0" y="0"/>
@@ -7837,12 +7978,12 @@
         </p:grpSpPr>
         <p:sp>
           <p:nvSpPr>
-            <p:cNvPr name="TextBox 3" id="3"/>
-            <p:cNvSpPr txBox="true"/>
+            <p:cNvPr id="3" name="TextBox 3"/>
+            <p:cNvSpPr txBox="1"/>
             <p:nvPr/>
           </p:nvSpPr>
           <p:spPr>
-            <a:xfrm rot="0">
+            <a:xfrm>
               <a:off x="0" y="171450"/>
               <a:ext cx="16852900" cy="1612476"/>
             </a:xfrm>
@@ -7851,12 +7992,12 @@
             </a:prstGeom>
           </p:spPr>
           <p:txBody>
-            <a:bodyPr anchor="t" rtlCol="false" tIns="0" lIns="0" bIns="0" rIns="0">
+            <a:bodyPr lIns="0" tIns="0" rIns="0" bIns="0" rtlCol="0" anchor="t">
               <a:spAutoFit/>
             </a:bodyPr>
             <a:lstStyle/>
             <a:p>
-              <a:pPr algn="l" marL="0" indent="0" lvl="0">
+              <a:pPr marL="0" lvl="0" indent="0" algn="l">
                 <a:lnSpc>
                   <a:spcPts val="8799"/>
                 </a:lnSpc>
@@ -7878,12 +8019,12 @@
         </p:sp>
         <p:sp>
           <p:nvSpPr>
-            <p:cNvPr name="TextBox 4" id="4"/>
-            <p:cNvSpPr txBox="true"/>
+            <p:cNvPr id="4" name="TextBox 4"/>
+            <p:cNvSpPr txBox="1"/>
             <p:nvPr/>
           </p:nvSpPr>
           <p:spPr>
-            <a:xfrm rot="0">
+            <a:xfrm>
               <a:off x="0" y="3251244"/>
               <a:ext cx="16852900" cy="1968500"/>
             </a:xfrm>
@@ -7892,12 +8033,12 @@
             </a:prstGeom>
           </p:spPr>
           <p:txBody>
-            <a:bodyPr anchor="t" rtlCol="false" tIns="0" lIns="0" bIns="0" rIns="0">
+            <a:bodyPr lIns="0" tIns="0" rIns="0" bIns="0" rtlCol="0" anchor="t">
               <a:spAutoFit/>
             </a:bodyPr>
             <a:lstStyle/>
             <a:p>
-              <a:pPr algn="l" marL="0" indent="0" lvl="0">
+              <a:pPr marL="0" lvl="0" indent="0" algn="l">
                 <a:lnSpc>
                   <a:spcPts val="3900"/>
                 </a:lnSpc>
@@ -7919,12 +8060,12 @@
         </p:sp>
         <p:sp>
           <p:nvSpPr>
-            <p:cNvPr name="TextBox 5" id="5"/>
-            <p:cNvSpPr txBox="true"/>
+            <p:cNvPr id="5" name="TextBox 5"/>
+            <p:cNvSpPr txBox="1"/>
             <p:nvPr/>
           </p:nvSpPr>
           <p:spPr>
-            <a:xfrm rot="0">
+            <a:xfrm>
               <a:off x="0" y="2086063"/>
               <a:ext cx="16852900" cy="619125"/>
             </a:xfrm>
@@ -7933,18 +8074,18 @@
             </a:prstGeom>
           </p:spPr>
           <p:txBody>
-            <a:bodyPr anchor="t" rtlCol="false" tIns="0" lIns="0" bIns="0" rIns="0">
+            <a:bodyPr lIns="0" tIns="0" rIns="0" bIns="0" rtlCol="0" anchor="t">
               <a:spAutoFit/>
             </a:bodyPr>
             <a:lstStyle/>
             <a:p>
-              <a:pPr algn="l" marL="0" indent="0" lvl="0">
+              <a:pPr marL="0" lvl="0" indent="0" algn="l">
                 <a:lnSpc>
                   <a:spcPts val="3600"/>
                 </a:lnSpc>
               </a:pPr>
               <a:r>
-                <a:rPr lang="en-US" b="true" sz="3000">
+                <a:rPr lang="en-US" sz="3000" b="1">
                   <a:solidFill>
                     <a:srgbClr val="406080"/>
                   </a:solidFill>
@@ -7961,12 +8102,12 @@
       </p:grpSp>
       <p:sp>
         <p:nvSpPr>
-          <p:cNvPr name="Freeform 6" id="6"/>
+          <p:cNvPr id="6" name="Freeform 6"/>
           <p:cNvSpPr/>
           <p:nvPr/>
         </p:nvSpPr>
         <p:spPr>
-          <a:xfrm flipH="false" flipV="false" rot="-1268288">
+          <a:xfrm rot="-1268288">
             <a:off x="14795639" y="5873497"/>
             <a:ext cx="10936025" cy="10299747"/>
           </a:xfrm>
@@ -7975,9 +8116,9 @@
             <a:gdLst/>
             <a:ahLst/>
             <a:cxnLst/>
-            <a:rect r="r" b="b" t="t" l="l"/>
+            <a:rect l="l" t="t" r="r" b="b"/>
             <a:pathLst>
-              <a:path h="10299747" w="10936025">
+              <a:path w="10936025" h="10299747">
                 <a:moveTo>
                   <a:pt x="0" y="0"/>
                 </a:moveTo>
@@ -8006,7 +8147,7 @@
               </a:extLst>
             </a:blip>
             <a:stretch>
-              <a:fillRect l="0" t="0" r="0" b="0"/>
+              <a:fillRect/>
             </a:stretch>
           </a:blipFill>
           <a:ln cap="sq">
@@ -8015,6 +8156,13 @@
             <a:miter/>
           </a:ln>
         </p:spPr>
+        <p:txBody>
+          <a:bodyPr/>
+          <a:lstStyle/>
+          <a:p>
+            <a:endParaRPr lang="en-ID"/>
+          </a:p>
+        </p:txBody>
       </p:sp>
     </p:spTree>
   </p:cSld>
@@ -8025,13 +8173,14 @@
 </file>
 
 <file path=ppt/slides/slide7.xml><?xml version="1.0" encoding="utf-8"?>
-<p:sld xmlns:p="http://schemas.openxmlformats.org/presentationml/2006/main" xmlns:a="http://schemas.openxmlformats.org/drawingml/2006/main" xmlns:r="http://schemas.openxmlformats.org/officeDocument/2006/relationships">
+<p:sld xmlns:a="http://schemas.openxmlformats.org/drawingml/2006/main" xmlns:r="http://schemas.openxmlformats.org/officeDocument/2006/relationships" xmlns:p="http://schemas.openxmlformats.org/presentationml/2006/main">
   <p:cSld>
     <p:bg>
       <p:bgPr>
         <a:solidFill>
           <a:srgbClr val="F7F9FC"/>
         </a:solidFill>
+        <a:effectLst/>
       </p:bgPr>
     </p:bg>
     <p:spTree>
@@ -8050,12 +8199,12 @@
       </p:grpSpPr>
       <p:sp>
         <p:nvSpPr>
-          <p:cNvPr name="Freeform 2" id="2"/>
+          <p:cNvPr id="2" name="Freeform 2"/>
           <p:cNvSpPr/>
           <p:nvPr/>
         </p:nvSpPr>
         <p:spPr>
-          <a:xfrm flipH="false" flipV="false" rot="4437773">
+          <a:xfrm rot="4437773">
             <a:off x="13770320" y="-6241286"/>
             <a:ext cx="12640239" cy="11904807"/>
           </a:xfrm>
@@ -8064,9 +8213,9 @@
             <a:gdLst/>
             <a:ahLst/>
             <a:cxnLst/>
-            <a:rect r="r" b="b" t="t" l="l"/>
+            <a:rect l="l" t="t" r="r" b="b"/>
             <a:pathLst>
-              <a:path h="11904807" w="12640239">
+              <a:path w="12640239" h="11904807">
                 <a:moveTo>
                   <a:pt x="0" y="0"/>
                 </a:moveTo>
@@ -8095,7 +8244,7 @@
               </a:extLst>
             </a:blip>
             <a:stretch>
-              <a:fillRect l="0" t="0" r="0" b="0"/>
+              <a:fillRect/>
             </a:stretch>
           </a:blipFill>
           <a:ln cap="sq">
@@ -8104,15 +8253,22 @@
             <a:miter/>
           </a:ln>
         </p:spPr>
+        <p:txBody>
+          <a:bodyPr/>
+          <a:lstStyle/>
+          <a:p>
+            <a:endParaRPr lang="en-ID"/>
+          </a:p>
+        </p:txBody>
       </p:sp>
       <p:grpSp>
         <p:nvGrpSpPr>
-          <p:cNvPr name="Group 3" id="3"/>
+          <p:cNvPr id="3" name="Group 3"/>
           <p:cNvGrpSpPr/>
           <p:nvPr/>
         </p:nvGrpSpPr>
         <p:grpSpPr>
-          <a:xfrm rot="0">
+          <a:xfrm>
             <a:off x="666750" y="666750"/>
             <a:ext cx="14077950" cy="2062247"/>
             <a:chOff x="0" y="0"/>
@@ -8121,12 +8277,12 @@
         </p:grpSpPr>
         <p:sp>
           <p:nvSpPr>
-            <p:cNvPr name="TextBox 4" id="4"/>
-            <p:cNvSpPr txBox="true"/>
+            <p:cNvPr id="4" name="TextBox 4"/>
+            <p:cNvSpPr txBox="1"/>
             <p:nvPr/>
           </p:nvSpPr>
           <p:spPr>
-            <a:xfrm rot="0">
+            <a:xfrm>
               <a:off x="0" y="171450"/>
               <a:ext cx="18770600" cy="1612476"/>
             </a:xfrm>
@@ -8135,12 +8291,12 @@
             </a:prstGeom>
           </p:spPr>
           <p:txBody>
-            <a:bodyPr anchor="t" rtlCol="false" tIns="0" lIns="0" bIns="0" rIns="0">
+            <a:bodyPr lIns="0" tIns="0" rIns="0" bIns="0" rtlCol="0" anchor="t">
               <a:spAutoFit/>
             </a:bodyPr>
             <a:lstStyle/>
             <a:p>
-              <a:pPr algn="l" marL="0" indent="0" lvl="0">
+              <a:pPr marL="0" lvl="0" indent="0" algn="l">
                 <a:lnSpc>
                   <a:spcPts val="8799"/>
                 </a:lnSpc>
@@ -8162,12 +8318,12 @@
         </p:sp>
         <p:sp>
           <p:nvSpPr>
-            <p:cNvPr name="TextBox 5" id="5"/>
-            <p:cNvSpPr txBox="true"/>
+            <p:cNvPr id="5" name="TextBox 5"/>
+            <p:cNvSpPr txBox="1"/>
             <p:nvPr/>
           </p:nvSpPr>
           <p:spPr>
-            <a:xfrm rot="0">
+            <a:xfrm>
               <a:off x="0" y="2130537"/>
               <a:ext cx="18770600" cy="619125"/>
             </a:xfrm>
@@ -8176,12 +8332,12 @@
             </a:prstGeom>
           </p:spPr>
           <p:txBody>
-            <a:bodyPr anchor="t" rtlCol="false" tIns="0" lIns="0" bIns="0" rIns="0">
+            <a:bodyPr lIns="0" tIns="0" rIns="0" bIns="0" rtlCol="0" anchor="t">
               <a:spAutoFit/>
             </a:bodyPr>
             <a:lstStyle/>
             <a:p>
-              <a:pPr algn="l" marL="0" indent="0" lvl="0">
+              <a:pPr marL="0" lvl="0" indent="0" algn="l">
                 <a:lnSpc>
                   <a:spcPts val="3600"/>
                 </a:lnSpc>
@@ -8190,7 +8346,7 @@
                 </a:spcBef>
               </a:pPr>
               <a:r>
-                <a:rPr lang="en-US" b="true" sz="3000">
+                <a:rPr lang="en-US" sz="3000" b="1">
                   <a:solidFill>
                     <a:srgbClr val="406080"/>
                   </a:solidFill>
@@ -8207,12 +8363,12 @@
       </p:grpSp>
       <p:grpSp>
         <p:nvGrpSpPr>
-          <p:cNvPr name="Group 6" id="6"/>
+          <p:cNvPr id="6" name="Group 6"/>
           <p:cNvGrpSpPr/>
           <p:nvPr/>
         </p:nvGrpSpPr>
         <p:grpSpPr>
-          <a:xfrm rot="0">
+          <a:xfrm>
             <a:off x="666750" y="5143500"/>
             <a:ext cx="5448300" cy="3772376"/>
             <a:chOff x="0" y="0"/>
@@ -8221,12 +8377,12 @@
         </p:grpSpPr>
         <p:sp>
           <p:nvSpPr>
-            <p:cNvPr name="TextBox 7" id="7"/>
-            <p:cNvSpPr txBox="true"/>
+            <p:cNvPr id="7" name="TextBox 7"/>
+            <p:cNvSpPr txBox="1"/>
             <p:nvPr/>
           </p:nvSpPr>
           <p:spPr>
-            <a:xfrm rot="0">
+            <a:xfrm>
               <a:off x="0" y="-9525"/>
               <a:ext cx="7264400" cy="619125"/>
             </a:xfrm>
@@ -8235,12 +8391,12 @@
             </a:prstGeom>
           </p:spPr>
           <p:txBody>
-            <a:bodyPr anchor="t" rtlCol="false" tIns="0" lIns="0" bIns="0" rIns="0">
+            <a:bodyPr lIns="0" tIns="0" rIns="0" bIns="0" rtlCol="0" anchor="t">
               <a:spAutoFit/>
             </a:bodyPr>
             <a:lstStyle/>
             <a:p>
-              <a:pPr algn="l" marL="0" indent="0" lvl="0">
+              <a:pPr marL="0" lvl="0" indent="0" algn="l">
                 <a:lnSpc>
                   <a:spcPts val="3600"/>
                 </a:lnSpc>
@@ -8249,7 +8405,7 @@
                 </a:spcBef>
               </a:pPr>
               <a:r>
-                <a:rPr lang="en-US" b="true" sz="3000">
+                <a:rPr lang="en-US" sz="3000" b="1">
                   <a:solidFill>
                     <a:srgbClr val="406080"/>
                   </a:solidFill>
@@ -8265,12 +8421,12 @@
         </p:sp>
         <p:sp>
           <p:nvSpPr>
-            <p:cNvPr name="TextBox 8" id="8"/>
-            <p:cNvSpPr txBox="true"/>
+            <p:cNvPr id="8" name="TextBox 8"/>
+            <p:cNvSpPr txBox="1"/>
             <p:nvPr/>
           </p:nvSpPr>
           <p:spPr>
-            <a:xfrm rot="0">
+            <a:xfrm>
               <a:off x="0" y="1155700"/>
               <a:ext cx="7264400" cy="3874135"/>
             </a:xfrm>
@@ -8279,18 +8435,18 @@
             </a:prstGeom>
           </p:spPr>
           <p:txBody>
-            <a:bodyPr anchor="t" rtlCol="false" tIns="0" lIns="0" bIns="0" rIns="0">
+            <a:bodyPr lIns="0" tIns="0" rIns="0" bIns="0" rtlCol="0" anchor="t">
               <a:spAutoFit/>
             </a:bodyPr>
             <a:lstStyle/>
             <a:p>
-              <a:pPr algn="l" marL="0" indent="0" lvl="0">
+              <a:pPr marL="0" lvl="0" indent="0" algn="l">
                 <a:lnSpc>
                   <a:spcPts val="3851"/>
                 </a:lnSpc>
               </a:pPr>
               <a:r>
-                <a:rPr lang="en-US" sz="2962" strike="noStrike" u="none">
+                <a:rPr lang="en-US" sz="2962" u="none" strike="noStrike">
                   <a:solidFill>
                     <a:srgbClr val="406080"/>
                   </a:solidFill>
@@ -8302,7 +8458,7 @@
                 <a:t>The RNN model utilizes </a:t>
               </a:r>
               <a:r>
-                <a:rPr lang="en-US" b="true" sz="2962" strike="noStrike" u="none">
+                <a:rPr lang="en-US" sz="2962" b="1" u="none" strike="noStrike">
                   <a:solidFill>
                     <a:srgbClr val="406080"/>
                   </a:solidFill>
@@ -8314,7 +8470,7 @@
                 <a:t>2×BiGRU</a:t>
               </a:r>
               <a:r>
-                <a:rPr lang="en-US" sz="2962" strike="noStrike" u="none">
+                <a:rPr lang="en-US" sz="2962" u="none" strike="noStrike">
                   <a:solidFill>
                     <a:srgbClr val="406080"/>
                   </a:solidFill>
@@ -8331,12 +8487,12 @@
       </p:grpSp>
       <p:grpSp>
         <p:nvGrpSpPr>
-          <p:cNvPr name="Group 9" id="9"/>
+          <p:cNvPr id="9" name="Group 9"/>
           <p:cNvGrpSpPr/>
           <p:nvPr/>
         </p:nvGrpSpPr>
         <p:grpSpPr>
-          <a:xfrm rot="0">
+          <a:xfrm>
             <a:off x="6419850" y="5143500"/>
             <a:ext cx="5448300" cy="3772376"/>
             <a:chOff x="0" y="0"/>
@@ -8345,12 +8501,12 @@
         </p:grpSpPr>
         <p:sp>
           <p:nvSpPr>
-            <p:cNvPr name="TextBox 10" id="10"/>
-            <p:cNvSpPr txBox="true"/>
+            <p:cNvPr id="10" name="TextBox 10"/>
+            <p:cNvSpPr txBox="1"/>
             <p:nvPr/>
           </p:nvSpPr>
           <p:spPr>
-            <a:xfrm rot="0">
+            <a:xfrm>
               <a:off x="0" y="-9525"/>
               <a:ext cx="7264400" cy="619125"/>
             </a:xfrm>
@@ -8359,12 +8515,12 @@
             </a:prstGeom>
           </p:spPr>
           <p:txBody>
-            <a:bodyPr anchor="t" rtlCol="false" tIns="0" lIns="0" bIns="0" rIns="0">
+            <a:bodyPr lIns="0" tIns="0" rIns="0" bIns="0" rtlCol="0" anchor="t">
               <a:spAutoFit/>
             </a:bodyPr>
             <a:lstStyle/>
             <a:p>
-              <a:pPr algn="l" marL="0" indent="0" lvl="0">
+              <a:pPr marL="0" lvl="0" indent="0" algn="l">
                 <a:lnSpc>
                   <a:spcPts val="3600"/>
                 </a:lnSpc>
@@ -8373,7 +8529,7 @@
                 </a:spcBef>
               </a:pPr>
               <a:r>
-                <a:rPr lang="en-US" b="true" sz="3000" strike="noStrike" u="none">
+                <a:rPr lang="en-US" sz="3000" b="1" u="none" strike="noStrike">
                   <a:solidFill>
                     <a:srgbClr val="406080"/>
                   </a:solidFill>
@@ -8389,12 +8545,12 @@
         </p:sp>
         <p:sp>
           <p:nvSpPr>
-            <p:cNvPr name="TextBox 11" id="11"/>
-            <p:cNvSpPr txBox="true"/>
+            <p:cNvPr id="11" name="TextBox 11"/>
+            <p:cNvSpPr txBox="1"/>
             <p:nvPr/>
           </p:nvSpPr>
           <p:spPr>
-            <a:xfrm rot="0">
+            <a:xfrm>
               <a:off x="0" y="1155700"/>
               <a:ext cx="7264400" cy="3874135"/>
             </a:xfrm>
@@ -8403,18 +8559,18 @@
             </a:prstGeom>
           </p:spPr>
           <p:txBody>
-            <a:bodyPr anchor="t" rtlCol="false" tIns="0" lIns="0" bIns="0" rIns="0">
+            <a:bodyPr lIns="0" tIns="0" rIns="0" bIns="0" rtlCol="0" anchor="t">
               <a:spAutoFit/>
             </a:bodyPr>
             <a:lstStyle/>
             <a:p>
-              <a:pPr algn="l" marL="0" indent="0" lvl="0">
+              <a:pPr marL="0" lvl="0" indent="0" algn="l">
                 <a:lnSpc>
                   <a:spcPts val="3851"/>
                 </a:lnSpc>
               </a:pPr>
               <a:r>
-                <a:rPr lang="en-US" sz="2962" strike="noStrike" u="none">
+                <a:rPr lang="en-US" sz="2962" u="none" strike="noStrike">
                   <a:solidFill>
                     <a:srgbClr val="406080"/>
                   </a:solidFill>
@@ -8426,7 +8582,7 @@
                 <a:t>The Wav2Vec2 model is applied in a </a:t>
               </a:r>
               <a:r>
-                <a:rPr lang="en-US" b="true" sz="2962" strike="noStrike" u="none">
+                <a:rPr lang="en-US" sz="2962" b="1" u="none" strike="noStrike">
                   <a:solidFill>
                     <a:srgbClr val="406080"/>
                   </a:solidFill>
@@ -8438,7 +8594,7 @@
                 <a:t>frozen + head</a:t>
               </a:r>
               <a:r>
-                <a:rPr lang="en-US" sz="2962" strike="noStrike" u="none">
+                <a:rPr lang="en-US" sz="2962" u="none" strike="noStrike">
                   <a:solidFill>
                     <a:srgbClr val="406080"/>
                   </a:solidFill>
@@ -8455,12 +8611,12 @@
       </p:grpSp>
       <p:grpSp>
         <p:nvGrpSpPr>
-          <p:cNvPr name="Group 12" id="12"/>
+          <p:cNvPr id="12" name="Group 12"/>
           <p:cNvGrpSpPr/>
           <p:nvPr/>
         </p:nvGrpSpPr>
         <p:grpSpPr>
-          <a:xfrm rot="0">
+          <a:xfrm>
             <a:off x="12172950" y="5143500"/>
             <a:ext cx="5448300" cy="3772376"/>
             <a:chOff x="0" y="0"/>
@@ -8469,12 +8625,12 @@
         </p:grpSpPr>
         <p:sp>
           <p:nvSpPr>
-            <p:cNvPr name="TextBox 13" id="13"/>
-            <p:cNvSpPr txBox="true"/>
+            <p:cNvPr id="13" name="TextBox 13"/>
+            <p:cNvSpPr txBox="1"/>
             <p:nvPr/>
           </p:nvSpPr>
           <p:spPr>
-            <a:xfrm rot="0">
+            <a:xfrm>
               <a:off x="0" y="-9525"/>
               <a:ext cx="7264400" cy="619125"/>
             </a:xfrm>
@@ -8483,12 +8639,12 @@
             </a:prstGeom>
           </p:spPr>
           <p:txBody>
-            <a:bodyPr anchor="t" rtlCol="false" tIns="0" lIns="0" bIns="0" rIns="0">
+            <a:bodyPr lIns="0" tIns="0" rIns="0" bIns="0" rtlCol="0" anchor="t">
               <a:spAutoFit/>
             </a:bodyPr>
             <a:lstStyle/>
             <a:p>
-              <a:pPr algn="l" marL="0" indent="0" lvl="0">
+              <a:pPr marL="0" lvl="0" indent="0" algn="l">
                 <a:lnSpc>
                   <a:spcPts val="3600"/>
                 </a:lnSpc>
@@ -8497,7 +8653,7 @@
                 </a:spcBef>
               </a:pPr>
               <a:r>
-                <a:rPr lang="en-US" b="true" sz="3000" strike="noStrike" u="none">
+                <a:rPr lang="en-US" sz="3000" b="1" u="none" strike="noStrike">
                   <a:solidFill>
                     <a:srgbClr val="406080"/>
                   </a:solidFill>
@@ -8513,12 +8669,12 @@
         </p:sp>
         <p:sp>
           <p:nvSpPr>
-            <p:cNvPr name="TextBox 14" id="14"/>
-            <p:cNvSpPr txBox="true"/>
+            <p:cNvPr id="14" name="TextBox 14"/>
+            <p:cNvSpPr txBox="1"/>
             <p:nvPr/>
           </p:nvSpPr>
           <p:spPr>
-            <a:xfrm rot="0">
+            <a:xfrm>
               <a:off x="0" y="1155700"/>
               <a:ext cx="7264400" cy="3874135"/>
             </a:xfrm>
@@ -8527,18 +8683,18 @@
             </a:prstGeom>
           </p:spPr>
           <p:txBody>
-            <a:bodyPr anchor="t" rtlCol="false" tIns="0" lIns="0" bIns="0" rIns="0">
+            <a:bodyPr lIns="0" tIns="0" rIns="0" bIns="0" rtlCol="0" anchor="t">
               <a:spAutoFit/>
             </a:bodyPr>
             <a:lstStyle/>
             <a:p>
-              <a:pPr algn="l" marL="0" indent="0" lvl="0">
+              <a:pPr marL="0" lvl="0" indent="0" algn="l">
                 <a:lnSpc>
                   <a:spcPts val="3851"/>
                 </a:lnSpc>
               </a:pPr>
               <a:r>
-                <a:rPr lang="en-US" sz="2962" strike="noStrike" u="none">
+                <a:rPr lang="en-US" sz="2962" u="none" strike="noStrike">
                   <a:solidFill>
                     <a:srgbClr val="406080"/>
                   </a:solidFill>
@@ -8550,7 +8706,7 @@
                 <a:t>The AST model explores </a:t>
               </a:r>
               <a:r>
-                <a:rPr lang="en-US" b="true" sz="2962" strike="noStrike" u="none">
+                <a:rPr lang="en-US" sz="2962" b="1" u="none" strike="noStrike">
                   <a:solidFill>
                     <a:srgbClr val="406080"/>
                   </a:solidFill>
@@ -8562,7 +8718,7 @@
                 <a:t>head-only vs partial fine-tuning</a:t>
               </a:r>
               <a:r>
-                <a:rPr lang="en-US" sz="2962" strike="noStrike" u="none">
+                <a:rPr lang="en-US" sz="2962" u="none" strike="noStrike">
                   <a:solidFill>
                     <a:srgbClr val="406080"/>
                   </a:solidFill>
@@ -8586,13 +8742,14 @@
 </file>
 
 <file path=ppt/slides/slide8.xml><?xml version="1.0" encoding="utf-8"?>
-<p:sld xmlns:p="http://schemas.openxmlformats.org/presentationml/2006/main" xmlns:a="http://schemas.openxmlformats.org/drawingml/2006/main" xmlns:r="http://schemas.openxmlformats.org/officeDocument/2006/relationships">
+<p:sld xmlns:a="http://schemas.openxmlformats.org/drawingml/2006/main" xmlns:r="http://schemas.openxmlformats.org/officeDocument/2006/relationships" xmlns:p="http://schemas.openxmlformats.org/presentationml/2006/main">
   <p:cSld>
     <p:bg>
       <p:bgPr>
         <a:solidFill>
           <a:srgbClr val="F7F9FC"/>
         </a:solidFill>
+        <a:effectLst/>
       </p:bgPr>
     </p:bg>
     <p:spTree>
@@ -8611,12 +8768,12 @@
       </p:grpSpPr>
       <p:grpSp>
         <p:nvGrpSpPr>
-          <p:cNvPr name="Group 2" id="2"/>
+          <p:cNvPr id="2" name="Group 2"/>
           <p:cNvGrpSpPr/>
           <p:nvPr/>
         </p:nvGrpSpPr>
         <p:grpSpPr>
-          <a:xfrm rot="0">
+          <a:xfrm>
             <a:off x="2105025" y="3002297"/>
             <a:ext cx="12639675" cy="3914808"/>
             <a:chOff x="0" y="0"/>
@@ -8625,12 +8782,12 @@
         </p:grpSpPr>
         <p:sp>
           <p:nvSpPr>
-            <p:cNvPr name="TextBox 3" id="3"/>
-            <p:cNvSpPr txBox="true"/>
+            <p:cNvPr id="3" name="TextBox 3"/>
+            <p:cNvSpPr txBox="1"/>
             <p:nvPr/>
           </p:nvSpPr>
           <p:spPr>
-            <a:xfrm rot="0">
+            <a:xfrm>
               <a:off x="0" y="171450"/>
               <a:ext cx="16852900" cy="1612476"/>
             </a:xfrm>
@@ -8639,12 +8796,12 @@
             </a:prstGeom>
           </p:spPr>
           <p:txBody>
-            <a:bodyPr anchor="t" rtlCol="false" tIns="0" lIns="0" bIns="0" rIns="0">
+            <a:bodyPr lIns="0" tIns="0" rIns="0" bIns="0" rtlCol="0" anchor="t">
               <a:spAutoFit/>
             </a:bodyPr>
             <a:lstStyle/>
             <a:p>
-              <a:pPr algn="l" marL="0" indent="0" lvl="0">
+              <a:pPr marL="0" lvl="0" indent="0" algn="l">
                 <a:lnSpc>
                   <a:spcPts val="8799"/>
                 </a:lnSpc>
@@ -8666,12 +8823,12 @@
         </p:sp>
         <p:sp>
           <p:nvSpPr>
-            <p:cNvPr name="TextBox 4" id="4"/>
-            <p:cNvSpPr txBox="true"/>
+            <p:cNvPr id="4" name="TextBox 4"/>
+            <p:cNvSpPr txBox="1"/>
             <p:nvPr/>
           </p:nvSpPr>
           <p:spPr>
-            <a:xfrm rot="0">
+            <a:xfrm>
               <a:off x="0" y="3251244"/>
               <a:ext cx="16852900" cy="1968500"/>
             </a:xfrm>
@@ -8680,12 +8837,12 @@
             </a:prstGeom>
           </p:spPr>
           <p:txBody>
-            <a:bodyPr anchor="t" rtlCol="false" tIns="0" lIns="0" bIns="0" rIns="0">
+            <a:bodyPr lIns="0" tIns="0" rIns="0" bIns="0" rtlCol="0" anchor="t">
               <a:spAutoFit/>
             </a:bodyPr>
             <a:lstStyle/>
             <a:p>
-              <a:pPr algn="l" marL="0" indent="0" lvl="0">
+              <a:pPr marL="0" lvl="0" indent="0" algn="l">
                 <a:lnSpc>
                   <a:spcPts val="3900"/>
                 </a:lnSpc>
@@ -8707,12 +8864,12 @@
         </p:sp>
         <p:sp>
           <p:nvSpPr>
-            <p:cNvPr name="TextBox 5" id="5"/>
-            <p:cNvSpPr txBox="true"/>
+            <p:cNvPr id="5" name="TextBox 5"/>
+            <p:cNvSpPr txBox="1"/>
             <p:nvPr/>
           </p:nvSpPr>
           <p:spPr>
-            <a:xfrm rot="0">
+            <a:xfrm>
               <a:off x="0" y="2086063"/>
               <a:ext cx="16852900" cy="619125"/>
             </a:xfrm>
@@ -8721,18 +8878,18 @@
             </a:prstGeom>
           </p:spPr>
           <p:txBody>
-            <a:bodyPr anchor="t" rtlCol="false" tIns="0" lIns="0" bIns="0" rIns="0">
+            <a:bodyPr lIns="0" tIns="0" rIns="0" bIns="0" rtlCol="0" anchor="t">
               <a:spAutoFit/>
             </a:bodyPr>
             <a:lstStyle/>
             <a:p>
-              <a:pPr algn="l" marL="0" indent="0" lvl="0">
+              <a:pPr marL="0" lvl="0" indent="0" algn="l">
                 <a:lnSpc>
                   <a:spcPts val="3600"/>
                 </a:lnSpc>
               </a:pPr>
               <a:r>
-                <a:rPr lang="en-US" b="true" sz="3000">
+                <a:rPr lang="en-US" sz="3000" b="1">
                   <a:solidFill>
                     <a:srgbClr val="406080"/>
                   </a:solidFill>
@@ -8749,12 +8906,12 @@
       </p:grpSp>
       <p:sp>
         <p:nvSpPr>
-          <p:cNvPr name="Freeform 6" id="6"/>
+          <p:cNvPr id="6" name="Freeform 6"/>
           <p:cNvSpPr/>
           <p:nvPr/>
         </p:nvSpPr>
         <p:spPr>
-          <a:xfrm flipH="false" flipV="false" rot="-1268288">
+          <a:xfrm rot="-1268288">
             <a:off x="14795639" y="5873497"/>
             <a:ext cx="10936025" cy="10299747"/>
           </a:xfrm>
@@ -8763,9 +8920,9 @@
             <a:gdLst/>
             <a:ahLst/>
             <a:cxnLst/>
-            <a:rect r="r" b="b" t="t" l="l"/>
+            <a:rect l="l" t="t" r="r" b="b"/>
             <a:pathLst>
-              <a:path h="10299747" w="10936025">
+              <a:path w="10936025" h="10299747">
                 <a:moveTo>
                   <a:pt x="0" y="0"/>
                 </a:moveTo>
@@ -8794,7 +8951,7 @@
               </a:extLst>
             </a:blip>
             <a:stretch>
-              <a:fillRect l="0" t="0" r="0" b="0"/>
+              <a:fillRect/>
             </a:stretch>
           </a:blipFill>
           <a:ln cap="sq">
@@ -8803,6 +8960,13 @@
             <a:miter/>
           </a:ln>
         </p:spPr>
+        <p:txBody>
+          <a:bodyPr/>
+          <a:lstStyle/>
+          <a:p>
+            <a:endParaRPr lang="en-ID"/>
+          </a:p>
+        </p:txBody>
       </p:sp>
     </p:spTree>
   </p:cSld>
@@ -8813,13 +8977,14 @@
 </file>
 
 <file path=ppt/slides/slide9.xml><?xml version="1.0" encoding="utf-8"?>
-<p:sld xmlns:p="http://schemas.openxmlformats.org/presentationml/2006/main" xmlns:a="http://schemas.openxmlformats.org/drawingml/2006/main">
+<p:sld xmlns:a="http://schemas.openxmlformats.org/drawingml/2006/main" xmlns:r="http://schemas.openxmlformats.org/officeDocument/2006/relationships" xmlns:p="http://schemas.openxmlformats.org/presentationml/2006/main">
   <p:cSld>
     <p:bg>
       <p:bgPr>
         <a:solidFill>
           <a:srgbClr val="F7F9FC"/>
         </a:solidFill>
+        <a:effectLst/>
       </p:bgPr>
     </p:bg>
     <p:spTree>
@@ -8838,30 +9003,54 @@
       </p:grpSpPr>
       <p:graphicFrame>
         <p:nvGraphicFramePr>
-          <p:cNvPr name="Table 2" id="2"/>
+          <p:cNvPr id="2" name="Table 2"/>
           <p:cNvGraphicFramePr>
-            <a:graphicFrameLocks noGrp="true"/>
+            <a:graphicFrameLocks noGrp="1"/>
           </p:cNvGraphicFramePr>
           <p:nvPr/>
         </p:nvGraphicFramePr>
         <p:xfrm>
           <a:off x="1876342" y="3816002"/>
-          <a:ext cx="14535316" cy="5612542"/>
+          <a:ext cx="14535316" cy="5612541"/>
         </p:xfrm>
         <a:graphic>
           <a:graphicData uri="http://schemas.openxmlformats.org/drawingml/2006/table">
             <a:tbl>
               <a:tblPr/>
               <a:tblGrid>
-                <a:gridCol w="3633829"/>
-                <a:gridCol w="3633829"/>
-                <a:gridCol w="3633829"/>
-                <a:gridCol w="3633829"/>
+                <a:gridCol w="3633829">
+                  <a:extLst>
+                    <a:ext uri="{9D8B030D-6E8A-4147-A177-3AD203B41FA5}">
+                      <a16:colId xmlns:a16="http://schemas.microsoft.com/office/drawing/2014/main" val="20000"/>
+                    </a:ext>
+                  </a:extLst>
+                </a:gridCol>
+                <a:gridCol w="3633829">
+                  <a:extLst>
+                    <a:ext uri="{9D8B030D-6E8A-4147-A177-3AD203B41FA5}">
+                      <a16:colId xmlns:a16="http://schemas.microsoft.com/office/drawing/2014/main" val="20001"/>
+                    </a:ext>
+                  </a:extLst>
+                </a:gridCol>
+                <a:gridCol w="3633829">
+                  <a:extLst>
+                    <a:ext uri="{9D8B030D-6E8A-4147-A177-3AD203B41FA5}">
+                      <a16:colId xmlns:a16="http://schemas.microsoft.com/office/drawing/2014/main" val="20002"/>
+                    </a:ext>
+                  </a:extLst>
+                </a:gridCol>
+                <a:gridCol w="3633829">
+                  <a:extLst>
+                    <a:ext uri="{9D8B030D-6E8A-4147-A177-3AD203B41FA5}">
+                      <a16:colId xmlns:a16="http://schemas.microsoft.com/office/drawing/2014/main" val="20003"/>
+                    </a:ext>
+                  </a:extLst>
+                </a:gridCol>
               </a:tblGrid>
               <a:tr h="1179582">
                 <a:tc>
                   <a:txBody>
-                    <a:bodyPr anchor="t" rtlCol="false"/>
+                    <a:bodyPr/>
                     <a:lstStyle/>
                     <a:p>
                       <a:pPr algn="ctr">
@@ -8871,7 +9060,7 @@
                         <a:defRPr/>
                       </a:pPr>
                       <a:r>
-                        <a:rPr lang="en-US" b="true" sz="3726">
+                        <a:rPr lang="en-US" sz="3726" b="1">
                           <a:solidFill>
                             <a:srgbClr val="CCCCCC"/>
                           </a:solidFill>
@@ -8886,7 +9075,7 @@
                     </a:p>
                   </a:txBody>
                   <a:tcPr marL="190500" marR="190500" marT="190500" marB="190500" anchor="ctr">
-                    <a:lnL cmpd="sng" algn="ctr" cap="flat" w="38100">
+                    <a:lnL w="38100" cap="flat" cmpd="sng" algn="ctr">
                       <a:solidFill>
                         <a:srgbClr val="000000"/>
                       </a:solidFill>
@@ -8895,7 +9084,7 @@
                       <a:headEnd type="none" w="med" len="med"/>
                       <a:tailEnd type="none" w="med" len="med"/>
                     </a:lnL>
-                    <a:lnR cmpd="sng" algn="ctr" cap="flat" w="38100">
+                    <a:lnR w="38100" cap="flat" cmpd="sng" algn="ctr">
                       <a:solidFill>
                         <a:srgbClr val="000000"/>
                       </a:solidFill>
@@ -8904,7 +9093,7 @@
                       <a:headEnd type="none" w="med" len="med"/>
                       <a:tailEnd type="none" w="med" len="med"/>
                     </a:lnR>
-                    <a:lnT cmpd="sng" algn="ctr" cap="flat" w="38100">
+                    <a:lnT w="38100" cap="flat" cmpd="sng" algn="ctr">
                       <a:solidFill>
                         <a:srgbClr val="000000"/>
                       </a:solidFill>
@@ -8913,7 +9102,7 @@
                       <a:headEnd type="none" w="med" len="med"/>
                       <a:tailEnd type="none" w="med" len="med"/>
                     </a:lnT>
-                    <a:lnB cmpd="sng" algn="ctr" cap="flat" w="38100">
+                    <a:lnB w="38100" cap="flat" cmpd="sng" algn="ctr">
                       <a:solidFill>
                         <a:srgbClr val="000000"/>
                       </a:solidFill>
@@ -8929,7 +9118,7 @@
                 </a:tc>
                 <a:tc>
                   <a:txBody>
-                    <a:bodyPr anchor="t" rtlCol="false"/>
+                    <a:bodyPr/>
                     <a:lstStyle/>
                     <a:p>
                       <a:pPr algn="ctr">
@@ -8939,7 +9128,7 @@
                         <a:defRPr/>
                       </a:pPr>
                       <a:r>
-                        <a:rPr lang="en-US" b="true" sz="3726">
+                        <a:rPr lang="en-US" sz="3726" b="1">
                           <a:solidFill>
                             <a:srgbClr val="CCCCCC"/>
                           </a:solidFill>
@@ -8954,7 +9143,7 @@
                     </a:p>
                   </a:txBody>
                   <a:tcPr marL="190500" marR="190500" marT="190500" marB="190500" anchor="ctr">
-                    <a:lnL cmpd="sng" algn="ctr" cap="flat" w="38100">
+                    <a:lnL w="38100" cap="flat" cmpd="sng" algn="ctr">
                       <a:solidFill>
                         <a:srgbClr val="000000"/>
                       </a:solidFill>
@@ -8963,7 +9152,7 @@
                       <a:headEnd type="none" w="med" len="med"/>
                       <a:tailEnd type="none" w="med" len="med"/>
                     </a:lnL>
-                    <a:lnR cmpd="sng" algn="ctr" cap="flat" w="38100">
+                    <a:lnR w="38100" cap="flat" cmpd="sng" algn="ctr">
                       <a:solidFill>
                         <a:srgbClr val="000000"/>
                       </a:solidFill>
@@ -8972,7 +9161,7 @@
                       <a:headEnd type="none" w="med" len="med"/>
                       <a:tailEnd type="none" w="med" len="med"/>
                     </a:lnR>
-                    <a:lnT cmpd="sng" algn="ctr" cap="flat" w="38100">
+                    <a:lnT w="38100" cap="flat" cmpd="sng" algn="ctr">
                       <a:solidFill>
                         <a:srgbClr val="000000"/>
                       </a:solidFill>
@@ -8981,7 +9170,7 @@
                       <a:headEnd type="none" w="med" len="med"/>
                       <a:tailEnd type="none" w="med" len="med"/>
                     </a:lnT>
-                    <a:lnB cmpd="sng" algn="ctr" cap="flat" w="38100">
+                    <a:lnB w="38100" cap="flat" cmpd="sng" algn="ctr">
                       <a:solidFill>
                         <a:srgbClr val="000000"/>
                       </a:solidFill>
@@ -8997,7 +9186,7 @@
                 </a:tc>
                 <a:tc>
                   <a:txBody>
-                    <a:bodyPr anchor="t" rtlCol="false"/>
+                    <a:bodyPr/>
                     <a:lstStyle/>
                     <a:p>
                       <a:pPr algn="ctr">
@@ -9007,7 +9196,7 @@
                         <a:defRPr/>
                       </a:pPr>
                       <a:r>
-                        <a:rPr lang="en-US" b="true" sz="3726">
+                        <a:rPr lang="en-US" sz="3726" b="1">
                           <a:solidFill>
                             <a:srgbClr val="CCCCCC"/>
                           </a:solidFill>
@@ -9022,7 +9211,7 @@
                     </a:p>
                   </a:txBody>
                   <a:tcPr marL="190500" marR="190500" marT="190500" marB="190500" anchor="ctr">
-                    <a:lnL cmpd="sng" algn="ctr" cap="flat" w="38100">
+                    <a:lnL w="38100" cap="flat" cmpd="sng" algn="ctr">
                       <a:solidFill>
                         <a:srgbClr val="000000"/>
                       </a:solidFill>
@@ -9031,7 +9220,7 @@
                       <a:headEnd type="none" w="med" len="med"/>
                       <a:tailEnd type="none" w="med" len="med"/>
                     </a:lnL>
-                    <a:lnR cmpd="sng" algn="ctr" cap="flat" w="38100">
+                    <a:lnR w="38100" cap="flat" cmpd="sng" algn="ctr">
                       <a:solidFill>
                         <a:srgbClr val="000000"/>
                       </a:solidFill>
@@ -9040,7 +9229,7 @@
                       <a:headEnd type="none" w="med" len="med"/>
                       <a:tailEnd type="none" w="med" len="med"/>
                     </a:lnR>
-                    <a:lnT cmpd="sng" algn="ctr" cap="flat" w="38100">
+                    <a:lnT w="38100" cap="flat" cmpd="sng" algn="ctr">
                       <a:solidFill>
                         <a:srgbClr val="000000"/>
                       </a:solidFill>
@@ -9049,7 +9238,7 @@
                       <a:headEnd type="none" w="med" len="med"/>
                       <a:tailEnd type="none" w="med" len="med"/>
                     </a:lnT>
-                    <a:lnB cmpd="sng" algn="ctr" cap="flat" w="38100">
+                    <a:lnB w="38100" cap="flat" cmpd="sng" algn="ctr">
                       <a:solidFill>
                         <a:srgbClr val="000000"/>
                       </a:solidFill>
@@ -9065,7 +9254,7 @@
                 </a:tc>
                 <a:tc>
                   <a:txBody>
-                    <a:bodyPr anchor="t" rtlCol="false"/>
+                    <a:bodyPr/>
                     <a:lstStyle/>
                     <a:p>
                       <a:pPr algn="ctr">
@@ -9075,7 +9264,7 @@
                         <a:defRPr/>
                       </a:pPr>
                       <a:r>
-                        <a:rPr lang="en-US" b="true" sz="3726">
+                        <a:rPr lang="en-US" sz="3726" b="1">
                           <a:solidFill>
                             <a:srgbClr val="CCCCCC"/>
                           </a:solidFill>
@@ -9090,7 +9279,7 @@
                     </a:p>
                   </a:txBody>
                   <a:tcPr marL="190500" marR="190500" marT="190500" marB="190500" anchor="ctr">
-                    <a:lnL cmpd="sng" algn="ctr" cap="flat" w="38100">
+                    <a:lnL w="38100" cap="flat" cmpd="sng" algn="ctr">
                       <a:solidFill>
                         <a:srgbClr val="000000"/>
                       </a:solidFill>
@@ -9099,7 +9288,7 @@
                       <a:headEnd type="none" w="med" len="med"/>
                       <a:tailEnd type="none" w="med" len="med"/>
                     </a:lnL>
-                    <a:lnR cmpd="sng" algn="ctr" cap="flat" w="38100">
+                    <a:lnR w="38100" cap="flat" cmpd="sng" algn="ctr">
                       <a:solidFill>
                         <a:srgbClr val="000000"/>
                       </a:solidFill>
@@ -9108,7 +9297,7 @@
                       <a:headEnd type="none" w="med" len="med"/>
                       <a:tailEnd type="none" w="med" len="med"/>
                     </a:lnR>
-                    <a:lnT cmpd="sng" algn="ctr" cap="flat" w="38100">
+                    <a:lnT w="38100" cap="flat" cmpd="sng" algn="ctr">
                       <a:solidFill>
                         <a:srgbClr val="000000"/>
                       </a:solidFill>
@@ -9117,7 +9306,7 @@
                       <a:headEnd type="none" w="med" len="med"/>
                       <a:tailEnd type="none" w="med" len="med"/>
                     </a:lnT>
-                    <a:lnB cmpd="sng" algn="ctr" cap="flat" w="38100">
+                    <a:lnB w="38100" cap="flat" cmpd="sng" algn="ctr">
                       <a:solidFill>
                         <a:srgbClr val="000000"/>
                       </a:solidFill>
@@ -9131,11 +9320,16 @@
                     </a:solidFill>
                   </a:tcPr>
                 </a:tc>
+                <a:extLst>
+                  <a:ext uri="{0D108BD9-81ED-4DB2-BD59-A6C34878D82A}">
+                    <a16:rowId xmlns:a16="http://schemas.microsoft.com/office/drawing/2014/main" val="10000"/>
+                  </a:ext>
+                </a:extLst>
               </a:tr>
               <a:tr h="1453360">
                 <a:tc>
                   <a:txBody>
-                    <a:bodyPr anchor="t" rtlCol="false"/>
+                    <a:bodyPr/>
                     <a:lstStyle/>
                     <a:p>
                       <a:pPr algn="ctr">
@@ -9160,7 +9354,7 @@
                     </a:p>
                   </a:txBody>
                   <a:tcPr marL="190500" marR="190500" marT="190500" marB="190500" anchor="ctr">
-                    <a:lnL cmpd="sng" algn="ctr" cap="flat" w="38100">
+                    <a:lnL w="38100" cap="flat" cmpd="sng" algn="ctr">
                       <a:solidFill>
                         <a:srgbClr val="000000"/>
                       </a:solidFill>
@@ -9169,7 +9363,7 @@
                       <a:headEnd type="none" w="med" len="med"/>
                       <a:tailEnd type="none" w="med" len="med"/>
                     </a:lnL>
-                    <a:lnR cmpd="sng" algn="ctr" cap="flat" w="38100">
+                    <a:lnR w="38100" cap="flat" cmpd="sng" algn="ctr">
                       <a:solidFill>
                         <a:srgbClr val="000000"/>
                       </a:solidFill>
@@ -9178,7 +9372,7 @@
                       <a:headEnd type="none" w="med" len="med"/>
                       <a:tailEnd type="none" w="med" len="med"/>
                     </a:lnR>
-                    <a:lnT cmpd="sng" algn="ctr" cap="flat" w="38100">
+                    <a:lnT w="38100" cap="flat" cmpd="sng" algn="ctr">
                       <a:solidFill>
                         <a:srgbClr val="000000"/>
                       </a:solidFill>
@@ -9187,7 +9381,7 @@
                       <a:headEnd type="none" w="med" len="med"/>
                       <a:tailEnd type="none" w="med" len="med"/>
                     </a:lnT>
-                    <a:lnB cmpd="sng" algn="ctr" cap="flat" w="38100">
+                    <a:lnB w="38100" cap="flat" cmpd="sng" algn="ctr">
                       <a:solidFill>
                         <a:srgbClr val="000000"/>
                       </a:solidFill>
@@ -9200,7 +9394,7 @@
                 </a:tc>
                 <a:tc>
                   <a:txBody>
-                    <a:bodyPr anchor="t" rtlCol="false"/>
+                    <a:bodyPr/>
                     <a:lstStyle/>
                     <a:p>
                       <a:pPr algn="ctr">
@@ -9225,7 +9419,7 @@
                     </a:p>
                   </a:txBody>
                   <a:tcPr marL="190500" marR="190500" marT="190500" marB="190500" anchor="ctr">
-                    <a:lnL cmpd="sng" algn="ctr" cap="flat" w="38100">
+                    <a:lnL w="38100" cap="flat" cmpd="sng" algn="ctr">
                       <a:solidFill>
                         <a:srgbClr val="000000"/>
                       </a:solidFill>
@@ -9234,7 +9428,7 @@
                       <a:headEnd type="none" w="med" len="med"/>
                       <a:tailEnd type="none" w="med" len="med"/>
                     </a:lnL>
-                    <a:lnR cmpd="sng" algn="ctr" cap="flat" w="38100">
+                    <a:lnR w="38100" cap="flat" cmpd="sng" algn="ctr">
                       <a:solidFill>
                         <a:srgbClr val="000000"/>
                       </a:solidFill>
@@ -9243,7 +9437,7 @@
                       <a:headEnd type="none" w="med" len="med"/>
                       <a:tailEnd type="none" w="med" len="med"/>
                     </a:lnR>
-                    <a:lnT cmpd="sng" algn="ctr" cap="flat" w="38100">
+                    <a:lnT w="38100" cap="flat" cmpd="sng" algn="ctr">
                       <a:solidFill>
                         <a:srgbClr val="000000"/>
                       </a:solidFill>
@@ -9252,7 +9446,7 @@
                       <a:headEnd type="none" w="med" len="med"/>
                       <a:tailEnd type="none" w="med" len="med"/>
                     </a:lnT>
-                    <a:lnB cmpd="sng" algn="ctr" cap="flat" w="38100">
+                    <a:lnB w="38100" cap="flat" cmpd="sng" algn="ctr">
                       <a:solidFill>
                         <a:srgbClr val="000000"/>
                       </a:solidFill>
@@ -9265,7 +9459,7 @@
                 </a:tc>
                 <a:tc>
                   <a:txBody>
-                    <a:bodyPr anchor="t" rtlCol="false"/>
+                    <a:bodyPr/>
                     <a:lstStyle/>
                     <a:p>
                       <a:pPr algn="ctr">
@@ -9290,7 +9484,7 @@
                     </a:p>
                   </a:txBody>
                   <a:tcPr marL="190500" marR="190500" marT="190500" marB="190500" anchor="ctr">
-                    <a:lnL cmpd="sng" algn="ctr" cap="flat" w="38100">
+                    <a:lnL w="38100" cap="flat" cmpd="sng" algn="ctr">
                       <a:solidFill>
                         <a:srgbClr val="000000"/>
                       </a:solidFill>
@@ -9299,7 +9493,7 @@
                       <a:headEnd type="none" w="med" len="med"/>
                       <a:tailEnd type="none" w="med" len="med"/>
                     </a:lnL>
-                    <a:lnR cmpd="sng" algn="ctr" cap="flat" w="38100">
+                    <a:lnR w="38100" cap="flat" cmpd="sng" algn="ctr">
                       <a:solidFill>
                         <a:srgbClr val="000000"/>
                       </a:solidFill>
@@ -9308,7 +9502,7 @@
                       <a:headEnd type="none" w="med" len="med"/>
                       <a:tailEnd type="none" w="med" len="med"/>
                     </a:lnR>
-                    <a:lnT cmpd="sng" algn="ctr" cap="flat" w="38100">
+                    <a:lnT w="38100" cap="flat" cmpd="sng" algn="ctr">
                       <a:solidFill>
                         <a:srgbClr val="000000"/>
                       </a:solidFill>
@@ -9317,7 +9511,7 @@
                       <a:headEnd type="none" w="med" len="med"/>
                       <a:tailEnd type="none" w="med" len="med"/>
                     </a:lnT>
-                    <a:lnB cmpd="sng" algn="ctr" cap="flat" w="38100">
+                    <a:lnB w="38100" cap="flat" cmpd="sng" algn="ctr">
                       <a:solidFill>
                         <a:srgbClr val="000000"/>
                       </a:solidFill>
@@ -9330,7 +9524,7 @@
                 </a:tc>
                 <a:tc>
                   <a:txBody>
-                    <a:bodyPr anchor="t" rtlCol="false"/>
+                    <a:bodyPr/>
                     <a:lstStyle/>
                     <a:p>
                       <a:pPr algn="ctr">
@@ -9355,7 +9549,7 @@
                     </a:p>
                   </a:txBody>
                   <a:tcPr marL="190500" marR="190500" marT="190500" marB="190500" anchor="ctr">
-                    <a:lnL cmpd="sng" algn="ctr" cap="flat" w="38100">
+                    <a:lnL w="38100" cap="flat" cmpd="sng" algn="ctr">
                       <a:solidFill>
                         <a:srgbClr val="000000"/>
                       </a:solidFill>
@@ -9364,7 +9558,7 @@
                       <a:headEnd type="none" w="med" len="med"/>
                       <a:tailEnd type="none" w="med" len="med"/>
                     </a:lnL>
-                    <a:lnR cmpd="sng" algn="ctr" cap="flat" w="38100">
+                    <a:lnR w="38100" cap="flat" cmpd="sng" algn="ctr">
                       <a:solidFill>
                         <a:srgbClr val="000000"/>
                       </a:solidFill>
@@ -9373,7 +9567,7 @@
                       <a:headEnd type="none" w="med" len="med"/>
                       <a:tailEnd type="none" w="med" len="med"/>
                     </a:lnR>
-                    <a:lnT cmpd="sng" algn="ctr" cap="flat" w="38100">
+                    <a:lnT w="38100" cap="flat" cmpd="sng" algn="ctr">
                       <a:solidFill>
                         <a:srgbClr val="000000"/>
                       </a:solidFill>
@@ -9382,7 +9576,7 @@
                       <a:headEnd type="none" w="med" len="med"/>
                       <a:tailEnd type="none" w="med" len="med"/>
                     </a:lnT>
-                    <a:lnB cmpd="sng" algn="ctr" cap="flat" w="38100">
+                    <a:lnB w="38100" cap="flat" cmpd="sng" algn="ctr">
                       <a:solidFill>
                         <a:srgbClr val="000000"/>
                       </a:solidFill>
@@ -9393,11 +9587,16 @@
                     </a:lnB>
                   </a:tcPr>
                 </a:tc>
+                <a:extLst>
+                  <a:ext uri="{0D108BD9-81ED-4DB2-BD59-A6C34878D82A}">
+                    <a16:rowId xmlns:a16="http://schemas.microsoft.com/office/drawing/2014/main" val="10001"/>
+                  </a:ext>
+                </a:extLst>
               </a:tr>
               <a:tr h="834339">
                 <a:tc>
                   <a:txBody>
-                    <a:bodyPr anchor="t" rtlCol="false"/>
+                    <a:bodyPr/>
                     <a:lstStyle/>
                     <a:p>
                       <a:pPr algn="ctr">
@@ -9422,7 +9621,7 @@
                     </a:p>
                   </a:txBody>
                   <a:tcPr marL="190500" marR="190500" marT="190500" marB="190500" anchor="ctr">
-                    <a:lnL cmpd="sng" algn="ctr" cap="flat" w="38100">
+                    <a:lnL w="38100" cap="flat" cmpd="sng" algn="ctr">
                       <a:solidFill>
                         <a:srgbClr val="000000"/>
                       </a:solidFill>
@@ -9431,7 +9630,7 @@
                       <a:headEnd type="none" w="med" len="med"/>
                       <a:tailEnd type="none" w="med" len="med"/>
                     </a:lnL>
-                    <a:lnR cmpd="sng" algn="ctr" cap="flat" w="38100">
+                    <a:lnR w="38100" cap="flat" cmpd="sng" algn="ctr">
                       <a:solidFill>
                         <a:srgbClr val="000000"/>
                       </a:solidFill>
@@ -9440,7 +9639,7 @@
                       <a:headEnd type="none" w="med" len="med"/>
                       <a:tailEnd type="none" w="med" len="med"/>
                     </a:lnR>
-                    <a:lnT cmpd="sng" algn="ctr" cap="flat" w="38100">
+                    <a:lnT w="38100" cap="flat" cmpd="sng" algn="ctr">
                       <a:solidFill>
                         <a:srgbClr val="000000"/>
                       </a:solidFill>
@@ -9449,7 +9648,7 @@
                       <a:headEnd type="none" w="med" len="med"/>
                       <a:tailEnd type="none" w="med" len="med"/>
                     </a:lnT>
-                    <a:lnB cmpd="sng" algn="ctr" cap="flat" w="38100">
+                    <a:lnB w="38100" cap="flat" cmpd="sng" algn="ctr">
                       <a:solidFill>
                         <a:srgbClr val="000000"/>
                       </a:solidFill>
@@ -9462,7 +9661,7 @@
                 </a:tc>
                 <a:tc>
                   <a:txBody>
-                    <a:bodyPr anchor="t" rtlCol="false"/>
+                    <a:bodyPr/>
                     <a:lstStyle/>
                     <a:p>
                       <a:pPr algn="ctr">
@@ -9487,7 +9686,7 @@
                     </a:p>
                   </a:txBody>
                   <a:tcPr marL="190500" marR="190500" marT="190500" marB="190500" anchor="ctr">
-                    <a:lnL cmpd="sng" algn="ctr" cap="flat" w="38100">
+                    <a:lnL w="38100" cap="flat" cmpd="sng" algn="ctr">
                       <a:solidFill>
                         <a:srgbClr val="000000"/>
                       </a:solidFill>
@@ -9496,7 +9695,7 @@
                       <a:headEnd type="none" w="med" len="med"/>
                       <a:tailEnd type="none" w="med" len="med"/>
                     </a:lnL>
-                    <a:lnR cmpd="sng" algn="ctr" cap="flat" w="38100">
+                    <a:lnR w="38100" cap="flat" cmpd="sng" algn="ctr">
                       <a:solidFill>
                         <a:srgbClr val="000000"/>
                       </a:solidFill>
@@ -9505,7 +9704,7 @@
                       <a:headEnd type="none" w="med" len="med"/>
                       <a:tailEnd type="none" w="med" len="med"/>
                     </a:lnR>
-                    <a:lnT cmpd="sng" algn="ctr" cap="flat" w="38100">
+                    <a:lnT w="38100" cap="flat" cmpd="sng" algn="ctr">
                       <a:solidFill>
                         <a:srgbClr val="000000"/>
                       </a:solidFill>
@@ -9514,7 +9713,7 @@
                       <a:headEnd type="none" w="med" len="med"/>
                       <a:tailEnd type="none" w="med" len="med"/>
                     </a:lnT>
-                    <a:lnB cmpd="sng" algn="ctr" cap="flat" w="38100">
+                    <a:lnB w="38100" cap="flat" cmpd="sng" algn="ctr">
                       <a:solidFill>
                         <a:srgbClr val="000000"/>
                       </a:solidFill>
@@ -9527,7 +9726,7 @@
                 </a:tc>
                 <a:tc>
                   <a:txBody>
-                    <a:bodyPr anchor="t" rtlCol="false"/>
+                    <a:bodyPr/>
                     <a:lstStyle/>
                     <a:p>
                       <a:pPr algn="ctr">
@@ -9552,7 +9751,7 @@
                     </a:p>
                   </a:txBody>
                   <a:tcPr marL="190500" marR="190500" marT="190500" marB="190500" anchor="ctr">
-                    <a:lnL cmpd="sng" algn="ctr" cap="flat" w="38100">
+                    <a:lnL w="38100" cap="flat" cmpd="sng" algn="ctr">
                       <a:solidFill>
                         <a:srgbClr val="000000"/>
                       </a:solidFill>
@@ -9561,7 +9760,7 @@
                       <a:headEnd type="none" w="med" len="med"/>
                       <a:tailEnd type="none" w="med" len="med"/>
                     </a:lnL>
-                    <a:lnR cmpd="sng" algn="ctr" cap="flat" w="38100">
+                    <a:lnR w="38100" cap="flat" cmpd="sng" algn="ctr">
                       <a:solidFill>
                         <a:srgbClr val="000000"/>
                       </a:solidFill>
@@ -9570,7 +9769,7 @@
                       <a:headEnd type="none" w="med" len="med"/>
                       <a:tailEnd type="none" w="med" len="med"/>
                     </a:lnR>
-                    <a:lnT cmpd="sng" algn="ctr" cap="flat" w="38100">
+                    <a:lnT w="38100" cap="flat" cmpd="sng" algn="ctr">
                       <a:solidFill>
                         <a:srgbClr val="000000"/>
                       </a:solidFill>
@@ -9579,7 +9778,7 @@
                       <a:headEnd type="none" w="med" len="med"/>
                       <a:tailEnd type="none" w="med" len="med"/>
                     </a:lnT>
-                    <a:lnB cmpd="sng" algn="ctr" cap="flat" w="38100">
+                    <a:lnB w="38100" cap="flat" cmpd="sng" algn="ctr">
                       <a:solidFill>
                         <a:srgbClr val="000000"/>
                       </a:solidFill>
@@ -9592,7 +9791,7 @@
                 </a:tc>
                 <a:tc>
                   <a:txBody>
-                    <a:bodyPr anchor="t" rtlCol="false"/>
+                    <a:bodyPr/>
                     <a:lstStyle/>
                     <a:p>
                       <a:pPr algn="ctr">
@@ -9617,7 +9816,7 @@
                     </a:p>
                   </a:txBody>
                   <a:tcPr marL="190500" marR="190500" marT="190500" marB="190500" anchor="ctr">
-                    <a:lnL cmpd="sng" algn="ctr" cap="flat" w="38100">
+                    <a:lnL w="38100" cap="flat" cmpd="sng" algn="ctr">
                       <a:solidFill>
                         <a:srgbClr val="000000"/>
                       </a:solidFill>
@@ -9626,7 +9825,7 @@
                       <a:headEnd type="none" w="med" len="med"/>
                       <a:tailEnd type="none" w="med" len="med"/>
                     </a:lnL>
-                    <a:lnR cmpd="sng" algn="ctr" cap="flat" w="38100">
+                    <a:lnR w="38100" cap="flat" cmpd="sng" algn="ctr">
                       <a:solidFill>
                         <a:srgbClr val="000000"/>
                       </a:solidFill>
@@ -9635,7 +9834,7 @@
                       <a:headEnd type="none" w="med" len="med"/>
                       <a:tailEnd type="none" w="med" len="med"/>
                     </a:lnR>
-                    <a:lnT cmpd="sng" algn="ctr" cap="flat" w="38100">
+                    <a:lnT w="38100" cap="flat" cmpd="sng" algn="ctr">
                       <a:solidFill>
                         <a:srgbClr val="000000"/>
                       </a:solidFill>
@@ -9644,7 +9843,7 @@
                       <a:headEnd type="none" w="med" len="med"/>
                       <a:tailEnd type="none" w="med" len="med"/>
                     </a:lnT>
-                    <a:lnB cmpd="sng" algn="ctr" cap="flat" w="38100">
+                    <a:lnB w="38100" cap="flat" cmpd="sng" algn="ctr">
                       <a:solidFill>
                         <a:srgbClr val="000000"/>
                       </a:solidFill>
@@ -9655,11 +9854,16 @@
                     </a:lnB>
                   </a:tcPr>
                 </a:tc>
+                <a:extLst>
+                  <a:ext uri="{0D108BD9-81ED-4DB2-BD59-A6C34878D82A}">
+                    <a16:rowId xmlns:a16="http://schemas.microsoft.com/office/drawing/2014/main" val="10002"/>
+                  </a:ext>
+                </a:extLst>
               </a:tr>
               <a:tr h="1072630">
                 <a:tc>
                   <a:txBody>
-                    <a:bodyPr anchor="t" rtlCol="false"/>
+                    <a:bodyPr/>
                     <a:lstStyle/>
                     <a:p>
                       <a:pPr algn="ctr">
@@ -9684,7 +9888,7 @@
                     </a:p>
                   </a:txBody>
                   <a:tcPr marL="190500" marR="190500" marT="190500" marB="190500" anchor="ctr">
-                    <a:lnL cmpd="sng" algn="ctr" cap="flat" w="38100">
+                    <a:lnL w="38100" cap="flat" cmpd="sng" algn="ctr">
                       <a:solidFill>
                         <a:srgbClr val="000000"/>
                       </a:solidFill>
@@ -9693,7 +9897,7 @@
                       <a:headEnd type="none" w="med" len="med"/>
                       <a:tailEnd type="none" w="med" len="med"/>
                     </a:lnL>
-                    <a:lnR cmpd="sng" algn="ctr" cap="flat" w="38100">
+                    <a:lnR w="38100" cap="flat" cmpd="sng" algn="ctr">
                       <a:solidFill>
                         <a:srgbClr val="000000"/>
                       </a:solidFill>
@@ -9702,7 +9906,7 @@
                       <a:headEnd type="none" w="med" len="med"/>
                       <a:tailEnd type="none" w="med" len="med"/>
                     </a:lnR>
-                    <a:lnT cmpd="sng" algn="ctr" cap="flat" w="38100">
+                    <a:lnT w="38100" cap="flat" cmpd="sng" algn="ctr">
                       <a:solidFill>
                         <a:srgbClr val="000000"/>
                       </a:solidFill>
@@ -9711,7 +9915,7 @@
                       <a:headEnd type="none" w="med" len="med"/>
                       <a:tailEnd type="none" w="med" len="med"/>
                     </a:lnT>
-                    <a:lnB cmpd="sng" algn="ctr" cap="flat" w="38100">
+                    <a:lnB w="38100" cap="flat" cmpd="sng" algn="ctr">
                       <a:solidFill>
                         <a:srgbClr val="000000"/>
                       </a:solidFill>
@@ -9724,7 +9928,7 @@
                 </a:tc>
                 <a:tc>
                   <a:txBody>
-                    <a:bodyPr anchor="t" rtlCol="false"/>
+                    <a:bodyPr/>
                     <a:lstStyle/>
                     <a:p>
                       <a:pPr algn="ctr">
@@ -9749,7 +9953,7 @@
                     </a:p>
                   </a:txBody>
                   <a:tcPr marL="190500" marR="190500" marT="190500" marB="190500" anchor="ctr">
-                    <a:lnL cmpd="sng" algn="ctr" cap="flat" w="38100">
+                    <a:lnL w="38100" cap="flat" cmpd="sng" algn="ctr">
                       <a:solidFill>
                         <a:srgbClr val="000000"/>
                       </a:solidFill>
@@ -9758,7 +9962,7 @@
                       <a:headEnd type="none" w="med" len="med"/>
                       <a:tailEnd type="none" w="med" len="med"/>
                     </a:lnL>
-                    <a:lnR cmpd="sng" algn="ctr" cap="flat" w="38100">
+                    <a:lnR w="38100" cap="flat" cmpd="sng" algn="ctr">
                       <a:solidFill>
                         <a:srgbClr val="000000"/>
                       </a:solidFill>
@@ -9767,7 +9971,7 @@
                       <a:headEnd type="none" w="med" len="med"/>
                       <a:tailEnd type="none" w="med" len="med"/>
                     </a:lnR>
-                    <a:lnT cmpd="sng" algn="ctr" cap="flat" w="38100">
+                    <a:lnT w="38100" cap="flat" cmpd="sng" algn="ctr">
                       <a:solidFill>
                         <a:srgbClr val="000000"/>
                       </a:solidFill>
@@ -9776,7 +9980,7 @@
                       <a:headEnd type="none" w="med" len="med"/>
                       <a:tailEnd type="none" w="med" len="med"/>
                     </a:lnT>
-                    <a:lnB cmpd="sng" algn="ctr" cap="flat" w="38100">
+                    <a:lnB w="38100" cap="flat" cmpd="sng" algn="ctr">
                       <a:solidFill>
                         <a:srgbClr val="000000"/>
                       </a:solidFill>
@@ -9789,7 +9993,7 @@
                 </a:tc>
                 <a:tc>
                   <a:txBody>
-                    <a:bodyPr anchor="t" rtlCol="false"/>
+                    <a:bodyPr/>
                     <a:lstStyle/>
                     <a:p>
                       <a:pPr algn="ctr">
@@ -9814,7 +10018,7 @@
                     </a:p>
                   </a:txBody>
                   <a:tcPr marL="190500" marR="190500" marT="190500" marB="190500" anchor="ctr">
-                    <a:lnL cmpd="sng" algn="ctr" cap="flat" w="38100">
+                    <a:lnL w="38100" cap="flat" cmpd="sng" algn="ctr">
                       <a:solidFill>
                         <a:srgbClr val="000000"/>
                       </a:solidFill>
@@ -9823,7 +10027,7 @@
                       <a:headEnd type="none" w="med" len="med"/>
                       <a:tailEnd type="none" w="med" len="med"/>
                     </a:lnL>
-                    <a:lnR cmpd="sng" algn="ctr" cap="flat" w="38100">
+                    <a:lnR w="38100" cap="flat" cmpd="sng" algn="ctr">
                       <a:solidFill>
                         <a:srgbClr val="000000"/>
                       </a:solidFill>
@@ -9832,7 +10036,7 @@
                       <a:headEnd type="none" w="med" len="med"/>
                       <a:tailEnd type="none" w="med" len="med"/>
                     </a:lnR>
-                    <a:lnT cmpd="sng" algn="ctr" cap="flat" w="38100">
+                    <a:lnT w="38100" cap="flat" cmpd="sng" algn="ctr">
                       <a:solidFill>
                         <a:srgbClr val="000000"/>
                       </a:solidFill>
@@ -9841,7 +10045,7 @@
                       <a:headEnd type="none" w="med" len="med"/>
                       <a:tailEnd type="none" w="med" len="med"/>
                     </a:lnT>
-                    <a:lnB cmpd="sng" algn="ctr" cap="flat" w="38100">
+                    <a:lnB w="38100" cap="flat" cmpd="sng" algn="ctr">
                       <a:solidFill>
                         <a:srgbClr val="000000"/>
                       </a:solidFill>
@@ -9854,7 +10058,7 @@
                 </a:tc>
                 <a:tc>
                   <a:txBody>
-                    <a:bodyPr anchor="t" rtlCol="false"/>
+                    <a:bodyPr/>
                     <a:lstStyle/>
                     <a:p>
                       <a:pPr algn="ctr">
@@ -9879,7 +10083,7 @@
                     </a:p>
                   </a:txBody>
                   <a:tcPr marL="190500" marR="190500" marT="190500" marB="190500" anchor="ctr">
-                    <a:lnL cmpd="sng" algn="ctr" cap="flat" w="38100">
+                    <a:lnL w="38100" cap="flat" cmpd="sng" algn="ctr">
                       <a:solidFill>
                         <a:srgbClr val="000000"/>
                       </a:solidFill>
@@ -9888,7 +10092,7 @@
                       <a:headEnd type="none" w="med" len="med"/>
                       <a:tailEnd type="none" w="med" len="med"/>
                     </a:lnL>
-                    <a:lnR cmpd="sng" algn="ctr" cap="flat" w="38100">
+                    <a:lnR w="38100" cap="flat" cmpd="sng" algn="ctr">
                       <a:solidFill>
                         <a:srgbClr val="000000"/>
                       </a:solidFill>
@@ -9897,7 +10101,7 @@
                       <a:headEnd type="none" w="med" len="med"/>
                       <a:tailEnd type="none" w="med" len="med"/>
                     </a:lnR>
-                    <a:lnT cmpd="sng" algn="ctr" cap="flat" w="38100">
+                    <a:lnT w="38100" cap="flat" cmpd="sng" algn="ctr">
                       <a:solidFill>
                         <a:srgbClr val="000000"/>
                       </a:solidFill>
@@ -9906,7 +10110,7 @@
                       <a:headEnd type="none" w="med" len="med"/>
                       <a:tailEnd type="none" w="med" len="med"/>
                     </a:lnT>
-                    <a:lnB cmpd="sng" algn="ctr" cap="flat" w="38100">
+                    <a:lnB w="38100" cap="flat" cmpd="sng" algn="ctr">
                       <a:solidFill>
                         <a:srgbClr val="000000"/>
                       </a:solidFill>
@@ -9917,11 +10121,16 @@
                     </a:lnB>
                   </a:tcPr>
                 </a:tc>
+                <a:extLst>
+                  <a:ext uri="{0D108BD9-81ED-4DB2-BD59-A6C34878D82A}">
+                    <a16:rowId xmlns:a16="http://schemas.microsoft.com/office/drawing/2014/main" val="10003"/>
+                  </a:ext>
+                </a:extLst>
               </a:tr>
               <a:tr h="1072630">
                 <a:tc>
                   <a:txBody>
-                    <a:bodyPr anchor="t" rtlCol="false"/>
+                    <a:bodyPr/>
                     <a:lstStyle/>
                     <a:p>
                       <a:pPr algn="ctr">
@@ -9946,7 +10155,7 @@
                     </a:p>
                   </a:txBody>
                   <a:tcPr marL="190500" marR="190500" marT="190500" marB="190500" anchor="ctr">
-                    <a:lnL cmpd="sng" algn="ctr" cap="flat" w="38100">
+                    <a:lnL w="38100" cap="flat" cmpd="sng" algn="ctr">
                       <a:solidFill>
                         <a:srgbClr val="000000"/>
                       </a:solidFill>
@@ -9955,7 +10164,7 @@
                       <a:headEnd type="none" w="med" len="med"/>
                       <a:tailEnd type="none" w="med" len="med"/>
                     </a:lnL>
-                    <a:lnR cmpd="sng" algn="ctr" cap="flat" w="38100">
+                    <a:lnR w="38100" cap="flat" cmpd="sng" algn="ctr">
                       <a:solidFill>
                         <a:srgbClr val="000000"/>
                       </a:solidFill>
@@ -9964,7 +10173,7 @@
                       <a:headEnd type="none" w="med" len="med"/>
                       <a:tailEnd type="none" w="med" len="med"/>
                     </a:lnR>
-                    <a:lnT cmpd="sng" algn="ctr" cap="flat" w="38100">
+                    <a:lnT w="38100" cap="flat" cmpd="sng" algn="ctr">
                       <a:solidFill>
                         <a:srgbClr val="000000"/>
                       </a:solidFill>
@@ -9973,7 +10182,7 @@
                       <a:headEnd type="none" w="med" len="med"/>
                       <a:tailEnd type="none" w="med" len="med"/>
                     </a:lnT>
-                    <a:lnB cmpd="sng" algn="ctr" cap="flat" w="38100">
+                    <a:lnB w="38100" cap="flat" cmpd="sng" algn="ctr">
                       <a:solidFill>
                         <a:srgbClr val="000000"/>
                       </a:solidFill>
@@ -9986,7 +10195,7 @@
                 </a:tc>
                 <a:tc>
                   <a:txBody>
-                    <a:bodyPr anchor="t" rtlCol="false"/>
+                    <a:bodyPr/>
                     <a:lstStyle/>
                     <a:p>
                       <a:pPr algn="ctr">
@@ -9996,7 +10205,7 @@
                         <a:defRPr/>
                       </a:pPr>
                       <a:r>
-                        <a:rPr lang="en-US" b="true" sz="2000">
+                        <a:rPr lang="en-US" sz="2000" b="1">
                           <a:solidFill>
                             <a:srgbClr val="000000"/>
                           </a:solidFill>
@@ -10011,7 +10220,7 @@
                     </a:p>
                   </a:txBody>
                   <a:tcPr marL="190500" marR="190500" marT="190500" marB="190500" anchor="ctr">
-                    <a:lnL cmpd="sng" algn="ctr" cap="flat" w="38100">
+                    <a:lnL w="38100" cap="flat" cmpd="sng" algn="ctr">
                       <a:solidFill>
                         <a:srgbClr val="000000"/>
                       </a:solidFill>
@@ -10020,7 +10229,7 @@
                       <a:headEnd type="none" w="med" len="med"/>
                       <a:tailEnd type="none" w="med" len="med"/>
                     </a:lnL>
-                    <a:lnR cmpd="sng" algn="ctr" cap="flat" w="38100">
+                    <a:lnR w="38100" cap="flat" cmpd="sng" algn="ctr">
                       <a:solidFill>
                         <a:srgbClr val="000000"/>
                       </a:solidFill>
@@ -10029,7 +10238,7 @@
                       <a:headEnd type="none" w="med" len="med"/>
                       <a:tailEnd type="none" w="med" len="med"/>
                     </a:lnR>
-                    <a:lnT cmpd="sng" algn="ctr" cap="flat" w="38100">
+                    <a:lnT w="38100" cap="flat" cmpd="sng" algn="ctr">
                       <a:solidFill>
                         <a:srgbClr val="000000"/>
                       </a:solidFill>
@@ -10038,7 +10247,7 @@
                       <a:headEnd type="none" w="med" len="med"/>
                       <a:tailEnd type="none" w="med" len="med"/>
                     </a:lnT>
-                    <a:lnB cmpd="sng" algn="ctr" cap="flat" w="38100">
+                    <a:lnB w="38100" cap="flat" cmpd="sng" algn="ctr">
                       <a:solidFill>
                         <a:srgbClr val="000000"/>
                       </a:solidFill>
@@ -10051,7 +10260,7 @@
                 </a:tc>
                 <a:tc>
                   <a:txBody>
-                    <a:bodyPr anchor="t" rtlCol="false"/>
+                    <a:bodyPr/>
                     <a:lstStyle/>
                     <a:p>
                       <a:pPr algn="ctr">
@@ -10061,7 +10270,7 @@
                         <a:defRPr/>
                       </a:pPr>
                       <a:r>
-                        <a:rPr lang="en-US" b="true" sz="2000">
+                        <a:rPr lang="en-US" sz="2000" b="1">
                           <a:solidFill>
                             <a:srgbClr val="000000"/>
                           </a:solidFill>
@@ -10076,7 +10285,7 @@
                     </a:p>
                   </a:txBody>
                   <a:tcPr marL="190500" marR="190500" marT="190500" marB="190500" anchor="ctr">
-                    <a:lnL cmpd="sng" algn="ctr" cap="flat" w="38100">
+                    <a:lnL w="38100" cap="flat" cmpd="sng" algn="ctr">
                       <a:solidFill>
                         <a:srgbClr val="000000"/>
                       </a:solidFill>
@@ -10085,7 +10294,7 @@
                       <a:headEnd type="none" w="med" len="med"/>
                       <a:tailEnd type="none" w="med" len="med"/>
                     </a:lnL>
-                    <a:lnR cmpd="sng" algn="ctr" cap="flat" w="38100">
+                    <a:lnR w="38100" cap="flat" cmpd="sng" algn="ctr">
                       <a:solidFill>
                         <a:srgbClr val="000000"/>
                       </a:solidFill>
@@ -10094,7 +10303,7 @@
                       <a:headEnd type="none" w="med" len="med"/>
                       <a:tailEnd type="none" w="med" len="med"/>
                     </a:lnR>
-                    <a:lnT cmpd="sng" algn="ctr" cap="flat" w="38100">
+                    <a:lnT w="38100" cap="flat" cmpd="sng" algn="ctr">
                       <a:solidFill>
                         <a:srgbClr val="000000"/>
                       </a:solidFill>
@@ -10103,7 +10312,7 @@
                       <a:headEnd type="none" w="med" len="med"/>
                       <a:tailEnd type="none" w="med" len="med"/>
                     </a:lnT>
-                    <a:lnB cmpd="sng" algn="ctr" cap="flat" w="38100">
+                    <a:lnB w="38100" cap="flat" cmpd="sng" algn="ctr">
                       <a:solidFill>
                         <a:srgbClr val="000000"/>
                       </a:solidFill>
@@ -10116,7 +10325,7 @@
                 </a:tc>
                 <a:tc>
                   <a:txBody>
-                    <a:bodyPr anchor="t" rtlCol="false"/>
+                    <a:bodyPr/>
                     <a:lstStyle/>
                     <a:p>
                       <a:pPr algn="ctr">
@@ -10141,7 +10350,7 @@
                     </a:p>
                   </a:txBody>
                   <a:tcPr marL="190500" marR="190500" marT="190500" marB="190500" anchor="ctr">
-                    <a:lnL cmpd="sng" algn="ctr" cap="flat" w="38100">
+                    <a:lnL w="38100" cap="flat" cmpd="sng" algn="ctr">
                       <a:solidFill>
                         <a:srgbClr val="000000"/>
                       </a:solidFill>
@@ -10150,7 +10359,7 @@
                       <a:headEnd type="none" w="med" len="med"/>
                       <a:tailEnd type="none" w="med" len="med"/>
                     </a:lnL>
-                    <a:lnR cmpd="sng" algn="ctr" cap="flat" w="38100">
+                    <a:lnR w="38100" cap="flat" cmpd="sng" algn="ctr">
                       <a:solidFill>
                         <a:srgbClr val="000000"/>
                       </a:solidFill>
@@ -10159,7 +10368,7 @@
                       <a:headEnd type="none" w="med" len="med"/>
                       <a:tailEnd type="none" w="med" len="med"/>
                     </a:lnR>
-                    <a:lnT cmpd="sng" algn="ctr" cap="flat" w="38100">
+                    <a:lnT w="38100" cap="flat" cmpd="sng" algn="ctr">
                       <a:solidFill>
                         <a:srgbClr val="000000"/>
                       </a:solidFill>
@@ -10168,7 +10377,7 @@
                       <a:headEnd type="none" w="med" len="med"/>
                       <a:tailEnd type="none" w="med" len="med"/>
                     </a:lnT>
-                    <a:lnB cmpd="sng" algn="ctr" cap="flat" w="38100">
+                    <a:lnB w="38100" cap="flat" cmpd="sng" algn="ctr">
                       <a:solidFill>
                         <a:srgbClr val="000000"/>
                       </a:solidFill>
@@ -10179,6 +10388,11 @@
                     </a:lnB>
                   </a:tcPr>
                 </a:tc>
+                <a:extLst>
+                  <a:ext uri="{0D108BD9-81ED-4DB2-BD59-A6C34878D82A}">
+                    <a16:rowId xmlns:a16="http://schemas.microsoft.com/office/drawing/2014/main" val="10004"/>
+                  </a:ext>
+                </a:extLst>
               </a:tr>
             </a:tbl>
           </a:graphicData>
@@ -10186,12 +10400,12 @@
       </p:graphicFrame>
       <p:sp>
         <p:nvSpPr>
-          <p:cNvPr name="TextBox 3" id="3"/>
-          <p:cNvSpPr txBox="true"/>
+          <p:cNvPr id="3" name="TextBox 3"/>
+          <p:cNvSpPr txBox="1"/>
           <p:nvPr/>
         </p:nvSpPr>
         <p:spPr>
-          <a:xfrm rot="0">
+          <a:xfrm>
             <a:off x="8934450" y="1328206"/>
             <a:ext cx="8324850" cy="1485900"/>
           </a:xfrm>
@@ -10200,12 +10414,12 @@
           </a:prstGeom>
         </p:spPr>
         <p:txBody>
-          <a:bodyPr anchor="t" rtlCol="false" tIns="0" lIns="0" bIns="0" rIns="0">
+          <a:bodyPr lIns="0" tIns="0" rIns="0" bIns="0" rtlCol="0" anchor="t">
             <a:spAutoFit/>
           </a:bodyPr>
           <a:lstStyle/>
           <a:p>
-            <a:pPr algn="l" marL="0" indent="0" lvl="0">
+            <a:pPr marL="0" lvl="0" indent="0" algn="l">
               <a:lnSpc>
                 <a:spcPts val="3900"/>
               </a:lnSpc>
@@ -10223,7 +10437,7 @@
               <a:t>The results indicate </a:t>
             </a:r>
             <a:r>
-              <a:rPr lang="en-US" b="true" sz="3000">
+              <a:rPr lang="en-US" sz="3000" b="1">
                 <a:solidFill>
                   <a:srgbClr val="203040"/>
                 </a:solidFill>
@@ -10251,12 +10465,12 @@
       </p:sp>
       <p:sp>
         <p:nvSpPr>
-          <p:cNvPr name="TextBox 4" id="4"/>
-          <p:cNvSpPr txBox="true"/>
+          <p:cNvPr id="4" name="TextBox 4"/>
+          <p:cNvSpPr txBox="1"/>
           <p:nvPr/>
         </p:nvSpPr>
         <p:spPr>
-          <a:xfrm rot="0">
+          <a:xfrm>
             <a:off x="1028700" y="1035471"/>
             <a:ext cx="8324850" cy="2280919"/>
           </a:xfrm>
@@ -10265,12 +10479,12 @@
           </a:prstGeom>
         </p:spPr>
         <p:txBody>
-          <a:bodyPr anchor="t" rtlCol="false" tIns="0" lIns="0" bIns="0" rIns="0">
+          <a:bodyPr lIns="0" tIns="0" rIns="0" bIns="0" rtlCol="0" anchor="t">
             <a:spAutoFit/>
           </a:bodyPr>
           <a:lstStyle/>
           <a:p>
-            <a:pPr algn="l" marL="0" indent="0" lvl="0">
+            <a:pPr marL="0" lvl="0" indent="0" algn="l">
               <a:lnSpc>
                 <a:spcPts val="8799"/>
               </a:lnSpc>
